--- a/GUMBO-compositional-reasoning/GUMBO-system-reasoning-principles.pptx
+++ b/GUMBO-compositional-reasoning/GUMBO-system-reasoning-principles.pptx
@@ -30833,7 +30833,7 @@
           <a:p>
             <a:r>
               <a:rPr lang="en-US" sz="1800" dirty="0"/>
-              <a:t>Framework Invariant (System Assertion)</a:t>
+              <a:t>System Assertion</a:t>
             </a:r>
           </a:p>
           <a:p>
@@ -31384,8 +31384,8 @@
         </p:nvSpPr>
         <p:spPr>
           <a:xfrm>
-            <a:off x="2091630" y="5831545"/>
-            <a:ext cx="386644" cy="261610"/>
+            <a:off x="1981200" y="5831545"/>
+            <a:ext cx="854721" cy="261610"/>
           </a:xfrm>
           <a:prstGeom prst="rect">
             <a:avLst/>
@@ -31402,7 +31402,7 @@
           <a:p>
             <a:r>
               <a:rPr lang="en-US" sz="1100" dirty="0"/>
-              <a:t>Inv</a:t>
+              <a:t>SysAssert1</a:t>
             </a:r>
           </a:p>
         </p:txBody>
@@ -31422,7 +31422,7 @@
         <p:spPr>
           <a:xfrm>
             <a:off x="5519457" y="5834390"/>
-            <a:ext cx="386644" cy="261610"/>
+            <a:ext cx="854721" cy="261610"/>
           </a:xfrm>
           <a:prstGeom prst="rect">
             <a:avLst/>
@@ -31439,7 +31439,7 @@
           <a:p>
             <a:r>
               <a:rPr lang="en-US" sz="1100" dirty="0"/>
-              <a:t>Inv</a:t>
+              <a:t>SysAssert2</a:t>
             </a:r>
           </a:p>
         </p:txBody>
@@ -31530,13 +31530,13 @@
           <a:p>
             <a:r>
               <a:rPr lang="en-US" dirty="0"/>
-              <a:t>Inv implies Pre</a:t>
+              <a:t>SysAssert1 implies Pre</a:t>
             </a:r>
           </a:p>
           <a:p>
             <a:r>
               <a:rPr lang="en-US" dirty="0"/>
-              <a:t>Inv &amp; Post implies Inv</a:t>
+              <a:t>SysAssert1 &amp; Post implies SysAssert2</a:t>
             </a:r>
           </a:p>
         </p:txBody>
@@ -32069,8 +32069,8 @@
         </p:nvSpPr>
         <p:spPr>
           <a:xfrm>
-            <a:off x="2224999" y="2176584"/>
-            <a:ext cx="386644" cy="261610"/>
+            <a:off x="2057400" y="2176584"/>
+            <a:ext cx="854721" cy="261610"/>
           </a:xfrm>
           <a:prstGeom prst="rect">
             <a:avLst/>
@@ -32087,7 +32087,7 @@
           <a:p>
             <a:r>
               <a:rPr lang="en-US" sz="1100" dirty="0"/>
-              <a:t>Inv</a:t>
+              <a:t>SysAssert1</a:t>
             </a:r>
           </a:p>
         </p:txBody>
@@ -32107,7 +32107,7 @@
         <p:spPr>
           <a:xfrm>
             <a:off x="5652826" y="2179429"/>
-            <a:ext cx="386644" cy="261610"/>
+            <a:ext cx="854721" cy="261610"/>
           </a:xfrm>
           <a:prstGeom prst="rect">
             <a:avLst/>
@@ -32124,7 +32124,7 @@
           <a:p>
             <a:r>
               <a:rPr lang="en-US" sz="1100" dirty="0"/>
-              <a:t>Inv</a:t>
+              <a:t>SysAssert2</a:t>
             </a:r>
           </a:p>
         </p:txBody>
@@ -33564,8 +33564,8 @@
         </p:nvSpPr>
         <p:spPr>
           <a:xfrm>
-            <a:off x="4129999" y="2085145"/>
-            <a:ext cx="386644" cy="261610"/>
+            <a:off x="3959564" y="2099404"/>
+            <a:ext cx="854721" cy="261610"/>
           </a:xfrm>
           <a:prstGeom prst="rect">
             <a:avLst/>
@@ -33582,7 +33582,7 @@
           <a:p>
             <a:r>
               <a:rPr lang="en-US" sz="1100" dirty="0"/>
-              <a:t>Inv</a:t>
+              <a:t>SysAssert1</a:t>
             </a:r>
           </a:p>
         </p:txBody>
@@ -33602,7 +33602,7 @@
         <p:spPr>
           <a:xfrm>
             <a:off x="7557826" y="2087990"/>
-            <a:ext cx="386644" cy="261610"/>
+            <a:ext cx="854721" cy="261610"/>
           </a:xfrm>
           <a:prstGeom prst="rect">
             <a:avLst/>
@@ -33619,7 +33619,7 @@
           <a:p>
             <a:r>
               <a:rPr lang="en-US" sz="1100" dirty="0"/>
-              <a:t>Inv</a:t>
+              <a:t>SysAssert2</a:t>
             </a:r>
           </a:p>
         </p:txBody>
@@ -33638,8 +33638,8 @@
         </p:nvSpPr>
         <p:spPr>
           <a:xfrm>
-            <a:off x="381000" y="1954340"/>
-            <a:ext cx="386644" cy="261610"/>
+            <a:off x="2903" y="2008991"/>
+            <a:ext cx="777777" cy="261610"/>
           </a:xfrm>
           <a:prstGeom prst="rect">
             <a:avLst/>
@@ -33655,9 +33655,10 @@
           <a:lstStyle/>
           <a:p>
             <a:r>
-              <a:rPr lang="en-US" sz="1100" dirty="0"/>
-              <a:t>Inv</a:t>
-            </a:r>
+              <a:rPr lang="en-US" sz="1100" dirty="0" err="1"/>
+              <a:t>SysAssert</a:t>
+            </a:r>
+            <a:endParaRPr lang="en-US" sz="1100" dirty="0"/>
           </a:p>
         </p:txBody>
       </p:sp>
@@ -40833,8 +40834,8 @@
         </p:nvSpPr>
         <p:spPr>
           <a:xfrm>
-            <a:off x="457200" y="4655111"/>
-            <a:ext cx="1613775" cy="461665"/>
+            <a:off x="15023" y="4801587"/>
+            <a:ext cx="901657" cy="276999"/>
           </a:xfrm>
           <a:prstGeom prst="rect">
             <a:avLst/>
@@ -40848,10 +40849,10 @@
           <a:lstStyle/>
           <a:p>
             <a:r>
-              <a:rPr lang="en-US" dirty="0" err="1"/>
+              <a:rPr lang="en-US" sz="1200" dirty="0" err="1"/>
               <a:t>Reg_begin</a:t>
             </a:r>
-            <a:endParaRPr lang="en-US" dirty="0"/>
+            <a:endParaRPr lang="en-US" sz="1200" dirty="0"/>
           </a:p>
         </p:txBody>
       </p:sp>
@@ -41300,7 +41301,7 @@
         </p:nvSpPr>
         <p:spPr>
           <a:xfrm>
-            <a:off x="5908024" y="4655110"/>
+            <a:off x="7331352" y="4690531"/>
             <a:ext cx="1373325" cy="461665"/>
           </a:xfrm>
           <a:prstGeom prst="rect">
@@ -41451,9 +41452,9 @@
           <p:nvPr/>
         </p:nvCxnSpPr>
         <p:spPr bwMode="auto">
-          <a:xfrm flipV="1">
-            <a:off x="5559958" y="4885943"/>
-            <a:ext cx="348066" cy="11320"/>
+          <a:xfrm>
+            <a:off x="6615342" y="4919177"/>
+            <a:ext cx="716010" cy="2187"/>
           </a:xfrm>
           <a:prstGeom prst="line">
             <a:avLst/>
@@ -41489,7 +41490,7 @@
         </p:nvCxnSpPr>
         <p:spPr bwMode="auto">
           <a:xfrm>
-            <a:off x="1104167" y="4401011"/>
+            <a:off x="381000" y="4457118"/>
             <a:ext cx="0" cy="1085389"/>
           </a:xfrm>
           <a:prstGeom prst="line">
@@ -41630,13 +41631,15 @@
               </a:ext>
             </a:extLst>
           </p:cNvPr>
-          <p:cNvCxnSpPr/>
+          <p:cNvCxnSpPr>
+            <a:cxnSpLocks/>
+          </p:cNvCxnSpPr>
           <p:nvPr/>
         </p:nvCxnSpPr>
         <p:spPr bwMode="auto">
           <a:xfrm>
-            <a:off x="6557528" y="4152745"/>
-            <a:ext cx="0" cy="1466389"/>
+            <a:off x="6557528" y="4406920"/>
+            <a:ext cx="0" cy="904425"/>
           </a:xfrm>
           <a:prstGeom prst="line">
             <a:avLst/>
@@ -41693,10 +41696,10 @@
       </p:cxnSp>
       <p:sp>
         <p:nvSpPr>
-          <p:cNvPr id="89" name="TextBox 88">
-            <a:extLst>
-              <a:ext uri="{FF2B5EF4-FFF2-40B4-BE49-F238E27FC236}">
-                <a16:creationId xmlns:a16="http://schemas.microsoft.com/office/drawing/2014/main" id="{D995A8B4-279C-35B9-48D5-FBB8F2C55FEF}"/>
+          <p:cNvPr id="90" name="TextBox 89">
+            <a:extLst>
+              <a:ext uri="{FF2B5EF4-FFF2-40B4-BE49-F238E27FC236}">
+                <a16:creationId xmlns:a16="http://schemas.microsoft.com/office/drawing/2014/main" id="{14D956A6-7C8D-F4EC-555F-2536602404A5}"/>
               </a:ext>
             </a:extLst>
           </p:cNvPr>
@@ -41705,44 +41708,8 @@
         </p:nvSpPr>
         <p:spPr>
           <a:xfrm>
-            <a:off x="7333303" y="4607747"/>
-            <a:ext cx="1613775" cy="461665"/>
-          </a:xfrm>
-          <a:prstGeom prst="rect">
-            <a:avLst/>
-          </a:prstGeom>
-          <a:noFill/>
-        </p:spPr>
-        <p:txBody>
-          <a:bodyPr wrap="none" rtlCol="0">
-            <a:spAutoFit/>
-          </a:bodyPr>
-          <a:lstStyle/>
-          <a:p>
-            <a:r>
-              <a:rPr lang="en-US" dirty="0" err="1"/>
-              <a:t>Reg_begin</a:t>
-            </a:r>
-            <a:endParaRPr lang="en-US" dirty="0"/>
-          </a:p>
-        </p:txBody>
-      </p:sp>
-      <p:sp>
-        <p:nvSpPr>
-          <p:cNvPr id="90" name="TextBox 89">
-            <a:extLst>
-              <a:ext uri="{FF2B5EF4-FFF2-40B4-BE49-F238E27FC236}">
-                <a16:creationId xmlns:a16="http://schemas.microsoft.com/office/drawing/2014/main" id="{14D956A6-7C8D-F4EC-555F-2536602404A5}"/>
-              </a:ext>
-            </a:extLst>
-          </p:cNvPr>
-          <p:cNvSpPr txBox="1"/>
-          <p:nvPr/>
-        </p:nvSpPr>
-        <p:spPr>
-          <a:xfrm>
-            <a:off x="297279" y="3761723"/>
-            <a:ext cx="1613776" cy="769441"/>
+            <a:off x="228375" y="3839640"/>
+            <a:ext cx="2516811" cy="415498"/>
           </a:xfrm>
           <a:prstGeom prst="rect">
             <a:avLst/>
@@ -41756,8 +41723,8 @@
           <a:lstStyle/>
           <a:p>
             <a:r>
-              <a:rPr lang="en-US" sz="1100" dirty="0"/>
-              <a:t>There are no frame preconditions relevant for the DISPLAY TEMP function</a:t>
+              <a:rPr lang="en-US" sz="700" dirty="0"/>
+              <a:t>There are no frame preconditions relevant for the DISPLAY TEMP function .. BUT MRI and MHS have pre-conditions on lower/upper desired that must be established</a:t>
             </a:r>
           </a:p>
         </p:txBody>
@@ -41776,7 +41743,7 @@
         </p:nvSpPr>
         <p:spPr>
           <a:xfrm>
-            <a:off x="716280" y="5499285"/>
+            <a:off x="15023" y="5538964"/>
             <a:ext cx="918841" cy="230832"/>
           </a:xfrm>
           <a:prstGeom prst="rect">
@@ -42008,41 +41975,6 @@
       </p:sp>
       <p:sp>
         <p:nvSpPr>
-          <p:cNvPr id="101" name="TextBox 100">
-            <a:extLst>
-              <a:ext uri="{FF2B5EF4-FFF2-40B4-BE49-F238E27FC236}">
-                <a16:creationId xmlns:a16="http://schemas.microsoft.com/office/drawing/2014/main" id="{6846D21D-B1B6-7B8A-C0D3-C698A2EB7DFE}"/>
-              </a:ext>
-            </a:extLst>
-          </p:cNvPr>
-          <p:cNvSpPr txBox="1"/>
-          <p:nvPr/>
-        </p:nvSpPr>
-        <p:spPr>
-          <a:xfrm>
-            <a:off x="6764342" y="4402714"/>
-            <a:ext cx="966931" cy="261610"/>
-          </a:xfrm>
-          <a:prstGeom prst="rect">
-            <a:avLst/>
-          </a:prstGeom>
-          <a:noFill/>
-        </p:spPr>
-        <p:txBody>
-          <a:bodyPr wrap="none" rtlCol="0">
-            <a:spAutoFit/>
-          </a:bodyPr>
-          <a:lstStyle/>
-          <a:p>
-            <a:r>
-              <a:rPr lang="en-US" sz="1100" i="1" dirty="0"/>
-              <a:t>..new cycle..</a:t>
-            </a:r>
-          </a:p>
-        </p:txBody>
-      </p:sp>
-      <p:sp>
-        <p:nvSpPr>
           <p:cNvPr id="102" name="TextBox 101">
             <a:extLst>
               <a:ext uri="{FF2B5EF4-FFF2-40B4-BE49-F238E27FC236}">
@@ -42422,7 +42354,7 @@
         </p:nvSpPr>
         <p:spPr>
           <a:xfrm>
-            <a:off x="6409232" y="5608903"/>
+            <a:off x="7658006" y="5588681"/>
             <a:ext cx="829073" cy="230832"/>
           </a:xfrm>
           <a:prstGeom prst="rect">
@@ -42443,50 +42375,6 @@
                 </a:solidFill>
               </a:rPr>
               <a:t>Reg_end_SA</a:t>
-            </a:r>
-            <a:endParaRPr lang="en-US" sz="900" dirty="0">
-              <a:solidFill>
-                <a:srgbClr val="C00000"/>
-              </a:solidFill>
-            </a:endParaRPr>
-          </a:p>
-        </p:txBody>
-      </p:sp>
-      <p:sp>
-        <p:nvSpPr>
-          <p:cNvPr id="112" name="TextBox 111">
-            <a:extLst>
-              <a:ext uri="{FF2B5EF4-FFF2-40B4-BE49-F238E27FC236}">
-                <a16:creationId xmlns:a16="http://schemas.microsoft.com/office/drawing/2014/main" id="{40B02050-5FBA-97BB-0B31-B5F52465FB03}"/>
-              </a:ext>
-            </a:extLst>
-          </p:cNvPr>
-          <p:cNvSpPr txBox="1"/>
-          <p:nvPr/>
-        </p:nvSpPr>
-        <p:spPr>
-          <a:xfrm>
-            <a:off x="7797159" y="5588681"/>
-            <a:ext cx="918841" cy="230832"/>
-          </a:xfrm>
-          <a:prstGeom prst="rect">
-            <a:avLst/>
-          </a:prstGeom>
-          <a:noFill/>
-        </p:spPr>
-        <p:txBody>
-          <a:bodyPr wrap="none" rtlCol="0">
-            <a:spAutoFit/>
-          </a:bodyPr>
-          <a:lstStyle/>
-          <a:p>
-            <a:r>
-              <a:rPr lang="en-US" sz="900" dirty="0" err="1">
-                <a:solidFill>
-                  <a:srgbClr val="C00000"/>
-                </a:solidFill>
-              </a:rPr>
-              <a:t>Reg_begin_SA</a:t>
             </a:r>
             <a:endParaRPr lang="en-US" sz="900" dirty="0">
               <a:solidFill>
@@ -42720,12 +42608,51 @@
           <a:effectLst/>
         </p:spPr>
       </p:cxnSp>
+      <p:sp>
+        <p:nvSpPr>
+          <p:cNvPr id="120" name="TextBox 119">
+            <a:extLst>
+              <a:ext uri="{FF2B5EF4-FFF2-40B4-BE49-F238E27FC236}">
+                <a16:creationId xmlns:a16="http://schemas.microsoft.com/office/drawing/2014/main" id="{0AD5E49B-B4BA-A2A4-C550-9D8D69C0C3D7}"/>
+              </a:ext>
+            </a:extLst>
+          </p:cNvPr>
+          <p:cNvSpPr txBox="1"/>
+          <p:nvPr/>
+        </p:nvSpPr>
+        <p:spPr>
+          <a:xfrm>
+            <a:off x="4114102" y="6100718"/>
+            <a:ext cx="1995421" cy="600164"/>
+          </a:xfrm>
+          <a:prstGeom prst="rect">
+            <a:avLst/>
+          </a:prstGeom>
+          <a:noFill/>
+        </p:spPr>
+        <p:txBody>
+          <a:bodyPr wrap="square" rtlCol="0">
+            <a:spAutoFit/>
+          </a:bodyPr>
+          <a:lstStyle/>
+          <a:p>
+            <a:r>
+              <a:rPr lang="en-US" sz="1100" i="1" dirty="0" err="1"/>
+              <a:t>Display_Temp_Fun</a:t>
+            </a:r>
+            <a:r>
+              <a:rPr lang="en-US" sz="1100" i="1" dirty="0"/>
+              <a:t> property is preserved via component frame conditions here…</a:t>
+            </a:r>
+          </a:p>
+        </p:txBody>
+      </p:sp>
       <p:cxnSp>
         <p:nvCxnSpPr>
-          <p:cNvPr id="119" name="Straight Connector 118">
-            <a:extLst>
-              <a:ext uri="{FF2B5EF4-FFF2-40B4-BE49-F238E27FC236}">
-                <a16:creationId xmlns:a16="http://schemas.microsoft.com/office/drawing/2014/main" id="{14E6362A-BEC4-C737-F36F-B4A0F7B32B9A}"/>
+          <p:cNvPr id="121" name="Straight Connector 120">
+            <a:extLst>
+              <a:ext uri="{FF2B5EF4-FFF2-40B4-BE49-F238E27FC236}">
+                <a16:creationId xmlns:a16="http://schemas.microsoft.com/office/drawing/2014/main" id="{044BF567-AAB1-ED81-0344-1F29D7341197}"/>
               </a:ext>
             </a:extLst>
           </p:cNvPr>
@@ -42735,9 +42662,359 @@
           <p:nvPr/>
         </p:nvCxnSpPr>
         <p:spPr bwMode="auto">
+          <a:xfrm flipH="1" flipV="1">
+            <a:off x="4586275" y="5517628"/>
+            <a:ext cx="368178" cy="578372"/>
+          </a:xfrm>
+          <a:prstGeom prst="line">
+            <a:avLst/>
+          </a:prstGeom>
+          <a:solidFill>
+            <a:schemeClr val="accent1"/>
+          </a:solidFill>
+          <a:ln w="9525" cap="flat" cmpd="sng" algn="ctr">
+            <a:solidFill>
+              <a:schemeClr val="tx1"/>
+            </a:solidFill>
+            <a:prstDash val="dash"/>
+            <a:miter lim="800000"/>
+            <a:headEnd type="none" w="med" len="med"/>
+            <a:tailEnd type="none" w="med" len="med"/>
+          </a:ln>
+          <a:effectLst/>
+        </p:spPr>
+      </p:cxnSp>
+      <p:cxnSp>
+        <p:nvCxnSpPr>
+          <p:cNvPr id="123" name="Straight Connector 122">
+            <a:extLst>
+              <a:ext uri="{FF2B5EF4-FFF2-40B4-BE49-F238E27FC236}">
+                <a16:creationId xmlns:a16="http://schemas.microsoft.com/office/drawing/2014/main" id="{F8D10CCA-1170-CB7A-00D0-93645B23106D}"/>
+              </a:ext>
+            </a:extLst>
+          </p:cNvPr>
+          <p:cNvCxnSpPr>
+            <a:cxnSpLocks/>
+          </p:cNvCxnSpPr>
+          <p:nvPr/>
+        </p:nvCxnSpPr>
+        <p:spPr bwMode="auto">
           <a:xfrm flipV="1">
-            <a:off x="7094728" y="5065700"/>
-            <a:ext cx="348066" cy="11320"/>
+            <a:off x="5579876" y="5530327"/>
+            <a:ext cx="218132" cy="565673"/>
+          </a:xfrm>
+          <a:prstGeom prst="line">
+            <a:avLst/>
+          </a:prstGeom>
+          <a:solidFill>
+            <a:schemeClr val="accent1"/>
+          </a:solidFill>
+          <a:ln w="9525" cap="flat" cmpd="sng" algn="ctr">
+            <a:solidFill>
+              <a:schemeClr val="tx1"/>
+            </a:solidFill>
+            <a:prstDash val="dash"/>
+            <a:miter lim="800000"/>
+            <a:headEnd type="none" w="med" len="med"/>
+            <a:tailEnd type="none" w="med" len="med"/>
+          </a:ln>
+          <a:effectLst/>
+        </p:spPr>
+      </p:cxnSp>
+      <p:sp>
+        <p:nvSpPr>
+          <p:cNvPr id="126" name="TextBox 125">
+            <a:extLst>
+              <a:ext uri="{FF2B5EF4-FFF2-40B4-BE49-F238E27FC236}">
+                <a16:creationId xmlns:a16="http://schemas.microsoft.com/office/drawing/2014/main" id="{4ED70DAC-E61A-AA4E-BE7F-3BD023ADD119}"/>
+              </a:ext>
+            </a:extLst>
+          </p:cNvPr>
+          <p:cNvSpPr txBox="1"/>
+          <p:nvPr/>
+        </p:nvSpPr>
+        <p:spPr>
+          <a:xfrm>
+            <a:off x="6268163" y="6101680"/>
+            <a:ext cx="1656637" cy="600164"/>
+          </a:xfrm>
+          <a:prstGeom prst="rect">
+            <a:avLst/>
+          </a:prstGeom>
+          <a:noFill/>
+        </p:spPr>
+        <p:txBody>
+          <a:bodyPr wrap="square" rtlCol="0">
+            <a:spAutoFit/>
+          </a:bodyPr>
+          <a:lstStyle/>
+          <a:p>
+            <a:r>
+              <a:rPr lang="en-US" sz="1100" i="1" dirty="0" err="1"/>
+              <a:t>Display_Temp_Fun</a:t>
+            </a:r>
+            <a:r>
+              <a:rPr lang="en-US" sz="1100" i="1" dirty="0"/>
+              <a:t> property holds at the end of the cycle</a:t>
+            </a:r>
+          </a:p>
+        </p:txBody>
+      </p:sp>
+      <p:cxnSp>
+        <p:nvCxnSpPr>
+          <p:cNvPr id="127" name="Straight Connector 126">
+            <a:extLst>
+              <a:ext uri="{FF2B5EF4-FFF2-40B4-BE49-F238E27FC236}">
+                <a16:creationId xmlns:a16="http://schemas.microsoft.com/office/drawing/2014/main" id="{4E42140B-9B43-39D8-E15F-C9791153BE5E}"/>
+              </a:ext>
+            </a:extLst>
+          </p:cNvPr>
+          <p:cNvCxnSpPr>
+            <a:cxnSpLocks/>
+          </p:cNvCxnSpPr>
+          <p:nvPr/>
+        </p:nvCxnSpPr>
+        <p:spPr bwMode="auto">
+          <a:xfrm flipH="1" flipV="1">
+            <a:off x="6734635" y="5828425"/>
+            <a:ext cx="199565" cy="282837"/>
+          </a:xfrm>
+          <a:prstGeom prst="line">
+            <a:avLst/>
+          </a:prstGeom>
+          <a:solidFill>
+            <a:schemeClr val="accent1"/>
+          </a:solidFill>
+          <a:ln w="9525" cap="flat" cmpd="sng" algn="ctr">
+            <a:solidFill>
+              <a:schemeClr val="tx1"/>
+            </a:solidFill>
+            <a:prstDash val="dash"/>
+            <a:miter lim="800000"/>
+            <a:headEnd type="none" w="med" len="med"/>
+            <a:tailEnd type="none" w="med" len="med"/>
+          </a:ln>
+          <a:effectLst/>
+        </p:spPr>
+      </p:cxnSp>
+      <p:cxnSp>
+        <p:nvCxnSpPr>
+          <p:cNvPr id="131" name="Straight Connector 130">
+            <a:extLst>
+              <a:ext uri="{FF2B5EF4-FFF2-40B4-BE49-F238E27FC236}">
+                <a16:creationId xmlns:a16="http://schemas.microsoft.com/office/drawing/2014/main" id="{BD444EDD-EB33-7234-9D68-4418D7E0CE65}"/>
+              </a:ext>
+            </a:extLst>
+          </p:cNvPr>
+          <p:cNvCxnSpPr>
+            <a:cxnSpLocks/>
+          </p:cNvCxnSpPr>
+          <p:nvPr/>
+        </p:nvCxnSpPr>
+        <p:spPr bwMode="auto">
+          <a:xfrm>
+            <a:off x="3249049" y="5089682"/>
+            <a:ext cx="0" cy="570841"/>
+          </a:xfrm>
+          <a:prstGeom prst="line">
+            <a:avLst/>
+          </a:prstGeom>
+          <a:solidFill>
+            <a:schemeClr val="accent1"/>
+          </a:solidFill>
+          <a:ln w="38100" cap="flat" cmpd="sng" algn="ctr">
+            <a:solidFill>
+              <a:srgbClr val="C00000"/>
+            </a:solidFill>
+            <a:prstDash val="solid"/>
+            <a:miter lim="800000"/>
+            <a:headEnd type="none" w="med" len="med"/>
+            <a:tailEnd type="none" w="med" len="med"/>
+          </a:ln>
+          <a:effectLst/>
+        </p:spPr>
+      </p:cxnSp>
+      <p:sp>
+        <p:nvSpPr>
+          <p:cNvPr id="132" name="TextBox 131">
+            <a:extLst>
+              <a:ext uri="{FF2B5EF4-FFF2-40B4-BE49-F238E27FC236}">
+                <a16:creationId xmlns:a16="http://schemas.microsoft.com/office/drawing/2014/main" id="{9F95FD96-4479-865E-6E4A-8560A38E2837}"/>
+              </a:ext>
+            </a:extLst>
+          </p:cNvPr>
+          <p:cNvSpPr txBox="1"/>
+          <p:nvPr/>
+        </p:nvSpPr>
+        <p:spPr>
+          <a:xfrm>
+            <a:off x="2518430" y="4715217"/>
+            <a:ext cx="330540" cy="461665"/>
+          </a:xfrm>
+          <a:prstGeom prst="rect">
+            <a:avLst/>
+          </a:prstGeom>
+          <a:noFill/>
+        </p:spPr>
+        <p:txBody>
+          <a:bodyPr wrap="none" rtlCol="0">
+            <a:spAutoFit/>
+          </a:bodyPr>
+          <a:lstStyle/>
+          <a:p>
+            <a:r>
+              <a:rPr lang="en-US" dirty="0">
+                <a:solidFill>
+                  <a:schemeClr val="tx2">
+                    <a:lumMod val="60000"/>
+                    <a:lumOff val="40000"/>
+                  </a:schemeClr>
+                </a:solidFill>
+              </a:rPr>
+              <a:t>?</a:t>
+            </a:r>
+          </a:p>
+        </p:txBody>
+      </p:sp>
+      <p:sp>
+        <p:nvSpPr>
+          <p:cNvPr id="133" name="TextBox 132">
+            <a:extLst>
+              <a:ext uri="{FF2B5EF4-FFF2-40B4-BE49-F238E27FC236}">
+                <a16:creationId xmlns:a16="http://schemas.microsoft.com/office/drawing/2014/main" id="{CB111D86-EBBC-500E-F76B-FB36E1E46476}"/>
+              </a:ext>
+            </a:extLst>
+          </p:cNvPr>
+          <p:cNvSpPr txBox="1"/>
+          <p:nvPr/>
+        </p:nvSpPr>
+        <p:spPr>
+          <a:xfrm>
+            <a:off x="812957" y="4792413"/>
+            <a:ext cx="1345368" cy="276999"/>
+          </a:xfrm>
+          <a:prstGeom prst="rect">
+            <a:avLst/>
+          </a:prstGeom>
+          <a:noFill/>
+        </p:spPr>
+        <p:txBody>
+          <a:bodyPr wrap="none" rtlCol="0">
+            <a:spAutoFit/>
+          </a:bodyPr>
+          <a:lstStyle/>
+          <a:p>
+            <a:r>
+              <a:rPr lang="en-US" sz="1200" dirty="0" err="1"/>
+              <a:t>DisplayTemp_pre</a:t>
+            </a:r>
+            <a:endParaRPr lang="en-US" sz="1200" dirty="0"/>
+          </a:p>
+        </p:txBody>
+      </p:sp>
+      <p:cxnSp>
+        <p:nvCxnSpPr>
+          <p:cNvPr id="134" name="Straight Connector 133">
+            <a:extLst>
+              <a:ext uri="{FF2B5EF4-FFF2-40B4-BE49-F238E27FC236}">
+                <a16:creationId xmlns:a16="http://schemas.microsoft.com/office/drawing/2014/main" id="{C6A1D736-FC79-5887-C3C7-0D325ECD2761}"/>
+              </a:ext>
+            </a:extLst>
+          </p:cNvPr>
+          <p:cNvCxnSpPr>
+            <a:cxnSpLocks/>
+          </p:cNvCxnSpPr>
+          <p:nvPr/>
+        </p:nvCxnSpPr>
+        <p:spPr bwMode="auto">
+          <a:xfrm>
+            <a:off x="1495640" y="4413039"/>
+            <a:ext cx="0" cy="1085389"/>
+          </a:xfrm>
+          <a:prstGeom prst="line">
+            <a:avLst/>
+          </a:prstGeom>
+          <a:solidFill>
+            <a:schemeClr val="accent1"/>
+          </a:solidFill>
+          <a:ln w="38100" cap="flat" cmpd="sng" algn="ctr">
+            <a:solidFill>
+              <a:srgbClr val="C00000"/>
+            </a:solidFill>
+            <a:prstDash val="solid"/>
+            <a:miter lim="800000"/>
+            <a:headEnd type="none" w="med" len="med"/>
+            <a:tailEnd type="none" w="med" len="med"/>
+          </a:ln>
+          <a:effectLst/>
+        </p:spPr>
+      </p:cxnSp>
+      <p:sp>
+        <p:nvSpPr>
+          <p:cNvPr id="135" name="TextBox 134">
+            <a:extLst>
+              <a:ext uri="{FF2B5EF4-FFF2-40B4-BE49-F238E27FC236}">
+                <a16:creationId xmlns:a16="http://schemas.microsoft.com/office/drawing/2014/main" id="{674466CA-0367-9322-AD4D-7F95FC0E2CC6}"/>
+              </a:ext>
+            </a:extLst>
+          </p:cNvPr>
+          <p:cNvSpPr txBox="1"/>
+          <p:nvPr/>
+        </p:nvSpPr>
+        <p:spPr>
+          <a:xfrm>
+            <a:off x="650547" y="5066270"/>
+            <a:ext cx="1376102" cy="369332"/>
+          </a:xfrm>
+          <a:prstGeom prst="rect">
+            <a:avLst/>
+          </a:prstGeom>
+          <a:noFill/>
+        </p:spPr>
+        <p:txBody>
+          <a:bodyPr wrap="square" rtlCol="0">
+            <a:spAutoFit/>
+          </a:bodyPr>
+          <a:lstStyle/>
+          <a:p>
+            <a:r>
+              <a:rPr lang="en-US" sz="600" dirty="0"/>
+              <a:t>Log pre-state values </a:t>
+            </a:r>
+            <a:r>
+              <a:rPr lang="en-US" sz="600" dirty="0" err="1"/>
+              <a:t>current_tempWstatus</a:t>
+            </a:r>
+            <a:r>
+              <a:rPr lang="en-US" sz="600" dirty="0"/>
+              <a:t> and </a:t>
+            </a:r>
+            <a:r>
+              <a:rPr lang="en-US" sz="600" dirty="0" err="1"/>
+              <a:t>last_regulator_mode</a:t>
+            </a:r>
+            <a:endParaRPr lang="en-US" sz="600" dirty="0"/>
+          </a:p>
+        </p:txBody>
+      </p:sp>
+      <p:cxnSp>
+        <p:nvCxnSpPr>
+          <p:cNvPr id="136" name="Straight Connector 135">
+            <a:extLst>
+              <a:ext uri="{FF2B5EF4-FFF2-40B4-BE49-F238E27FC236}">
+                <a16:creationId xmlns:a16="http://schemas.microsoft.com/office/drawing/2014/main" id="{FF3ACAF0-BE17-8525-A583-24C4100CCDD6}"/>
+              </a:ext>
+            </a:extLst>
+          </p:cNvPr>
+          <p:cNvCxnSpPr>
+            <a:cxnSpLocks/>
+          </p:cNvCxnSpPr>
+          <p:nvPr/>
+        </p:nvCxnSpPr>
+        <p:spPr bwMode="auto">
+          <a:xfrm flipV="1">
+            <a:off x="461692" y="4708554"/>
+            <a:ext cx="861576" cy="6663"/>
           </a:xfrm>
           <a:prstGeom prst="line">
             <a:avLst/>
@@ -42759,10 +43036,10 @@
       </p:cxnSp>
       <p:sp>
         <p:nvSpPr>
-          <p:cNvPr id="120" name="TextBox 119">
-            <a:extLst>
-              <a:ext uri="{FF2B5EF4-FFF2-40B4-BE49-F238E27FC236}">
-                <a16:creationId xmlns:a16="http://schemas.microsoft.com/office/drawing/2014/main" id="{0AD5E49B-B4BA-A2A4-C550-9D8D69C0C3D7}"/>
+          <p:cNvPr id="139" name="TextBox 138">
+            <a:extLst>
+              <a:ext uri="{FF2B5EF4-FFF2-40B4-BE49-F238E27FC236}">
+                <a16:creationId xmlns:a16="http://schemas.microsoft.com/office/drawing/2014/main" id="{0EC59490-6421-55B8-F97B-835485638B7B}"/>
               </a:ext>
             </a:extLst>
           </p:cNvPr>
@@ -42771,8 +43048,8 @@
         </p:nvSpPr>
         <p:spPr>
           <a:xfrm>
-            <a:off x="4114102" y="6100718"/>
-            <a:ext cx="1995421" cy="600164"/>
+            <a:off x="6036103" y="4774939"/>
+            <a:ext cx="655177" cy="369332"/>
           </a:xfrm>
           <a:prstGeom prst="rect">
             <a:avLst/>
@@ -42786,22 +43063,23 @@
           <a:lstStyle/>
           <a:p>
             <a:r>
-              <a:rPr lang="en-US" sz="1100" i="1" dirty="0" err="1"/>
-              <a:t>Display_Temp_Fun</a:t>
-            </a:r>
-            <a:r>
-              <a:rPr lang="en-US" sz="1100" i="1" dirty="0"/>
-              <a:t> property is preserved via component frame conditions here…</a:t>
-            </a:r>
+              <a:rPr lang="en-US" sz="600" dirty="0"/>
+              <a:t>Log post-state values </a:t>
+            </a:r>
+            <a:r>
+              <a:rPr lang="en-US" sz="600" dirty="0" err="1"/>
+              <a:t>displayTemp</a:t>
+            </a:r>
+            <a:endParaRPr lang="en-US" sz="600" dirty="0"/>
           </a:p>
         </p:txBody>
       </p:sp>
       <p:cxnSp>
         <p:nvCxnSpPr>
-          <p:cNvPr id="121" name="Straight Connector 120">
-            <a:extLst>
-              <a:ext uri="{FF2B5EF4-FFF2-40B4-BE49-F238E27FC236}">
-                <a16:creationId xmlns:a16="http://schemas.microsoft.com/office/drawing/2014/main" id="{044BF567-AAB1-ED81-0344-1F29D7341197}"/>
+          <p:cNvPr id="144" name="Straight Connector 143">
+            <a:extLst>
+              <a:ext uri="{FF2B5EF4-FFF2-40B4-BE49-F238E27FC236}">
+                <a16:creationId xmlns:a16="http://schemas.microsoft.com/office/drawing/2014/main" id="{4608712F-F6AC-E266-576F-C7E04C77B881}"/>
               </a:ext>
             </a:extLst>
           </p:cNvPr>
@@ -42811,11 +43089,82 @@
           <p:nvPr/>
         </p:nvCxnSpPr>
         <p:spPr bwMode="auto">
-          <a:xfrm flipH="1" flipV="1">
-            <a:off x="4586275" y="5517628"/>
-            <a:ext cx="368178" cy="578372"/>
+          <a:xfrm>
+            <a:off x="5751682" y="4916990"/>
+            <a:ext cx="716010" cy="2187"/>
           </a:xfrm>
           <a:prstGeom prst="line">
+            <a:avLst/>
+          </a:prstGeom>
+          <a:solidFill>
+            <a:schemeClr val="accent1"/>
+          </a:solidFill>
+          <a:ln w="9525" cap="flat" cmpd="sng" algn="ctr">
+            <a:solidFill>
+              <a:srgbClr val="00B050"/>
+            </a:solidFill>
+            <a:prstDash val="dash"/>
+            <a:miter lim="800000"/>
+            <a:headEnd type="none" w="med" len="med"/>
+            <a:tailEnd type="none" w="med" len="med"/>
+          </a:ln>
+          <a:effectLst/>
+        </p:spPr>
+      </p:cxnSp>
+      <p:sp>
+        <p:nvSpPr>
+          <p:cNvPr id="145" name="TextBox 144">
+            <a:extLst>
+              <a:ext uri="{FF2B5EF4-FFF2-40B4-BE49-F238E27FC236}">
+                <a16:creationId xmlns:a16="http://schemas.microsoft.com/office/drawing/2014/main" id="{E901524D-0569-FFE7-95CA-FBC13AD2F2E9}"/>
+              </a:ext>
+            </a:extLst>
+          </p:cNvPr>
+          <p:cNvSpPr txBox="1"/>
+          <p:nvPr/>
+        </p:nvSpPr>
+        <p:spPr>
+          <a:xfrm>
+            <a:off x="5967040" y="4550565"/>
+            <a:ext cx="1411861" cy="276999"/>
+          </a:xfrm>
+          <a:prstGeom prst="rect">
+            <a:avLst/>
+          </a:prstGeom>
+          <a:noFill/>
+        </p:spPr>
+        <p:txBody>
+          <a:bodyPr wrap="none" rtlCol="0">
+            <a:spAutoFit/>
+          </a:bodyPr>
+          <a:lstStyle/>
+          <a:p>
+            <a:r>
+              <a:rPr lang="en-US" sz="1200" dirty="0" err="1"/>
+              <a:t>DisplayTemp_post</a:t>
+            </a:r>
+            <a:endParaRPr lang="en-US" sz="1200" dirty="0"/>
+          </a:p>
+        </p:txBody>
+      </p:sp>
+      <p:sp>
+        <p:nvSpPr>
+          <p:cNvPr id="147" name="Oval 146">
+            <a:extLst>
+              <a:ext uri="{FF2B5EF4-FFF2-40B4-BE49-F238E27FC236}">
+                <a16:creationId xmlns:a16="http://schemas.microsoft.com/office/drawing/2014/main" id="{C22FBEA8-E160-1197-2020-520D35497B20}"/>
+              </a:ext>
+            </a:extLst>
+          </p:cNvPr>
+          <p:cNvSpPr/>
+          <p:nvPr/>
+        </p:nvSpPr>
+        <p:spPr bwMode="auto">
+          <a:xfrm>
+            <a:off x="2278624" y="5192636"/>
+            <a:ext cx="138051" cy="127033"/>
+          </a:xfrm>
+          <a:prstGeom prst="ellipse">
             <a:avLst/>
           </a:prstGeom>
           <a:solidFill>
@@ -42825,34 +43174,68 @@
             <a:solidFill>
               <a:schemeClr val="tx1"/>
             </a:solidFill>
-            <a:prstDash val="dash"/>
+            <a:prstDash val="solid"/>
             <a:miter lim="800000"/>
             <a:headEnd type="none" w="med" len="med"/>
             <a:tailEnd type="none" w="med" len="med"/>
           </a:ln>
           <a:effectLst/>
         </p:spPr>
-      </p:cxnSp>
-      <p:cxnSp>
-        <p:nvCxnSpPr>
-          <p:cNvPr id="123" name="Straight Connector 122">
-            <a:extLst>
-              <a:ext uri="{FF2B5EF4-FFF2-40B4-BE49-F238E27FC236}">
-                <a16:creationId xmlns:a16="http://schemas.microsoft.com/office/drawing/2014/main" id="{F8D10CCA-1170-CB7A-00D0-93645B23106D}"/>
-              </a:ext>
-            </a:extLst>
-          </p:cNvPr>
-          <p:cNvCxnSpPr>
-            <a:cxnSpLocks/>
-          </p:cNvCxnSpPr>
-          <p:nvPr/>
-        </p:nvCxnSpPr>
+        <p:txBody>
+          <a:bodyPr vert="horz" wrap="none" lIns="91440" tIns="45720" rIns="91440" bIns="45720" numCol="1" rtlCol="0" anchor="t" anchorCtr="0" compatLnSpc="1">
+            <a:prstTxWarp prst="textNoShape">
+              <a:avLst/>
+            </a:prstTxWarp>
+          </a:bodyPr>
+          <a:lstStyle/>
+          <a:p>
+            <a:pPr marL="0" marR="0" indent="0" algn="l" defTabSz="914400" rtl="0" eaLnBrk="1" fontAlgn="base" latinLnBrk="0" hangingPunct="1">
+              <a:lnSpc>
+                <a:spcPct val="100000"/>
+              </a:lnSpc>
+              <a:spcBef>
+                <a:spcPct val="0"/>
+              </a:spcBef>
+              <a:spcAft>
+                <a:spcPct val="0"/>
+              </a:spcAft>
+              <a:buClrTx/>
+              <a:buSzTx/>
+              <a:buFontTx/>
+              <a:buNone/>
+              <a:tabLst/>
+            </a:pPr>
+            <a:endParaRPr kumimoji="0" lang="en-US" sz="2400" b="0" i="0" u="none" strike="noStrike" cap="none" normalizeH="0" baseline="0">
+              <a:ln>
+                <a:noFill/>
+              </a:ln>
+              <a:solidFill>
+                <a:schemeClr val="tx1"/>
+              </a:solidFill>
+              <a:effectLst/>
+              <a:latin typeface="Tahoma" charset="0"/>
+            </a:endParaRPr>
+          </a:p>
+        </p:txBody>
+      </p:sp>
+      <p:sp>
+        <p:nvSpPr>
+          <p:cNvPr id="148" name="Oval 147">
+            <a:extLst>
+              <a:ext uri="{FF2B5EF4-FFF2-40B4-BE49-F238E27FC236}">
+                <a16:creationId xmlns:a16="http://schemas.microsoft.com/office/drawing/2014/main" id="{52F298C2-3A29-A1A5-7C6C-F8AD5C998417}"/>
+              </a:ext>
+            </a:extLst>
+          </p:cNvPr>
+          <p:cNvSpPr/>
+          <p:nvPr/>
+        </p:nvSpPr>
         <p:spPr bwMode="auto">
-          <a:xfrm flipV="1">
-            <a:off x="5579876" y="5530327"/>
-            <a:ext cx="218132" cy="565673"/>
-          </a:xfrm>
-          <a:prstGeom prst="line">
+          <a:xfrm>
+            <a:off x="4707531" y="4651700"/>
+            <a:ext cx="138051" cy="127033"/>
+          </a:xfrm>
+          <a:prstGeom prst="ellipse">
             <a:avLst/>
           </a:prstGeom>
           <a:solidFill>
@@ -42862,119 +43245,6 @@
             <a:solidFill>
               <a:schemeClr val="tx1"/>
             </a:solidFill>
-            <a:prstDash val="dash"/>
-            <a:miter lim="800000"/>
-            <a:headEnd type="none" w="med" len="med"/>
-            <a:tailEnd type="none" w="med" len="med"/>
-          </a:ln>
-          <a:effectLst/>
-        </p:spPr>
-      </p:cxnSp>
-      <p:sp>
-        <p:nvSpPr>
-          <p:cNvPr id="126" name="TextBox 125">
-            <a:extLst>
-              <a:ext uri="{FF2B5EF4-FFF2-40B4-BE49-F238E27FC236}">
-                <a16:creationId xmlns:a16="http://schemas.microsoft.com/office/drawing/2014/main" id="{4ED70DAC-E61A-AA4E-BE7F-3BD023ADD119}"/>
-              </a:ext>
-            </a:extLst>
-          </p:cNvPr>
-          <p:cNvSpPr txBox="1"/>
-          <p:nvPr/>
-        </p:nvSpPr>
-        <p:spPr>
-          <a:xfrm>
-            <a:off x="6268163" y="6101680"/>
-            <a:ext cx="1656637" cy="600164"/>
-          </a:xfrm>
-          <a:prstGeom prst="rect">
-            <a:avLst/>
-          </a:prstGeom>
-          <a:noFill/>
-        </p:spPr>
-        <p:txBody>
-          <a:bodyPr wrap="square" rtlCol="0">
-            <a:spAutoFit/>
-          </a:bodyPr>
-          <a:lstStyle/>
-          <a:p>
-            <a:r>
-              <a:rPr lang="en-US" sz="1100" i="1" dirty="0" err="1"/>
-              <a:t>Display_Temp_Fun</a:t>
-            </a:r>
-            <a:r>
-              <a:rPr lang="en-US" sz="1100" i="1" dirty="0"/>
-              <a:t> property holds at the end of the cycle</a:t>
-            </a:r>
-          </a:p>
-        </p:txBody>
-      </p:sp>
-      <p:cxnSp>
-        <p:nvCxnSpPr>
-          <p:cNvPr id="127" name="Straight Connector 126">
-            <a:extLst>
-              <a:ext uri="{FF2B5EF4-FFF2-40B4-BE49-F238E27FC236}">
-                <a16:creationId xmlns:a16="http://schemas.microsoft.com/office/drawing/2014/main" id="{4E42140B-9B43-39D8-E15F-C9791153BE5E}"/>
-              </a:ext>
-            </a:extLst>
-          </p:cNvPr>
-          <p:cNvCxnSpPr>
-            <a:cxnSpLocks/>
-          </p:cNvCxnSpPr>
-          <p:nvPr/>
-        </p:nvCxnSpPr>
-        <p:spPr bwMode="auto">
-          <a:xfrm flipH="1" flipV="1">
-            <a:off x="6734635" y="5828425"/>
-            <a:ext cx="199565" cy="282837"/>
-          </a:xfrm>
-          <a:prstGeom prst="line">
-            <a:avLst/>
-          </a:prstGeom>
-          <a:solidFill>
-            <a:schemeClr val="accent1"/>
-          </a:solidFill>
-          <a:ln w="9525" cap="flat" cmpd="sng" algn="ctr">
-            <a:solidFill>
-              <a:schemeClr val="tx1"/>
-            </a:solidFill>
-            <a:prstDash val="dash"/>
-            <a:miter lim="800000"/>
-            <a:headEnd type="none" w="med" len="med"/>
-            <a:tailEnd type="none" w="med" len="med"/>
-          </a:ln>
-          <a:effectLst/>
-        </p:spPr>
-      </p:cxnSp>
-      <p:cxnSp>
-        <p:nvCxnSpPr>
-          <p:cNvPr id="131" name="Straight Connector 130">
-            <a:extLst>
-              <a:ext uri="{FF2B5EF4-FFF2-40B4-BE49-F238E27FC236}">
-                <a16:creationId xmlns:a16="http://schemas.microsoft.com/office/drawing/2014/main" id="{BD444EDD-EB33-7234-9D68-4418D7E0CE65}"/>
-              </a:ext>
-            </a:extLst>
-          </p:cNvPr>
-          <p:cNvCxnSpPr>
-            <a:cxnSpLocks/>
-          </p:cNvCxnSpPr>
-          <p:nvPr/>
-        </p:nvCxnSpPr>
-        <p:spPr bwMode="auto">
-          <a:xfrm>
-            <a:off x="3249049" y="5089682"/>
-            <a:ext cx="0" cy="570841"/>
-          </a:xfrm>
-          <a:prstGeom prst="line">
-            <a:avLst/>
-          </a:prstGeom>
-          <a:solidFill>
-            <a:schemeClr val="accent1"/>
-          </a:solidFill>
-          <a:ln w="38100" cap="flat" cmpd="sng" algn="ctr">
-            <a:solidFill>
-              <a:srgbClr val="C00000"/>
-            </a:solidFill>
             <a:prstDash val="solid"/>
             <a:miter lim="800000"/>
             <a:headEnd type="none" w="med" len="med"/>
@@ -42982,46 +43252,40 @@
           </a:ln>
           <a:effectLst/>
         </p:spPr>
-      </p:cxnSp>
-      <p:sp>
-        <p:nvSpPr>
-          <p:cNvPr id="132" name="TextBox 131">
-            <a:extLst>
-              <a:ext uri="{FF2B5EF4-FFF2-40B4-BE49-F238E27FC236}">
-                <a16:creationId xmlns:a16="http://schemas.microsoft.com/office/drawing/2014/main" id="{9F95FD96-4479-865E-6E4A-8560A38E2837}"/>
-              </a:ext>
-            </a:extLst>
-          </p:cNvPr>
-          <p:cNvSpPr txBox="1"/>
-          <p:nvPr/>
-        </p:nvSpPr>
-        <p:spPr>
-          <a:xfrm>
-            <a:off x="2518430" y="4715217"/>
-            <a:ext cx="330540" cy="461665"/>
-          </a:xfrm>
-          <a:prstGeom prst="rect">
-            <a:avLst/>
-          </a:prstGeom>
-          <a:noFill/>
-        </p:spPr>
-        <p:txBody>
-          <a:bodyPr wrap="none" rtlCol="0">
-            <a:spAutoFit/>
+        <p:txBody>
+          <a:bodyPr vert="horz" wrap="none" lIns="91440" tIns="45720" rIns="91440" bIns="45720" numCol="1" rtlCol="0" anchor="t" anchorCtr="0" compatLnSpc="1">
+            <a:prstTxWarp prst="textNoShape">
+              <a:avLst/>
+            </a:prstTxWarp>
           </a:bodyPr>
           <a:lstStyle/>
           <a:p>
-            <a:r>
-              <a:rPr lang="en-US" dirty="0">
-                <a:solidFill>
-                  <a:schemeClr val="tx2">
-                    <a:lumMod val="60000"/>
-                    <a:lumOff val="40000"/>
-                  </a:schemeClr>
-                </a:solidFill>
-              </a:rPr>
-              <a:t>?</a:t>
-            </a:r>
+            <a:pPr marL="0" marR="0" indent="0" algn="l" defTabSz="914400" rtl="0" eaLnBrk="1" fontAlgn="base" latinLnBrk="0" hangingPunct="1">
+              <a:lnSpc>
+                <a:spcPct val="100000"/>
+              </a:lnSpc>
+              <a:spcBef>
+                <a:spcPct val="0"/>
+              </a:spcBef>
+              <a:spcAft>
+                <a:spcPct val="0"/>
+              </a:spcAft>
+              <a:buClrTx/>
+              <a:buSzTx/>
+              <a:buFontTx/>
+              <a:buNone/>
+              <a:tabLst/>
+            </a:pPr>
+            <a:endParaRPr kumimoji="0" lang="en-US" sz="2400" b="0" i="0" u="none" strike="noStrike" cap="none" normalizeH="0" baseline="0">
+              <a:ln>
+                <a:noFill/>
+              </a:ln>
+              <a:solidFill>
+                <a:schemeClr val="tx1"/>
+              </a:solidFill>
+              <a:effectLst/>
+              <a:latin typeface="Tahoma" charset="0"/>
+            </a:endParaRPr>
           </a:p>
         </p:txBody>
       </p:sp>
@@ -44580,6 +44844,12 @@
             <a:r>
               <a:rPr lang="en-US" dirty="0"/>
               <a:t>) for HAMR components</a:t>
+            </a:r>
+          </a:p>
+          <a:p>
+            <a:r>
+              <a:rPr lang="en-US" dirty="0"/>
+              <a:t>What about component pre-conditions not related to the current abstract function that we are trying to reason about</a:t>
             </a:r>
           </a:p>
         </p:txBody>

--- a/GUMBO-compositional-reasoning/GUMBO-system-reasoning-principles.pptx
+++ b/GUMBO-compositional-reasoning/GUMBO-system-reasoning-principles.pptx
@@ -5,10 +5,10 @@
     <p:sldMasterId id="2147483649" r:id="rId1"/>
   </p:sldMasterIdLst>
   <p:notesMasterIdLst>
-    <p:notesMasterId r:id="rId38"/>
+    <p:notesMasterId r:id="rId42"/>
   </p:notesMasterIdLst>
   <p:handoutMasterIdLst>
-    <p:handoutMasterId r:id="rId39"/>
+    <p:handoutMasterId r:id="rId43"/>
   </p:handoutMasterIdLst>
   <p:sldIdLst>
     <p:sldId id="1929" r:id="rId2"/>
@@ -38,15 +38,19 @@
     <p:sldId id="1958" r:id="rId26"/>
     <p:sldId id="1959" r:id="rId27"/>
     <p:sldId id="1957" r:id="rId28"/>
-    <p:sldId id="1952" r:id="rId29"/>
-    <p:sldId id="1954" r:id="rId30"/>
-    <p:sldId id="1955" r:id="rId31"/>
-    <p:sldId id="1960" r:id="rId32"/>
-    <p:sldId id="1961" r:id="rId33"/>
-    <p:sldId id="1962" r:id="rId34"/>
-    <p:sldId id="1963" r:id="rId35"/>
-    <p:sldId id="1964" r:id="rId36"/>
-    <p:sldId id="1953" r:id="rId37"/>
+    <p:sldId id="1965" r:id="rId29"/>
+    <p:sldId id="1966" r:id="rId30"/>
+    <p:sldId id="1952" r:id="rId31"/>
+    <p:sldId id="1954" r:id="rId32"/>
+    <p:sldId id="1955" r:id="rId33"/>
+    <p:sldId id="1960" r:id="rId34"/>
+    <p:sldId id="1961" r:id="rId35"/>
+    <p:sldId id="1962" r:id="rId36"/>
+    <p:sldId id="1963" r:id="rId37"/>
+    <p:sldId id="1964" r:id="rId38"/>
+    <p:sldId id="1953" r:id="rId39"/>
+    <p:sldId id="1967" r:id="rId40"/>
+    <p:sldId id="1968" r:id="rId41"/>
   </p:sldIdLst>
   <p:sldSz cx="9144000" cy="6858000" type="screen4x3"/>
   <p:notesSz cx="6858000" cy="9144000"/>
@@ -30729,7 +30733,13 @@
   <p:cSld>
     <p:spTree>
       <p:nvGrpSpPr>
-        <p:cNvPr id="1" name=""/>
+        <p:cNvPr id="1" name="">
+          <a:extLst>
+            <a:ext uri="{FF2B5EF4-FFF2-40B4-BE49-F238E27FC236}">
+              <a16:creationId xmlns:a16="http://schemas.microsoft.com/office/drawing/2014/main" id="{75371BD1-131D-BC2B-B051-CE3AD7F366D9}"/>
+            </a:ext>
+          </a:extLst>
+        </p:cNvPr>
         <p:cNvGrpSpPr/>
         <p:nvPr/>
       </p:nvGrpSpPr>
@@ -30743,10 +30753,10 @@
       </p:grpSpPr>
       <p:sp>
         <p:nvSpPr>
-          <p:cNvPr id="2" name="Title 1">
-            <a:extLst>
-              <a:ext uri="{FF2B5EF4-FFF2-40B4-BE49-F238E27FC236}">
-                <a16:creationId xmlns:a16="http://schemas.microsoft.com/office/drawing/2014/main" id="{9BCE5E6F-7B2B-ADCF-1D4A-28E3EF8EAC9E}"/>
+          <p:cNvPr id="5" name="Title 4">
+            <a:extLst>
+              <a:ext uri="{FF2B5EF4-FFF2-40B4-BE49-F238E27FC236}">
+                <a16:creationId xmlns:a16="http://schemas.microsoft.com/office/drawing/2014/main" id="{55798BAC-A7F8-1FC5-4506-8F8D9C39D531}"/>
               </a:ext>
             </a:extLst>
           </p:cNvPr>
@@ -30763,96 +30773,9 @@
           <a:lstStyle/>
           <a:p>
             <a:r>
-              <a:rPr lang="en-US" dirty="0"/>
-              <a:t>Types of Properties (Phase I)</a:t>
-            </a:r>
-          </a:p>
-        </p:txBody>
-      </p:sp>
-      <p:sp>
-        <p:nvSpPr>
-          <p:cNvPr id="3" name="Content Placeholder 2">
-            <a:extLst>
-              <a:ext uri="{FF2B5EF4-FFF2-40B4-BE49-F238E27FC236}">
-                <a16:creationId xmlns:a16="http://schemas.microsoft.com/office/drawing/2014/main" id="{BE82CAD9-457A-EF1D-7E49-FBB53DD82138}"/>
-              </a:ext>
-            </a:extLst>
-          </p:cNvPr>
-          <p:cNvSpPr>
-            <a:spLocks noGrp="1"/>
-          </p:cNvSpPr>
-          <p:nvPr>
-            <p:ph idx="1"/>
-          </p:nvPr>
-        </p:nvSpPr>
-        <p:spPr/>
-        <p:txBody>
-          <a:bodyPr/>
-          <a:lstStyle/>
-          <a:p>
-            <a:r>
-              <a:rPr lang="en-US" sz="1800" dirty="0"/>
-              <a:t>Component Contract</a:t>
-            </a:r>
-          </a:p>
-          <a:p>
-            <a:pPr lvl="1"/>
-            <a:r>
-              <a:rPr lang="en-US" sz="1600" dirty="0"/>
-              <a:t>Pre-condition</a:t>
-            </a:r>
-          </a:p>
-          <a:p>
-            <a:pPr lvl="2"/>
-            <a:r>
-              <a:rPr lang="en-US" sz="1400" dirty="0"/>
-              <a:t>Constraint on component input ports (application port view) and local variables</a:t>
-            </a:r>
-          </a:p>
-          <a:p>
-            <a:pPr lvl="2"/>
-            <a:r>
-              <a:rPr lang="en-US" sz="1400" dirty="0"/>
-              <a:t>always holds when the component is executed</a:t>
-            </a:r>
-          </a:p>
-          <a:p>
-            <a:pPr lvl="1"/>
-            <a:r>
-              <a:rPr lang="en-US" sz="1600" dirty="0"/>
-              <a:t>Post-condition</a:t>
-            </a:r>
-          </a:p>
-          <a:p>
-            <a:pPr lvl="2"/>
-            <a:r>
-              <a:rPr lang="en-US" sz="1400" dirty="0"/>
-              <a:t>Constraint on component input ports (application port view), pre-state local variables, output ports (application port view), post-state local variables</a:t>
-            </a:r>
-          </a:p>
-          <a:p>
-            <a:r>
-              <a:rPr lang="en-US" sz="1800" dirty="0"/>
-              <a:t>System Assertion</a:t>
-            </a:r>
-          </a:p>
-          <a:p>
-            <a:pPr lvl="1"/>
-            <a:r>
-              <a:rPr lang="en-US" sz="1600" dirty="0"/>
-              <a:t>Constraint on system state including communication substrate, component input and output infrastructure ports, component local variables</a:t>
-            </a:r>
-          </a:p>
-          <a:p>
-            <a:pPr lvl="2"/>
-            <a:r>
-              <a:rPr lang="en-US" sz="1200" dirty="0"/>
-              <a:t>Invariant can also be conditioned on control points.  The simplest form of this is to condition it on the schedule state (e.g., different positions in the static schedule), but it could also be conditioned on more abstract notions (e.g., component X just finished executing).</a:t>
-            </a:r>
-          </a:p>
-          <a:p>
-            <a:pPr lvl="1"/>
-            <a:endParaRPr lang="en-US" sz="1600" dirty="0"/>
+              <a:rPr lang="en-US" sz="2800" dirty="0"/>
+              <a:t>Example: Abstract Functional Specification</a:t>
+            </a:r>
           </a:p>
         </p:txBody>
       </p:sp>
@@ -30861,7 +30784,7 @@
           <p:cNvPr id="4" name="Slide Number Placeholder 3">
             <a:extLst>
               <a:ext uri="{FF2B5EF4-FFF2-40B4-BE49-F238E27FC236}">
-                <a16:creationId xmlns:a16="http://schemas.microsoft.com/office/drawing/2014/main" id="{777F15A1-86F6-2A79-EDD2-7B152AD45AA7}"/>
+                <a16:creationId xmlns:a16="http://schemas.microsoft.com/office/drawing/2014/main" id="{38FDBFC8-BFA5-F7BC-4920-CF95096C0FA0}"/>
               </a:ext>
             </a:extLst>
           </p:cNvPr>
@@ -30893,164 +30816,30 @@
       </p:sp>
       <p:sp>
         <p:nvSpPr>
-          <p:cNvPr id="5" name="Parallelogram 4">
-            <a:extLst>
-              <a:ext uri="{FF2B5EF4-FFF2-40B4-BE49-F238E27FC236}">
-                <a16:creationId xmlns:a16="http://schemas.microsoft.com/office/drawing/2014/main" id="{2982EB90-FC34-75A1-1A41-F72CBA28AE23}"/>
+          <p:cNvPr id="6" name="Rectangle 5">
+            <a:extLst>
+              <a:ext uri="{FF2B5EF4-FFF2-40B4-BE49-F238E27FC236}">
+                <a16:creationId xmlns:a16="http://schemas.microsoft.com/office/drawing/2014/main" id="{7331D1F9-DF0F-D518-3FF5-80D601402097}"/>
               </a:ext>
             </a:extLst>
           </p:cNvPr>
           <p:cNvSpPr/>
           <p:nvPr/>
         </p:nvSpPr>
-        <p:spPr>
-          <a:xfrm>
-            <a:off x="3448031" y="5559961"/>
-            <a:ext cx="1238269" cy="840839"/>
-          </a:xfrm>
-          <a:prstGeom prst="parallelogram">
-            <a:avLst>
-              <a:gd name="adj" fmla="val 16558"/>
-            </a:avLst>
+        <p:spPr bwMode="auto">
+          <a:xfrm>
+            <a:off x="2300937" y="2133600"/>
+            <a:ext cx="4191000" cy="1524000"/>
+          </a:xfrm>
+          <a:prstGeom prst="rect">
+            <a:avLst/>
           </a:prstGeom>
           <a:noFill/>
-          <a:ln>
+          <a:ln w="28575" cap="flat" cmpd="sng" algn="ctr">
             <a:solidFill>
               <a:schemeClr val="tx1"/>
             </a:solidFill>
-            <a:prstDash val="dash"/>
-          </a:ln>
-        </p:spPr>
-        <p:style>
-          <a:lnRef idx="2">
-            <a:schemeClr val="accent1">
-              <a:shade val="15000"/>
-            </a:schemeClr>
-          </a:lnRef>
-          <a:fillRef idx="1">
-            <a:schemeClr val="accent1"/>
-          </a:fillRef>
-          <a:effectRef idx="0">
-            <a:schemeClr val="accent1"/>
-          </a:effectRef>
-          <a:fontRef idx="minor">
-            <a:schemeClr val="lt1"/>
-          </a:fontRef>
-        </p:style>
-        <p:txBody>
-          <a:bodyPr rtlCol="0" anchor="ctr"/>
-          <a:lstStyle/>
-          <a:p>
-            <a:pPr algn="ctr"/>
-            <a:endParaRPr lang="en-US"/>
-          </a:p>
-        </p:txBody>
-      </p:sp>
-      <p:sp>
-        <p:nvSpPr>
-          <p:cNvPr id="6" name="TextBox 5">
-            <a:extLst>
-              <a:ext uri="{FF2B5EF4-FFF2-40B4-BE49-F238E27FC236}">
-                <a16:creationId xmlns:a16="http://schemas.microsoft.com/office/drawing/2014/main" id="{47E77C8B-D257-DA96-3796-B5866A52A5D0}"/>
-              </a:ext>
-            </a:extLst>
-          </p:cNvPr>
-          <p:cNvSpPr txBox="1"/>
-          <p:nvPr/>
-        </p:nvSpPr>
-        <p:spPr>
-          <a:xfrm>
-            <a:off x="3040752" y="5638800"/>
-            <a:ext cx="388248" cy="261610"/>
-          </a:xfrm>
-          <a:prstGeom prst="rect">
-            <a:avLst/>
-          </a:prstGeom>
-          <a:solidFill>
-            <a:srgbClr val="00B050"/>
-          </a:solidFill>
-        </p:spPr>
-        <p:txBody>
-          <a:bodyPr wrap="none" rtlCol="0">
-            <a:spAutoFit/>
-          </a:bodyPr>
-          <a:lstStyle/>
-          <a:p>
-            <a:r>
-              <a:rPr lang="en-US" sz="1100" dirty="0"/>
-              <a:t>Pre</a:t>
-            </a:r>
-          </a:p>
-        </p:txBody>
-      </p:sp>
-      <p:sp>
-        <p:nvSpPr>
-          <p:cNvPr id="7" name="TextBox 6">
-            <a:extLst>
-              <a:ext uri="{FF2B5EF4-FFF2-40B4-BE49-F238E27FC236}">
-                <a16:creationId xmlns:a16="http://schemas.microsoft.com/office/drawing/2014/main" id="{CF691799-3BEE-D413-DA26-74253A345098}"/>
-              </a:ext>
-            </a:extLst>
-          </p:cNvPr>
-          <p:cNvSpPr txBox="1"/>
-          <p:nvPr/>
-        </p:nvSpPr>
-        <p:spPr>
-          <a:xfrm>
-            <a:off x="4689348" y="6084530"/>
-            <a:ext cx="449162" cy="261610"/>
-          </a:xfrm>
-          <a:prstGeom prst="rect">
-            <a:avLst/>
-          </a:prstGeom>
-          <a:solidFill>
-            <a:srgbClr val="00B0F0"/>
-          </a:solidFill>
-          <a:ln>
-            <a:solidFill>
-              <a:srgbClr val="00B0F0"/>
-            </a:solidFill>
-          </a:ln>
-        </p:spPr>
-        <p:txBody>
-          <a:bodyPr wrap="none" rtlCol="0">
-            <a:spAutoFit/>
-          </a:bodyPr>
-          <a:lstStyle/>
-          <a:p>
-            <a:r>
-              <a:rPr lang="en-US" sz="1100" dirty="0"/>
-              <a:t>Post</a:t>
-            </a:r>
-          </a:p>
-        </p:txBody>
-      </p:sp>
-      <p:sp>
-        <p:nvSpPr>
-          <p:cNvPr id="9" name="Oval 8">
-            <a:extLst>
-              <a:ext uri="{FF2B5EF4-FFF2-40B4-BE49-F238E27FC236}">
-                <a16:creationId xmlns:a16="http://schemas.microsoft.com/office/drawing/2014/main" id="{6AB3E893-360F-58DD-0BF5-FCA70CE0ECBB}"/>
-              </a:ext>
-            </a:extLst>
-          </p:cNvPr>
-          <p:cNvSpPr/>
-          <p:nvPr/>
-        </p:nvSpPr>
-        <p:spPr bwMode="auto">
-          <a:xfrm rot="592320">
-            <a:off x="3397397" y="5727886"/>
-            <a:ext cx="152400" cy="533400"/>
-          </a:xfrm>
-          <a:prstGeom prst="ellipse">
-            <a:avLst/>
-          </a:prstGeom>
-          <a:noFill/>
-          <a:ln w="28575" cap="flat" cmpd="sng" algn="ctr">
-            <a:solidFill>
-              <a:srgbClr val="00B050"/>
-            </a:solidFill>
-            <a:prstDash val="dash"/>
+            <a:prstDash val="solid"/>
             <a:miter lim="800000"/>
             <a:headEnd type="none" w="med" len="med"/>
             <a:tailEnd type="none" w="med" len="med"/>
@@ -31096,10 +30885,10 @@
       </p:sp>
       <p:sp>
         <p:nvSpPr>
-          <p:cNvPr id="10" name="Oval 9">
-            <a:extLst>
-              <a:ext uri="{FF2B5EF4-FFF2-40B4-BE49-F238E27FC236}">
-                <a16:creationId xmlns:a16="http://schemas.microsoft.com/office/drawing/2014/main" id="{B343C02C-BCBD-293B-2109-1CF1B52B9343}"/>
+          <p:cNvPr id="7" name="Oval 6">
+            <a:extLst>
+              <a:ext uri="{FF2B5EF4-FFF2-40B4-BE49-F238E27FC236}">
+                <a16:creationId xmlns:a16="http://schemas.microsoft.com/office/drawing/2014/main" id="{AF77DCB4-B745-B5BB-EB6B-1E881311077F}"/>
               </a:ext>
             </a:extLst>
           </p:cNvPr>
@@ -31107,19 +30896,21 @@
           <p:nvPr/>
         </p:nvSpPr>
         <p:spPr bwMode="auto">
-          <a:xfrm rot="16200000">
-            <a:off x="3760610" y="5622419"/>
-            <a:ext cx="207005" cy="348975"/>
+          <a:xfrm>
+            <a:off x="6415737" y="2423160"/>
+            <a:ext cx="152400" cy="152400"/>
           </a:xfrm>
           <a:prstGeom prst="ellipse">
             <a:avLst/>
           </a:prstGeom>
-          <a:noFill/>
-          <a:ln w="28575" cap="flat" cmpd="sng" algn="ctr">
+          <a:solidFill>
+            <a:schemeClr val="accent1"/>
+          </a:solidFill>
+          <a:ln w="9525" cap="flat" cmpd="sng" algn="ctr">
             <a:solidFill>
-              <a:srgbClr val="00B050"/>
+              <a:schemeClr val="tx1"/>
             </a:solidFill>
-            <a:prstDash val="dash"/>
+            <a:prstDash val="solid"/>
             <a:miter lim="800000"/>
             <a:headEnd type="none" w="med" len="med"/>
             <a:tailEnd type="none" w="med" len="med"/>
@@ -31165,10 +30956,10 @@
       </p:sp>
       <p:sp>
         <p:nvSpPr>
-          <p:cNvPr id="11" name="Oval 10">
-            <a:extLst>
-              <a:ext uri="{FF2B5EF4-FFF2-40B4-BE49-F238E27FC236}">
-                <a16:creationId xmlns:a16="http://schemas.microsoft.com/office/drawing/2014/main" id="{8BE2EAE7-7812-4DE1-E8BF-36C928118274}"/>
+          <p:cNvPr id="10" name="Oval 9">
+            <a:extLst>
+              <a:ext uri="{FF2B5EF4-FFF2-40B4-BE49-F238E27FC236}">
+                <a16:creationId xmlns:a16="http://schemas.microsoft.com/office/drawing/2014/main" id="{41AA6242-3D38-2962-0382-45811FA2B307}"/>
               </a:ext>
             </a:extLst>
           </p:cNvPr>
@@ -31176,19 +30967,21 @@
           <p:nvPr/>
         </p:nvSpPr>
         <p:spPr bwMode="auto">
-          <a:xfrm rot="592320">
-            <a:off x="4534644" y="5727885"/>
-            <a:ext cx="152400" cy="533400"/>
+          <a:xfrm>
+            <a:off x="2212545" y="3392230"/>
+            <a:ext cx="152400" cy="152400"/>
           </a:xfrm>
           <a:prstGeom prst="ellipse">
             <a:avLst/>
           </a:prstGeom>
-          <a:noFill/>
-          <a:ln w="28575" cap="flat" cmpd="sng" algn="ctr">
+          <a:solidFill>
+            <a:schemeClr val="accent1"/>
+          </a:solidFill>
+          <a:ln w="9525" cap="flat" cmpd="sng" algn="ctr">
             <a:solidFill>
-              <a:srgbClr val="00B0F0"/>
+              <a:schemeClr val="tx1"/>
             </a:solidFill>
-            <a:prstDash val="dash"/>
+            <a:prstDash val="solid"/>
             <a:miter lim="800000"/>
             <a:headEnd type="none" w="med" len="med"/>
             <a:tailEnd type="none" w="med" len="med"/>
@@ -31234,10 +31027,10 @@
       </p:sp>
       <p:sp>
         <p:nvSpPr>
-          <p:cNvPr id="12" name="Oval 11">
-            <a:extLst>
-              <a:ext uri="{FF2B5EF4-FFF2-40B4-BE49-F238E27FC236}">
-                <a16:creationId xmlns:a16="http://schemas.microsoft.com/office/drawing/2014/main" id="{9CE188E6-FA34-4EBA-87CD-3F68D8550B9C}"/>
+          <p:cNvPr id="11" name="Oval 10">
+            <a:extLst>
+              <a:ext uri="{FF2B5EF4-FFF2-40B4-BE49-F238E27FC236}">
+                <a16:creationId xmlns:a16="http://schemas.microsoft.com/office/drawing/2014/main" id="{F4E78488-471F-78E3-70D1-B94AC045EA92}"/>
               </a:ext>
             </a:extLst>
           </p:cNvPr>
@@ -31245,19 +31038,21 @@
           <p:nvPr/>
         </p:nvSpPr>
         <p:spPr bwMode="auto">
-          <a:xfrm rot="592320">
-            <a:off x="3387702" y="5908954"/>
-            <a:ext cx="152400" cy="533400"/>
+          <a:xfrm>
+            <a:off x="3520137" y="2589762"/>
+            <a:ext cx="152400" cy="152400"/>
           </a:xfrm>
           <a:prstGeom prst="ellipse">
             <a:avLst/>
           </a:prstGeom>
-          <a:noFill/>
-          <a:ln w="28575" cap="flat" cmpd="sng" algn="ctr">
+          <a:solidFill>
+            <a:schemeClr val="accent1"/>
+          </a:solidFill>
+          <a:ln w="9525" cap="flat" cmpd="sng" algn="ctr">
             <a:solidFill>
-              <a:srgbClr val="00B0F0"/>
+              <a:schemeClr val="tx1"/>
             </a:solidFill>
-            <a:prstDash val="dash"/>
+            <a:prstDash val="solid"/>
             <a:miter lim="800000"/>
             <a:headEnd type="none" w="med" len="med"/>
             <a:tailEnd type="none" w="med" len="med"/>
@@ -31303,10 +31098,222 @@
       </p:sp>
       <p:sp>
         <p:nvSpPr>
-          <p:cNvPr id="13" name="Oval 12">
-            <a:extLst>
-              <a:ext uri="{FF2B5EF4-FFF2-40B4-BE49-F238E27FC236}">
-                <a16:creationId xmlns:a16="http://schemas.microsoft.com/office/drawing/2014/main" id="{50DD35EB-E944-5879-CE58-2B38CA94E748}"/>
+          <p:cNvPr id="12" name="Text Box 43">
+            <a:extLst>
+              <a:ext uri="{FF2B5EF4-FFF2-40B4-BE49-F238E27FC236}">
+                <a16:creationId xmlns:a16="http://schemas.microsoft.com/office/drawing/2014/main" id="{12609741-879E-4A92-8332-B15341C07D9B}"/>
+              </a:ext>
+            </a:extLst>
+          </p:cNvPr>
+          <p:cNvSpPr txBox="1">
+            <a:spLocks noChangeArrowheads="1"/>
+          </p:cNvSpPr>
+          <p:nvPr/>
+        </p:nvSpPr>
+        <p:spPr bwMode="auto">
+          <a:xfrm>
+            <a:off x="609600" y="1254436"/>
+            <a:ext cx="7543800" cy="276999"/>
+          </a:xfrm>
+          <a:prstGeom prst="rect">
+            <a:avLst/>
+          </a:prstGeom>
+          <a:solidFill>
+            <a:schemeClr val="accent2"/>
+          </a:solidFill>
+          <a:ln w="12700">
+            <a:solidFill>
+              <a:schemeClr val="tx1"/>
+            </a:solidFill>
+            <a:miter lim="800000"/>
+            <a:headEnd/>
+            <a:tailEnd/>
+          </a:ln>
+          <a:effectLst>
+            <a:outerShdw blurRad="63500" dist="35921" dir="2700000" algn="ctr" rotWithShape="0">
+              <a:schemeClr val="bg2"/>
+            </a:outerShdw>
+          </a:effectLst>
+        </p:spPr>
+        <p:txBody>
+          <a:bodyPr wrap="square" anchor="ctr">
+            <a:spAutoFit/>
+          </a:bodyPr>
+          <a:lstStyle/>
+          <a:p>
+            <a:pPr algn="l">
+              <a:defRPr/>
+            </a:pPr>
+            <a:r>
+              <a:rPr lang="en-US" sz="1200" dirty="0">
+                <a:latin typeface="Tahoma" pitchFamily="-84" charset="0"/>
+              </a:rPr>
+              <a:t>Overlaying the </a:t>
+            </a:r>
+            <a:r>
+              <a:rPr lang="en-US" sz="1200" b="1" dirty="0">
+                <a:latin typeface="Tahoma" pitchFamily="-84" charset="0"/>
+              </a:rPr>
+              <a:t>Heat Control </a:t>
+            </a:r>
+            <a:r>
+              <a:rPr lang="en-US" sz="1200" dirty="0">
+                <a:latin typeface="Tahoma" pitchFamily="-84" charset="0"/>
+              </a:rPr>
+              <a:t>function using notation similar to AADL Flows</a:t>
+            </a:r>
+          </a:p>
+        </p:txBody>
+      </p:sp>
+      <p:sp>
+        <p:nvSpPr>
+          <p:cNvPr id="13" name="TextBox 12">
+            <a:extLst>
+              <a:ext uri="{FF2B5EF4-FFF2-40B4-BE49-F238E27FC236}">
+                <a16:creationId xmlns:a16="http://schemas.microsoft.com/office/drawing/2014/main" id="{444FBE1A-13CB-CA34-8C71-C2FB3E7EC5A7}"/>
+              </a:ext>
+            </a:extLst>
+          </p:cNvPr>
+          <p:cNvSpPr txBox="1"/>
+          <p:nvPr/>
+        </p:nvSpPr>
+        <p:spPr>
+          <a:xfrm>
+            <a:off x="2200353" y="1689368"/>
+            <a:ext cx="1370119" cy="461665"/>
+          </a:xfrm>
+          <a:prstGeom prst="rect">
+            <a:avLst/>
+          </a:prstGeom>
+          <a:noFill/>
+        </p:spPr>
+        <p:txBody>
+          <a:bodyPr wrap="none" rtlCol="0">
+            <a:spAutoFit/>
+          </a:bodyPr>
+          <a:lstStyle/>
+          <a:p>
+            <a:r>
+              <a:rPr lang="en-US" dirty="0"/>
+              <a:t>Regulate</a:t>
+            </a:r>
+          </a:p>
+        </p:txBody>
+      </p:sp>
+      <p:sp>
+        <p:nvSpPr>
+          <p:cNvPr id="14" name="TextBox 13">
+            <a:extLst>
+              <a:ext uri="{FF2B5EF4-FFF2-40B4-BE49-F238E27FC236}">
+                <a16:creationId xmlns:a16="http://schemas.microsoft.com/office/drawing/2014/main" id="{E0D2FFBC-2FF9-20BB-1826-130F30D798A8}"/>
+              </a:ext>
+            </a:extLst>
+          </p:cNvPr>
+          <p:cNvSpPr txBox="1"/>
+          <p:nvPr/>
+        </p:nvSpPr>
+        <p:spPr>
+          <a:xfrm>
+            <a:off x="3672537" y="2514600"/>
+            <a:ext cx="1262718" cy="276999"/>
+          </a:xfrm>
+          <a:prstGeom prst="rect">
+            <a:avLst/>
+          </a:prstGeom>
+          <a:noFill/>
+        </p:spPr>
+        <p:txBody>
+          <a:bodyPr wrap="none" rtlCol="0">
+            <a:spAutoFit/>
+          </a:bodyPr>
+          <a:lstStyle/>
+          <a:p>
+            <a:r>
+              <a:rPr lang="en-US" sz="1200" dirty="0" err="1"/>
+              <a:t>regulator_mode</a:t>
+            </a:r>
+            <a:endParaRPr lang="en-US" sz="1200" dirty="0"/>
+          </a:p>
+        </p:txBody>
+      </p:sp>
+      <p:sp>
+        <p:nvSpPr>
+          <p:cNvPr id="15" name="TextBox 14">
+            <a:extLst>
+              <a:ext uri="{FF2B5EF4-FFF2-40B4-BE49-F238E27FC236}">
+                <a16:creationId xmlns:a16="http://schemas.microsoft.com/office/drawing/2014/main" id="{EA69CDB6-1A9E-00FC-B183-9CB6C72B2B88}"/>
+              </a:ext>
+            </a:extLst>
+          </p:cNvPr>
+          <p:cNvSpPr txBox="1"/>
+          <p:nvPr/>
+        </p:nvSpPr>
+        <p:spPr>
+          <a:xfrm>
+            <a:off x="574092" y="3304401"/>
+            <a:ext cx="1650645" cy="276999"/>
+          </a:xfrm>
+          <a:prstGeom prst="rect">
+            <a:avLst/>
+          </a:prstGeom>
+          <a:noFill/>
+        </p:spPr>
+        <p:txBody>
+          <a:bodyPr wrap="none" rtlCol="0">
+            <a:spAutoFit/>
+          </a:bodyPr>
+          <a:lstStyle/>
+          <a:p>
+            <a:r>
+              <a:rPr lang="en-US" sz="1200" dirty="0" err="1"/>
+              <a:t>current_tempWstatus</a:t>
+            </a:r>
+            <a:endParaRPr lang="en-US" sz="1200" dirty="0"/>
+          </a:p>
+        </p:txBody>
+      </p:sp>
+      <p:sp>
+        <p:nvSpPr>
+          <p:cNvPr id="16" name="TextBox 15">
+            <a:extLst>
+              <a:ext uri="{FF2B5EF4-FFF2-40B4-BE49-F238E27FC236}">
+                <a16:creationId xmlns:a16="http://schemas.microsoft.com/office/drawing/2014/main" id="{11BABFD3-E164-BB09-C30E-4237205502C9}"/>
+              </a:ext>
+            </a:extLst>
+          </p:cNvPr>
+          <p:cNvSpPr txBox="1"/>
+          <p:nvPr/>
+        </p:nvSpPr>
+        <p:spPr>
+          <a:xfrm>
+            <a:off x="6587796" y="2351716"/>
+            <a:ext cx="1081322" cy="276999"/>
+          </a:xfrm>
+          <a:prstGeom prst="rect">
+            <a:avLst/>
+          </a:prstGeom>
+          <a:noFill/>
+        </p:spPr>
+        <p:txBody>
+          <a:bodyPr wrap="none" rtlCol="0">
+            <a:spAutoFit/>
+          </a:bodyPr>
+          <a:lstStyle/>
+          <a:p>
+            <a:r>
+              <a:rPr lang="en-US" sz="1200" dirty="0" err="1"/>
+              <a:t>display_temp</a:t>
+            </a:r>
+            <a:endParaRPr lang="en-US" sz="1200" dirty="0"/>
+          </a:p>
+        </p:txBody>
+      </p:sp>
+      <p:sp>
+        <p:nvSpPr>
+          <p:cNvPr id="2" name="Oval 1">
+            <a:extLst>
+              <a:ext uri="{FF2B5EF4-FFF2-40B4-BE49-F238E27FC236}">
+                <a16:creationId xmlns:a16="http://schemas.microsoft.com/office/drawing/2014/main" id="{54AAE1D7-5A21-3595-760D-52874A07395C}"/>
               </a:ext>
             </a:extLst>
           </p:cNvPr>
@@ -31314,19 +31321,21 @@
           <p:nvPr/>
         </p:nvSpPr>
         <p:spPr bwMode="auto">
-          <a:xfrm rot="16200000">
-            <a:off x="3913010" y="5774819"/>
-            <a:ext cx="207005" cy="348975"/>
+          <a:xfrm>
+            <a:off x="3520137" y="2856278"/>
+            <a:ext cx="152400" cy="152400"/>
           </a:xfrm>
           <a:prstGeom prst="ellipse">
             <a:avLst/>
           </a:prstGeom>
-          <a:noFill/>
-          <a:ln w="28575" cap="flat" cmpd="sng" algn="ctr">
+          <a:solidFill>
+            <a:schemeClr val="accent1"/>
+          </a:solidFill>
+          <a:ln w="9525" cap="flat" cmpd="sng" algn="ctr">
             <a:solidFill>
-              <a:srgbClr val="00B0F0"/>
+              <a:schemeClr val="tx1"/>
             </a:solidFill>
-            <a:prstDash val="dash"/>
+            <a:prstDash val="solid"/>
             <a:miter lim="800000"/>
             <a:headEnd type="none" w="med" len="med"/>
             <a:tailEnd type="none" w="med" len="med"/>
@@ -31372,10 +31381,10 @@
       </p:sp>
       <p:sp>
         <p:nvSpPr>
-          <p:cNvPr id="14" name="TextBox 13">
-            <a:extLst>
-              <a:ext uri="{FF2B5EF4-FFF2-40B4-BE49-F238E27FC236}">
-                <a16:creationId xmlns:a16="http://schemas.microsoft.com/office/drawing/2014/main" id="{5D3710DE-8B19-D78B-9489-2554048D37B2}"/>
+          <p:cNvPr id="3" name="TextBox 2">
+            <a:extLst>
+              <a:ext uri="{FF2B5EF4-FFF2-40B4-BE49-F238E27FC236}">
+                <a16:creationId xmlns:a16="http://schemas.microsoft.com/office/drawing/2014/main" id="{2CBFD9C3-5F48-71A9-E198-6909AE50094D}"/>
               </a:ext>
             </a:extLst>
           </p:cNvPr>
@@ -31384,15 +31393,13 @@
         </p:nvSpPr>
         <p:spPr>
           <a:xfrm>
-            <a:off x="1981200" y="5831545"/>
-            <a:ext cx="854721" cy="261610"/>
+            <a:off x="3672537" y="2766546"/>
+            <a:ext cx="1689950" cy="276999"/>
           </a:xfrm>
           <a:prstGeom prst="rect">
             <a:avLst/>
           </a:prstGeom>
-          <a:solidFill>
-            <a:srgbClr val="FFC000"/>
-          </a:solidFill>
+          <a:noFill/>
         </p:spPr>
         <p:txBody>
           <a:bodyPr wrap="none" rtlCol="0">
@@ -31401,18 +31408,19 @@
           <a:lstStyle/>
           <a:p>
             <a:r>
-              <a:rPr lang="en-US" sz="1100" dirty="0"/>
-              <a:t>SysAssert1</a:t>
-            </a:r>
-          </a:p>
-        </p:txBody>
-      </p:sp>
-      <p:sp>
-        <p:nvSpPr>
-          <p:cNvPr id="15" name="TextBox 14">
-            <a:extLst>
-              <a:ext uri="{FF2B5EF4-FFF2-40B4-BE49-F238E27FC236}">
-                <a16:creationId xmlns:a16="http://schemas.microsoft.com/office/drawing/2014/main" id="{E9FC6786-6F2B-E346-773A-74012C2C4580}"/>
+              <a:rPr lang="en-US" sz="1200" dirty="0" err="1"/>
+              <a:t>previous_heat_control</a:t>
+            </a:r>
+            <a:endParaRPr lang="en-US" sz="1200" dirty="0"/>
+          </a:p>
+        </p:txBody>
+      </p:sp>
+      <p:sp>
+        <p:nvSpPr>
+          <p:cNvPr id="8" name="TextBox 7">
+            <a:extLst>
+              <a:ext uri="{FF2B5EF4-FFF2-40B4-BE49-F238E27FC236}">
+                <a16:creationId xmlns:a16="http://schemas.microsoft.com/office/drawing/2014/main" id="{78EBAB99-9EA9-2D22-877D-8688F70A10DF}"/>
               </a:ext>
             </a:extLst>
           </p:cNvPr>
@@ -31421,15 +31429,13 @@
         </p:nvSpPr>
         <p:spPr>
           <a:xfrm>
-            <a:off x="5519457" y="5834390"/>
-            <a:ext cx="854721" cy="261610"/>
+            <a:off x="561900" y="2155228"/>
+            <a:ext cx="1641796" cy="230832"/>
           </a:xfrm>
           <a:prstGeom prst="rect">
             <a:avLst/>
           </a:prstGeom>
-          <a:solidFill>
-            <a:srgbClr val="FFC000"/>
-          </a:solidFill>
+          <a:noFill/>
         </p:spPr>
         <p:txBody>
           <a:bodyPr wrap="none" rtlCol="0">
@@ -31438,304 +31444,77 @@
           <a:lstStyle/>
           <a:p>
             <a:r>
-              <a:rPr lang="en-US" sz="1100" dirty="0"/>
-              <a:t>SysAssert2</a:t>
-            </a:r>
-          </a:p>
-        </p:txBody>
-      </p:sp>
-    </p:spTree>
-    <p:extLst>
-      <p:ext uri="{BB962C8B-B14F-4D97-AF65-F5344CB8AC3E}">
-        <p14:creationId xmlns:p14="http://schemas.microsoft.com/office/powerpoint/2010/main" val="1282932216"/>
-      </p:ext>
-    </p:extLst>
-  </p:cSld>
-  <p:clrMapOvr>
-    <a:masterClrMapping/>
-  </p:clrMapOvr>
-</p:sld>
-</file>
-
-<file path=ppt/slides/slide29.xml><?xml version="1.0" encoding="utf-8"?>
-<p:sld xmlns:a="http://schemas.openxmlformats.org/drawingml/2006/main" xmlns:r="http://schemas.openxmlformats.org/officeDocument/2006/relationships" xmlns:p="http://schemas.openxmlformats.org/presentationml/2006/main">
-  <p:cSld>
-    <p:spTree>
-      <p:nvGrpSpPr>
-        <p:cNvPr id="1" name=""/>
-        <p:cNvGrpSpPr/>
-        <p:nvPr/>
-      </p:nvGrpSpPr>
-      <p:grpSpPr>
-        <a:xfrm>
-          <a:off x="0" y="0"/>
-          <a:ext cx="0" cy="0"/>
-          <a:chOff x="0" y="0"/>
-          <a:chExt cx="0" cy="0"/>
-        </a:xfrm>
-      </p:grpSpPr>
-      <p:sp>
-        <p:nvSpPr>
-          <p:cNvPr id="5" name="Title 4">
-            <a:extLst>
-              <a:ext uri="{FF2B5EF4-FFF2-40B4-BE49-F238E27FC236}">
-                <a16:creationId xmlns:a16="http://schemas.microsoft.com/office/drawing/2014/main" id="{9F6FE098-3714-CAAE-B264-9FA2959E300C}"/>
-              </a:ext>
-            </a:extLst>
-          </p:cNvPr>
-          <p:cNvSpPr>
-            <a:spLocks noGrp="1"/>
-          </p:cNvSpPr>
-          <p:nvPr>
-            <p:ph type="title"/>
-          </p:nvPr>
-        </p:nvSpPr>
-        <p:spPr/>
-        <p:txBody>
-          <a:bodyPr/>
-          <a:lstStyle/>
-          <a:p>
-            <a:r>
-              <a:rPr lang="en-US" dirty="0"/>
-              <a:t>VC Structure (Phase 1)</a:t>
-            </a:r>
-          </a:p>
-        </p:txBody>
-      </p:sp>
-      <p:sp>
-        <p:nvSpPr>
-          <p:cNvPr id="16" name="Content Placeholder 15">
-            <a:extLst>
-              <a:ext uri="{FF2B5EF4-FFF2-40B4-BE49-F238E27FC236}">
-                <a16:creationId xmlns:a16="http://schemas.microsoft.com/office/drawing/2014/main" id="{789998D8-1099-C8F1-B5F9-DE83C371D395}"/>
-              </a:ext>
-            </a:extLst>
-          </p:cNvPr>
-          <p:cNvSpPr>
-            <a:spLocks noGrp="1"/>
-          </p:cNvSpPr>
-          <p:nvPr>
-            <p:ph idx="1"/>
-          </p:nvPr>
+              <a:rPr lang="en-US" sz="900" dirty="0" err="1"/>
+              <a:t>upper_desired_tempWstatus</a:t>
+            </a:r>
+            <a:endParaRPr lang="en-US" sz="900" dirty="0"/>
+          </a:p>
+        </p:txBody>
+      </p:sp>
+      <p:sp>
+        <p:nvSpPr>
+          <p:cNvPr id="9" name="TextBox 8">
+            <a:extLst>
+              <a:ext uri="{FF2B5EF4-FFF2-40B4-BE49-F238E27FC236}">
+                <a16:creationId xmlns:a16="http://schemas.microsoft.com/office/drawing/2014/main" id="{F43D58AC-CAB3-31FC-9B3C-E2908E4E1B3B}"/>
+              </a:ext>
+            </a:extLst>
+          </p:cNvPr>
+          <p:cNvSpPr txBox="1"/>
+          <p:nvPr/>
         </p:nvSpPr>
         <p:spPr>
           <a:xfrm>
-            <a:off x="685800" y="3111600"/>
-            <a:ext cx="8153400" cy="3289200"/>
-          </a:xfrm>
-        </p:spPr>
-        <p:txBody>
-          <a:bodyPr/>
-          <a:lstStyle/>
-          <a:p>
-            <a:r>
-              <a:rPr lang="en-US" dirty="0"/>
-              <a:t>SysAssert1 implies Pre</a:t>
-            </a:r>
-          </a:p>
-          <a:p>
-            <a:r>
-              <a:rPr lang="en-US" dirty="0"/>
-              <a:t>SysAssert1 &amp; Post implies SysAssert2</a:t>
-            </a:r>
-          </a:p>
-        </p:txBody>
-      </p:sp>
-      <p:sp>
-        <p:nvSpPr>
-          <p:cNvPr id="4" name="Slide Number Placeholder 3">
-            <a:extLst>
-              <a:ext uri="{FF2B5EF4-FFF2-40B4-BE49-F238E27FC236}">
-                <a16:creationId xmlns:a16="http://schemas.microsoft.com/office/drawing/2014/main" id="{7A20B146-E2C7-235E-DD60-15442639B9A6}"/>
-              </a:ext>
-            </a:extLst>
-          </p:cNvPr>
-          <p:cNvSpPr>
-            <a:spLocks noGrp="1"/>
-          </p:cNvSpPr>
-          <p:nvPr>
-            <p:ph type="sldNum" sz="quarter" idx="11"/>
-          </p:nvPr>
-        </p:nvSpPr>
-        <p:spPr/>
-        <p:txBody>
-          <a:bodyPr/>
-          <a:lstStyle/>
-          <a:p>
-            <a:pPr>
-              <a:defRPr/>
-            </a:pPr>
-            <a:fld id="{C22399C2-1ADD-1549-9753-CEA7C1EED1B8}" type="slidenum">
-              <a:rPr lang="en-US" smtClean="0"/>
-              <a:pPr>
-                <a:defRPr/>
-              </a:pPr>
-              <a:t>29</a:t>
-            </a:fld>
-            <a:endParaRPr lang="en-US"/>
-          </a:p>
-        </p:txBody>
-      </p:sp>
-      <p:sp>
-        <p:nvSpPr>
-          <p:cNvPr id="6" name="Parallelogram 5">
-            <a:extLst>
-              <a:ext uri="{FF2B5EF4-FFF2-40B4-BE49-F238E27FC236}">
-                <a16:creationId xmlns:a16="http://schemas.microsoft.com/office/drawing/2014/main" id="{EE38EA9F-56AE-1A8D-70BB-7F3655B5B96F}"/>
+            <a:off x="570749" y="2359968"/>
+            <a:ext cx="1622560" cy="230832"/>
+          </a:xfrm>
+          <a:prstGeom prst="rect">
+            <a:avLst/>
+          </a:prstGeom>
+          <a:noFill/>
+        </p:spPr>
+        <p:txBody>
+          <a:bodyPr wrap="none" rtlCol="0">
+            <a:spAutoFit/>
+          </a:bodyPr>
+          <a:lstStyle/>
+          <a:p>
+            <a:r>
+              <a:rPr lang="en-US" sz="900" dirty="0" err="1"/>
+              <a:t>lower_desired_tempWstatus</a:t>
+            </a:r>
+            <a:endParaRPr lang="en-US" sz="900" dirty="0"/>
+          </a:p>
+        </p:txBody>
+      </p:sp>
+      <p:sp>
+        <p:nvSpPr>
+          <p:cNvPr id="17" name="Oval 16">
+            <a:extLst>
+              <a:ext uri="{FF2B5EF4-FFF2-40B4-BE49-F238E27FC236}">
+                <a16:creationId xmlns:a16="http://schemas.microsoft.com/office/drawing/2014/main" id="{6699FF01-451C-0800-7751-C8A38B077D25}"/>
               </a:ext>
             </a:extLst>
           </p:cNvPr>
           <p:cNvSpPr/>
           <p:nvPr/>
         </p:nvSpPr>
-        <p:spPr>
-          <a:xfrm>
-            <a:off x="3581400" y="1905000"/>
-            <a:ext cx="1238269" cy="840839"/>
-          </a:xfrm>
-          <a:prstGeom prst="parallelogram">
-            <a:avLst>
-              <a:gd name="adj" fmla="val 16558"/>
-            </a:avLst>
-          </a:prstGeom>
-          <a:noFill/>
-          <a:ln>
+        <p:spPr bwMode="auto">
+          <a:xfrm>
+            <a:off x="2221984" y="2200657"/>
+            <a:ext cx="152400" cy="152400"/>
+          </a:xfrm>
+          <a:prstGeom prst="ellipse">
+            <a:avLst/>
+          </a:prstGeom>
+          <a:solidFill>
+            <a:schemeClr val="accent1"/>
+          </a:solidFill>
+          <a:ln w="9525" cap="flat" cmpd="sng" algn="ctr">
             <a:solidFill>
               <a:schemeClr val="tx1"/>
             </a:solidFill>
-            <a:prstDash val="dash"/>
-          </a:ln>
-        </p:spPr>
-        <p:style>
-          <a:lnRef idx="2">
-            <a:schemeClr val="accent1">
-              <a:shade val="15000"/>
-            </a:schemeClr>
-          </a:lnRef>
-          <a:fillRef idx="1">
-            <a:schemeClr val="accent1"/>
-          </a:fillRef>
-          <a:effectRef idx="0">
-            <a:schemeClr val="accent1"/>
-          </a:effectRef>
-          <a:fontRef idx="minor">
-            <a:schemeClr val="lt1"/>
-          </a:fontRef>
-        </p:style>
-        <p:txBody>
-          <a:bodyPr rtlCol="0" anchor="ctr"/>
-          <a:lstStyle/>
-          <a:p>
-            <a:pPr algn="ctr"/>
-            <a:endParaRPr lang="en-US"/>
-          </a:p>
-        </p:txBody>
-      </p:sp>
-      <p:sp>
-        <p:nvSpPr>
-          <p:cNvPr id="7" name="TextBox 6">
-            <a:extLst>
-              <a:ext uri="{FF2B5EF4-FFF2-40B4-BE49-F238E27FC236}">
-                <a16:creationId xmlns:a16="http://schemas.microsoft.com/office/drawing/2014/main" id="{6FE2444C-3CE1-AFE2-3700-A9E9691DC6A3}"/>
-              </a:ext>
-            </a:extLst>
-          </p:cNvPr>
-          <p:cNvSpPr txBox="1"/>
-          <p:nvPr/>
-        </p:nvSpPr>
-        <p:spPr>
-          <a:xfrm>
-            <a:off x="3174121" y="1983839"/>
-            <a:ext cx="388248" cy="261610"/>
-          </a:xfrm>
-          <a:prstGeom prst="rect">
-            <a:avLst/>
-          </a:prstGeom>
-          <a:solidFill>
-            <a:srgbClr val="00B050"/>
-          </a:solidFill>
-        </p:spPr>
-        <p:txBody>
-          <a:bodyPr wrap="none" rtlCol="0">
-            <a:spAutoFit/>
-          </a:bodyPr>
-          <a:lstStyle/>
-          <a:p>
-            <a:r>
-              <a:rPr lang="en-US" sz="1100" dirty="0"/>
-              <a:t>Pre</a:t>
-            </a:r>
-          </a:p>
-        </p:txBody>
-      </p:sp>
-      <p:sp>
-        <p:nvSpPr>
-          <p:cNvPr id="8" name="TextBox 7">
-            <a:extLst>
-              <a:ext uri="{FF2B5EF4-FFF2-40B4-BE49-F238E27FC236}">
-                <a16:creationId xmlns:a16="http://schemas.microsoft.com/office/drawing/2014/main" id="{3725757B-9BAB-E337-04F1-D9849EA3441F}"/>
-              </a:ext>
-            </a:extLst>
-          </p:cNvPr>
-          <p:cNvSpPr txBox="1"/>
-          <p:nvPr/>
-        </p:nvSpPr>
-        <p:spPr>
-          <a:xfrm>
-            <a:off x="4822717" y="2429569"/>
-            <a:ext cx="449162" cy="261610"/>
-          </a:xfrm>
-          <a:prstGeom prst="rect">
-            <a:avLst/>
-          </a:prstGeom>
-          <a:solidFill>
-            <a:srgbClr val="00B0F0"/>
-          </a:solidFill>
-          <a:ln>
-            <a:solidFill>
-              <a:srgbClr val="00B0F0"/>
-            </a:solidFill>
-          </a:ln>
-        </p:spPr>
-        <p:txBody>
-          <a:bodyPr wrap="none" rtlCol="0">
-            <a:spAutoFit/>
-          </a:bodyPr>
-          <a:lstStyle/>
-          <a:p>
-            <a:r>
-              <a:rPr lang="en-US" sz="1100" dirty="0"/>
-              <a:t>Post</a:t>
-            </a:r>
-          </a:p>
-        </p:txBody>
-      </p:sp>
-      <p:sp>
-        <p:nvSpPr>
-          <p:cNvPr id="9" name="Oval 8">
-            <a:extLst>
-              <a:ext uri="{FF2B5EF4-FFF2-40B4-BE49-F238E27FC236}">
-                <a16:creationId xmlns:a16="http://schemas.microsoft.com/office/drawing/2014/main" id="{CA348CC6-9A68-7A6D-F5B7-3DDF10BC4843}"/>
-              </a:ext>
-            </a:extLst>
-          </p:cNvPr>
-          <p:cNvSpPr/>
-          <p:nvPr/>
-        </p:nvSpPr>
-        <p:spPr bwMode="auto">
-          <a:xfrm rot="592320">
-            <a:off x="3530766" y="2072925"/>
-            <a:ext cx="152400" cy="533400"/>
-          </a:xfrm>
-          <a:prstGeom prst="ellipse">
-            <a:avLst/>
-          </a:prstGeom>
-          <a:noFill/>
-          <a:ln w="28575" cap="flat" cmpd="sng" algn="ctr">
-            <a:solidFill>
-              <a:srgbClr val="00B050"/>
-            </a:solidFill>
-            <a:prstDash val="dash"/>
+            <a:prstDash val="solid"/>
             <a:miter lim="800000"/>
             <a:headEnd type="none" w="med" len="med"/>
             <a:tailEnd type="none" w="med" len="med"/>
@@ -31781,10 +31560,10 @@
       </p:sp>
       <p:sp>
         <p:nvSpPr>
-          <p:cNvPr id="10" name="Oval 9">
-            <a:extLst>
-              <a:ext uri="{FF2B5EF4-FFF2-40B4-BE49-F238E27FC236}">
-                <a16:creationId xmlns:a16="http://schemas.microsoft.com/office/drawing/2014/main" id="{3AFF50D9-2E69-5BB3-8018-DA122BD0E385}"/>
+          <p:cNvPr id="18" name="Oval 17">
+            <a:extLst>
+              <a:ext uri="{FF2B5EF4-FFF2-40B4-BE49-F238E27FC236}">
+                <a16:creationId xmlns:a16="http://schemas.microsoft.com/office/drawing/2014/main" id="{F34610C4-4F2D-68F8-3362-F917428698D7}"/>
               </a:ext>
             </a:extLst>
           </p:cNvPr>
@@ -31792,19 +31571,21 @@
           <p:nvPr/>
         </p:nvSpPr>
         <p:spPr bwMode="auto">
-          <a:xfrm rot="16200000">
-            <a:off x="3893979" y="1967458"/>
-            <a:ext cx="207005" cy="348975"/>
+          <a:xfrm>
+            <a:off x="2225032" y="2417065"/>
+            <a:ext cx="152400" cy="152400"/>
           </a:xfrm>
           <a:prstGeom prst="ellipse">
             <a:avLst/>
           </a:prstGeom>
-          <a:noFill/>
-          <a:ln w="28575" cap="flat" cmpd="sng" algn="ctr">
+          <a:solidFill>
+            <a:schemeClr val="accent1"/>
+          </a:solidFill>
+          <a:ln w="9525" cap="flat" cmpd="sng" algn="ctr">
             <a:solidFill>
-              <a:srgbClr val="00B050"/>
+              <a:schemeClr val="tx1"/>
             </a:solidFill>
-            <a:prstDash val="dash"/>
+            <a:prstDash val="solid"/>
             <a:miter lim="800000"/>
             <a:headEnd type="none" w="med" len="med"/>
             <a:tailEnd type="none" w="med" len="med"/>
@@ -31850,10 +31631,10 @@
       </p:sp>
       <p:sp>
         <p:nvSpPr>
-          <p:cNvPr id="11" name="Oval 10">
-            <a:extLst>
-              <a:ext uri="{FF2B5EF4-FFF2-40B4-BE49-F238E27FC236}">
-                <a16:creationId xmlns:a16="http://schemas.microsoft.com/office/drawing/2014/main" id="{EEFA4CA3-3A06-30BE-AAC2-B13FEFBADF58}"/>
+          <p:cNvPr id="19" name="Oval 18">
+            <a:extLst>
+              <a:ext uri="{FF2B5EF4-FFF2-40B4-BE49-F238E27FC236}">
+                <a16:creationId xmlns:a16="http://schemas.microsoft.com/office/drawing/2014/main" id="{B1278A02-E7A9-C1C7-0162-3387350B792D}"/>
               </a:ext>
             </a:extLst>
           </p:cNvPr>
@@ -31861,19 +31642,21 @@
           <p:nvPr/>
         </p:nvSpPr>
         <p:spPr bwMode="auto">
-          <a:xfrm rot="592320">
-            <a:off x="4668013" y="2072924"/>
-            <a:ext cx="152400" cy="533400"/>
+          <a:xfrm>
+            <a:off x="6427506" y="3297936"/>
+            <a:ext cx="152400" cy="152400"/>
           </a:xfrm>
           <a:prstGeom prst="ellipse">
             <a:avLst/>
           </a:prstGeom>
-          <a:noFill/>
-          <a:ln w="28575" cap="flat" cmpd="sng" algn="ctr">
+          <a:solidFill>
+            <a:schemeClr val="accent1"/>
+          </a:solidFill>
+          <a:ln w="9525" cap="flat" cmpd="sng" algn="ctr">
             <a:solidFill>
-              <a:srgbClr val="00B0F0"/>
+              <a:schemeClr val="tx1"/>
             </a:solidFill>
-            <a:prstDash val="dash"/>
+            <a:prstDash val="solid"/>
             <a:miter lim="800000"/>
             <a:headEnd type="none" w="med" len="med"/>
             <a:tailEnd type="none" w="med" len="med"/>
@@ -31919,10 +31702,82 @@
       </p:sp>
       <p:sp>
         <p:nvSpPr>
-          <p:cNvPr id="12" name="Oval 11">
-            <a:extLst>
-              <a:ext uri="{FF2B5EF4-FFF2-40B4-BE49-F238E27FC236}">
-                <a16:creationId xmlns:a16="http://schemas.microsoft.com/office/drawing/2014/main" id="{6D23C153-4E3E-ADF9-81BB-158DC9AA79DB}"/>
+          <p:cNvPr id="20" name="TextBox 19">
+            <a:extLst>
+              <a:ext uri="{FF2B5EF4-FFF2-40B4-BE49-F238E27FC236}">
+                <a16:creationId xmlns:a16="http://schemas.microsoft.com/office/drawing/2014/main" id="{EBE02EE7-C996-40BC-E950-2F1FEF54A22E}"/>
+              </a:ext>
+            </a:extLst>
+          </p:cNvPr>
+          <p:cNvSpPr txBox="1"/>
+          <p:nvPr/>
+        </p:nvSpPr>
+        <p:spPr>
+          <a:xfrm>
+            <a:off x="6599565" y="3226492"/>
+            <a:ext cx="1033488" cy="276999"/>
+          </a:xfrm>
+          <a:prstGeom prst="rect">
+            <a:avLst/>
+          </a:prstGeom>
+          <a:noFill/>
+        </p:spPr>
+        <p:txBody>
+          <a:bodyPr wrap="none" rtlCol="0">
+            <a:spAutoFit/>
+          </a:bodyPr>
+          <a:lstStyle/>
+          <a:p>
+            <a:r>
+              <a:rPr lang="en-US" sz="1200" dirty="0" err="1"/>
+              <a:t>heat_control</a:t>
+            </a:r>
+            <a:endParaRPr lang="en-US" sz="1200" dirty="0"/>
+          </a:p>
+        </p:txBody>
+      </p:sp>
+      <p:sp>
+        <p:nvSpPr>
+          <p:cNvPr id="21" name="TextBox 20">
+            <a:extLst>
+              <a:ext uri="{FF2B5EF4-FFF2-40B4-BE49-F238E27FC236}">
+                <a16:creationId xmlns:a16="http://schemas.microsoft.com/office/drawing/2014/main" id="{0AF4D9D4-6352-AB3F-D1DE-6B7CECF6BA96}"/>
+              </a:ext>
+            </a:extLst>
+          </p:cNvPr>
+          <p:cNvSpPr txBox="1"/>
+          <p:nvPr/>
+        </p:nvSpPr>
+        <p:spPr>
+          <a:xfrm>
+            <a:off x="6599565" y="2793308"/>
+            <a:ext cx="1325235" cy="276999"/>
+          </a:xfrm>
+          <a:prstGeom prst="rect">
+            <a:avLst/>
+          </a:prstGeom>
+          <a:noFill/>
+        </p:spPr>
+        <p:txBody>
+          <a:bodyPr wrap="none" rtlCol="0">
+            <a:spAutoFit/>
+          </a:bodyPr>
+          <a:lstStyle/>
+          <a:p>
+            <a:r>
+              <a:rPr lang="en-US" sz="1200" dirty="0" err="1"/>
+              <a:t>regulator_status</a:t>
+            </a:r>
+            <a:endParaRPr lang="en-US" sz="1200" dirty="0"/>
+          </a:p>
+        </p:txBody>
+      </p:sp>
+      <p:sp>
+        <p:nvSpPr>
+          <p:cNvPr id="22" name="Oval 21">
+            <a:extLst>
+              <a:ext uri="{FF2B5EF4-FFF2-40B4-BE49-F238E27FC236}">
+                <a16:creationId xmlns:a16="http://schemas.microsoft.com/office/drawing/2014/main" id="{3C78F673-BAEE-4E2A-59CD-1072028C744D}"/>
               </a:ext>
             </a:extLst>
           </p:cNvPr>
@@ -31930,19 +31785,21 @@
           <p:nvPr/>
         </p:nvSpPr>
         <p:spPr bwMode="auto">
-          <a:xfrm rot="592320">
-            <a:off x="3521071" y="2253993"/>
-            <a:ext cx="152400" cy="533400"/>
+          <a:xfrm>
+            <a:off x="6425829" y="2875603"/>
+            <a:ext cx="152400" cy="152400"/>
           </a:xfrm>
           <a:prstGeom prst="ellipse">
             <a:avLst/>
           </a:prstGeom>
-          <a:noFill/>
-          <a:ln w="28575" cap="flat" cmpd="sng" algn="ctr">
+          <a:solidFill>
+            <a:schemeClr val="accent1"/>
+          </a:solidFill>
+          <a:ln w="9525" cap="flat" cmpd="sng" algn="ctr">
             <a:solidFill>
-              <a:srgbClr val="00B0F0"/>
+              <a:schemeClr val="tx1"/>
             </a:solidFill>
-            <a:prstDash val="dash"/>
+            <a:prstDash val="solid"/>
             <a:miter lim="800000"/>
             <a:headEnd type="none" w="med" len="med"/>
             <a:tailEnd type="none" w="med" len="med"/>
@@ -31988,10 +31845,10 @@
       </p:sp>
       <p:sp>
         <p:nvSpPr>
-          <p:cNvPr id="13" name="Oval 12">
-            <a:extLst>
-              <a:ext uri="{FF2B5EF4-FFF2-40B4-BE49-F238E27FC236}">
-                <a16:creationId xmlns:a16="http://schemas.microsoft.com/office/drawing/2014/main" id="{D4A7B989-CFD0-3E96-0C76-596A883A27ED}"/>
+          <p:cNvPr id="23" name="Oval 22">
+            <a:extLst>
+              <a:ext uri="{FF2B5EF4-FFF2-40B4-BE49-F238E27FC236}">
+                <a16:creationId xmlns:a16="http://schemas.microsoft.com/office/drawing/2014/main" id="{9560F11C-5741-6445-B47C-142D316CC540}"/>
               </a:ext>
             </a:extLst>
           </p:cNvPr>
@@ -31999,19 +31856,21 @@
           <p:nvPr/>
         </p:nvSpPr>
         <p:spPr bwMode="auto">
-          <a:xfrm rot="16200000">
-            <a:off x="4046379" y="2119858"/>
-            <a:ext cx="207005" cy="348975"/>
+          <a:xfrm>
+            <a:off x="3520137" y="3113280"/>
+            <a:ext cx="152400" cy="152400"/>
           </a:xfrm>
           <a:prstGeom prst="ellipse">
             <a:avLst/>
           </a:prstGeom>
-          <a:noFill/>
-          <a:ln w="28575" cap="flat" cmpd="sng" algn="ctr">
+          <a:solidFill>
+            <a:schemeClr val="accent1"/>
+          </a:solidFill>
+          <a:ln w="9525" cap="flat" cmpd="sng" algn="ctr">
             <a:solidFill>
-              <a:srgbClr val="00B0F0"/>
+              <a:schemeClr val="tx1"/>
             </a:solidFill>
-            <a:prstDash val="dash"/>
+            <a:prstDash val="solid"/>
             <a:miter lim="800000"/>
             <a:headEnd type="none" w="med" len="med"/>
             <a:tailEnd type="none" w="med" len="med"/>
@@ -32057,10 +31916,10 @@
       </p:sp>
       <p:sp>
         <p:nvSpPr>
-          <p:cNvPr id="14" name="TextBox 13">
-            <a:extLst>
-              <a:ext uri="{FF2B5EF4-FFF2-40B4-BE49-F238E27FC236}">
-                <a16:creationId xmlns:a16="http://schemas.microsoft.com/office/drawing/2014/main" id="{26A5751D-AE2E-F244-148A-D9DEB5D7DF07}"/>
+          <p:cNvPr id="24" name="TextBox 23">
+            <a:extLst>
+              <a:ext uri="{FF2B5EF4-FFF2-40B4-BE49-F238E27FC236}">
+                <a16:creationId xmlns:a16="http://schemas.microsoft.com/office/drawing/2014/main" id="{6019B1E7-85B9-9EC9-ED85-20772697DC51}"/>
               </a:ext>
             </a:extLst>
           </p:cNvPr>
@@ -32069,15 +31928,13 @@
         </p:nvSpPr>
         <p:spPr>
           <a:xfrm>
-            <a:off x="2057400" y="2176584"/>
-            <a:ext cx="854721" cy="261610"/>
+            <a:off x="3672537" y="3022947"/>
+            <a:ext cx="1203278" cy="276999"/>
           </a:xfrm>
           <a:prstGeom prst="rect">
             <a:avLst/>
           </a:prstGeom>
-          <a:solidFill>
-            <a:srgbClr val="FFC000"/>
-          </a:solidFill>
+          <a:noFill/>
         </p:spPr>
         <p:txBody>
           <a:bodyPr wrap="none" rtlCol="0">
@@ -32086,18 +31943,780 @@
           <a:lstStyle/>
           <a:p>
             <a:r>
-              <a:rPr lang="en-US" sz="1100" dirty="0"/>
-              <a:t>SysAssert1</a:t>
-            </a:r>
-          </a:p>
-        </p:txBody>
-      </p:sp>
-      <p:sp>
-        <p:nvSpPr>
-          <p:cNvPr id="15" name="TextBox 14">
-            <a:extLst>
-              <a:ext uri="{FF2B5EF4-FFF2-40B4-BE49-F238E27FC236}">
-                <a16:creationId xmlns:a16="http://schemas.microsoft.com/office/drawing/2014/main" id="{03630545-1EB7-194D-3B9F-99DDF1DEF8C0}"/>
+              <a:rPr lang="en-US" sz="1200" dirty="0" err="1"/>
+              <a:t>internal_failure</a:t>
+            </a:r>
+            <a:endParaRPr lang="en-US" sz="1200" dirty="0"/>
+          </a:p>
+        </p:txBody>
+      </p:sp>
+      <p:cxnSp>
+        <p:nvCxnSpPr>
+          <p:cNvPr id="26" name="Straight Arrow Connector 25">
+            <a:extLst>
+              <a:ext uri="{FF2B5EF4-FFF2-40B4-BE49-F238E27FC236}">
+                <a16:creationId xmlns:a16="http://schemas.microsoft.com/office/drawing/2014/main" id="{44C866C7-4BC0-998B-A59C-6B4C46A43469}"/>
+              </a:ext>
+            </a:extLst>
+          </p:cNvPr>
+          <p:cNvCxnSpPr>
+            <a:cxnSpLocks/>
+            <a:endCxn id="19" idx="2"/>
+          </p:cNvCxnSpPr>
+          <p:nvPr/>
+        </p:nvCxnSpPr>
+        <p:spPr bwMode="auto">
+          <a:xfrm flipV="1">
+            <a:off x="2438400" y="3374136"/>
+            <a:ext cx="3989106" cy="129355"/>
+          </a:xfrm>
+          <a:prstGeom prst="straightConnector1">
+            <a:avLst/>
+          </a:prstGeom>
+          <a:solidFill>
+            <a:schemeClr val="accent1"/>
+          </a:solidFill>
+          <a:ln w="38100" cap="flat" cmpd="sng" algn="ctr">
+            <a:solidFill>
+              <a:srgbClr val="00B050"/>
+            </a:solidFill>
+            <a:prstDash val="solid"/>
+            <a:miter lim="800000"/>
+            <a:headEnd type="none" w="med" len="med"/>
+            <a:tailEnd type="triangle"/>
+          </a:ln>
+          <a:effectLst/>
+        </p:spPr>
+      </p:cxnSp>
+      <p:cxnSp>
+        <p:nvCxnSpPr>
+          <p:cNvPr id="27" name="Straight Arrow Connector 26">
+            <a:extLst>
+              <a:ext uri="{FF2B5EF4-FFF2-40B4-BE49-F238E27FC236}">
+                <a16:creationId xmlns:a16="http://schemas.microsoft.com/office/drawing/2014/main" id="{91C26090-2856-367B-1948-085BCF2BAF65}"/>
+              </a:ext>
+            </a:extLst>
+          </p:cNvPr>
+          <p:cNvCxnSpPr>
+            <a:cxnSpLocks/>
+          </p:cNvCxnSpPr>
+          <p:nvPr/>
+        </p:nvCxnSpPr>
+        <p:spPr bwMode="auto">
+          <a:xfrm>
+            <a:off x="4889295" y="2658342"/>
+            <a:ext cx="1526442" cy="646059"/>
+          </a:xfrm>
+          <a:prstGeom prst="straightConnector1">
+            <a:avLst/>
+          </a:prstGeom>
+          <a:solidFill>
+            <a:schemeClr val="accent1"/>
+          </a:solidFill>
+          <a:ln w="38100" cap="flat" cmpd="sng" algn="ctr">
+            <a:solidFill>
+              <a:srgbClr val="00B050"/>
+            </a:solidFill>
+            <a:prstDash val="solid"/>
+            <a:miter lim="800000"/>
+            <a:headEnd type="none" w="med" len="med"/>
+            <a:tailEnd type="triangle"/>
+          </a:ln>
+          <a:effectLst/>
+        </p:spPr>
+      </p:cxnSp>
+      <p:cxnSp>
+        <p:nvCxnSpPr>
+          <p:cNvPr id="32" name="Straight Arrow Connector 31">
+            <a:extLst>
+              <a:ext uri="{FF2B5EF4-FFF2-40B4-BE49-F238E27FC236}">
+                <a16:creationId xmlns:a16="http://schemas.microsoft.com/office/drawing/2014/main" id="{7EFAF92F-1A25-466B-22E2-D8B4BC048CF1}"/>
+              </a:ext>
+            </a:extLst>
+          </p:cNvPr>
+          <p:cNvCxnSpPr>
+            <a:cxnSpLocks/>
+          </p:cNvCxnSpPr>
+          <p:nvPr/>
+        </p:nvCxnSpPr>
+        <p:spPr bwMode="auto">
+          <a:xfrm>
+            <a:off x="5329352" y="2966366"/>
+            <a:ext cx="1001003" cy="377222"/>
+          </a:xfrm>
+          <a:prstGeom prst="straightConnector1">
+            <a:avLst/>
+          </a:prstGeom>
+          <a:solidFill>
+            <a:schemeClr val="accent1"/>
+          </a:solidFill>
+          <a:ln w="38100" cap="flat" cmpd="sng" algn="ctr">
+            <a:solidFill>
+              <a:srgbClr val="00B050"/>
+            </a:solidFill>
+            <a:prstDash val="solid"/>
+            <a:miter lim="800000"/>
+            <a:headEnd type="none" w="med" len="med"/>
+            <a:tailEnd type="triangle"/>
+          </a:ln>
+          <a:effectLst/>
+        </p:spPr>
+      </p:cxnSp>
+      <p:cxnSp>
+        <p:nvCxnSpPr>
+          <p:cNvPr id="36" name="Straight Arrow Connector 35">
+            <a:extLst>
+              <a:ext uri="{FF2B5EF4-FFF2-40B4-BE49-F238E27FC236}">
+                <a16:creationId xmlns:a16="http://schemas.microsoft.com/office/drawing/2014/main" id="{5FDDD82B-C511-EE51-A9D9-2457D9A2EFA5}"/>
+              </a:ext>
+            </a:extLst>
+          </p:cNvPr>
+          <p:cNvCxnSpPr>
+            <a:cxnSpLocks/>
+          </p:cNvCxnSpPr>
+          <p:nvPr/>
+        </p:nvCxnSpPr>
+        <p:spPr bwMode="auto">
+          <a:xfrm>
+            <a:off x="2408672" y="2261732"/>
+            <a:ext cx="3909529" cy="1109934"/>
+          </a:xfrm>
+          <a:prstGeom prst="straightConnector1">
+            <a:avLst/>
+          </a:prstGeom>
+          <a:solidFill>
+            <a:schemeClr val="accent1"/>
+          </a:solidFill>
+          <a:ln w="38100" cap="flat" cmpd="sng" algn="ctr">
+            <a:solidFill>
+              <a:srgbClr val="00B050"/>
+            </a:solidFill>
+            <a:prstDash val="solid"/>
+            <a:miter lim="800000"/>
+            <a:headEnd type="none" w="med" len="med"/>
+            <a:tailEnd type="triangle"/>
+          </a:ln>
+          <a:effectLst/>
+        </p:spPr>
+      </p:cxnSp>
+      <p:cxnSp>
+        <p:nvCxnSpPr>
+          <p:cNvPr id="38" name="Straight Arrow Connector 37">
+            <a:extLst>
+              <a:ext uri="{FF2B5EF4-FFF2-40B4-BE49-F238E27FC236}">
+                <a16:creationId xmlns:a16="http://schemas.microsoft.com/office/drawing/2014/main" id="{7C1381A6-D5FF-1C26-7499-C08C4B7BFA4B}"/>
+              </a:ext>
+            </a:extLst>
+          </p:cNvPr>
+          <p:cNvCxnSpPr>
+            <a:cxnSpLocks/>
+          </p:cNvCxnSpPr>
+          <p:nvPr/>
+        </p:nvCxnSpPr>
+        <p:spPr bwMode="auto">
+          <a:xfrm>
+            <a:off x="2435352" y="2516610"/>
+            <a:ext cx="3926046" cy="875620"/>
+          </a:xfrm>
+          <a:prstGeom prst="straightConnector1">
+            <a:avLst/>
+          </a:prstGeom>
+          <a:solidFill>
+            <a:schemeClr val="accent1"/>
+          </a:solidFill>
+          <a:ln w="38100" cap="flat" cmpd="sng" algn="ctr">
+            <a:solidFill>
+              <a:srgbClr val="00B050"/>
+            </a:solidFill>
+            <a:prstDash val="solid"/>
+            <a:miter lim="800000"/>
+            <a:headEnd type="none" w="med" len="med"/>
+            <a:tailEnd type="triangle"/>
+          </a:ln>
+          <a:effectLst/>
+        </p:spPr>
+      </p:cxnSp>
+      <p:sp>
+        <p:nvSpPr>
+          <p:cNvPr id="44" name="Freeform 43">
+            <a:extLst>
+              <a:ext uri="{FF2B5EF4-FFF2-40B4-BE49-F238E27FC236}">
+                <a16:creationId xmlns:a16="http://schemas.microsoft.com/office/drawing/2014/main" id="{5B432412-CA12-9140-3B4C-D5A46EDC8BF2}"/>
+              </a:ext>
+            </a:extLst>
+          </p:cNvPr>
+          <p:cNvSpPr/>
+          <p:nvPr/>
+        </p:nvSpPr>
+        <p:spPr bwMode="auto">
+          <a:xfrm>
+            <a:off x="5189540" y="2704720"/>
+            <a:ext cx="188976" cy="341766"/>
+          </a:xfrm>
+          <a:custGeom>
+            <a:avLst/>
+            <a:gdLst>
+              <a:gd name="connsiteX0" fmla="*/ 0 w 593260"/>
+              <a:gd name="connsiteY0" fmla="*/ 250227 h 540177"/>
+              <a:gd name="connsiteX1" fmla="*/ 274320 w 593260"/>
+              <a:gd name="connsiteY1" fmla="*/ 3339 h 540177"/>
+              <a:gd name="connsiteX2" fmla="*/ 576072 w 593260"/>
+              <a:gd name="connsiteY2" fmla="*/ 131355 h 540177"/>
+              <a:gd name="connsiteX3" fmla="*/ 512064 w 593260"/>
+              <a:gd name="connsiteY3" fmla="*/ 460539 h 540177"/>
+              <a:gd name="connsiteX4" fmla="*/ 146304 w 593260"/>
+              <a:gd name="connsiteY4" fmla="*/ 533691 h 540177"/>
+              <a:gd name="connsiteX5" fmla="*/ 9144 w 593260"/>
+              <a:gd name="connsiteY5" fmla="*/ 341667 h 540177"/>
+            </a:gdLst>
+            <a:ahLst/>
+            <a:cxnLst>
+              <a:cxn ang="0">
+                <a:pos x="connsiteX0" y="connsiteY0"/>
+              </a:cxn>
+              <a:cxn ang="0">
+                <a:pos x="connsiteX1" y="connsiteY1"/>
+              </a:cxn>
+              <a:cxn ang="0">
+                <a:pos x="connsiteX2" y="connsiteY2"/>
+              </a:cxn>
+              <a:cxn ang="0">
+                <a:pos x="connsiteX3" y="connsiteY3"/>
+              </a:cxn>
+              <a:cxn ang="0">
+                <a:pos x="connsiteX4" y="connsiteY4"/>
+              </a:cxn>
+              <a:cxn ang="0">
+                <a:pos x="connsiteX5" y="connsiteY5"/>
+              </a:cxn>
+            </a:cxnLst>
+            <a:rect l="l" t="t" r="r" b="b"/>
+            <a:pathLst>
+              <a:path w="593260" h="540177">
+                <a:moveTo>
+                  <a:pt x="0" y="250227"/>
+                </a:moveTo>
+                <a:cubicBezTo>
+                  <a:pt x="89154" y="136689"/>
+                  <a:pt x="178308" y="23151"/>
+                  <a:pt x="274320" y="3339"/>
+                </a:cubicBezTo>
+                <a:cubicBezTo>
+                  <a:pt x="370332" y="-16473"/>
+                  <a:pt x="536448" y="55155"/>
+                  <a:pt x="576072" y="131355"/>
+                </a:cubicBezTo>
+                <a:cubicBezTo>
+                  <a:pt x="615696" y="207555"/>
+                  <a:pt x="583692" y="393483"/>
+                  <a:pt x="512064" y="460539"/>
+                </a:cubicBezTo>
+                <a:cubicBezTo>
+                  <a:pt x="440436" y="527595"/>
+                  <a:pt x="230124" y="553503"/>
+                  <a:pt x="146304" y="533691"/>
+                </a:cubicBezTo>
+                <a:cubicBezTo>
+                  <a:pt x="62484" y="513879"/>
+                  <a:pt x="35814" y="427773"/>
+                  <a:pt x="9144" y="341667"/>
+                </a:cubicBezTo>
+              </a:path>
+            </a:pathLst>
+          </a:custGeom>
+          <a:noFill/>
+          <a:ln w="28575" cap="flat" cmpd="sng" algn="ctr">
+            <a:solidFill>
+              <a:srgbClr val="00B050"/>
+            </a:solidFill>
+            <a:prstDash val="solid"/>
+            <a:miter lim="800000"/>
+            <a:headEnd type="none" w="med" len="med"/>
+            <a:tailEnd type="triangle" w="med" len="med"/>
+          </a:ln>
+          <a:effectLst/>
+        </p:spPr>
+        <p:txBody>
+          <a:bodyPr vert="horz" wrap="none" lIns="91440" tIns="45720" rIns="91440" bIns="45720" numCol="1" rtlCol="0" anchor="t" anchorCtr="0" compatLnSpc="1">
+            <a:prstTxWarp prst="textNoShape">
+              <a:avLst/>
+            </a:prstTxWarp>
+          </a:bodyPr>
+          <a:lstStyle/>
+          <a:p>
+            <a:pPr marL="0" marR="0" indent="0" algn="l" defTabSz="914400" rtl="0" eaLnBrk="1" fontAlgn="base" latinLnBrk="0" hangingPunct="1">
+              <a:lnSpc>
+                <a:spcPct val="100000"/>
+              </a:lnSpc>
+              <a:spcBef>
+                <a:spcPct val="0"/>
+              </a:spcBef>
+              <a:spcAft>
+                <a:spcPct val="0"/>
+              </a:spcAft>
+              <a:buClrTx/>
+              <a:buSzTx/>
+              <a:buFontTx/>
+              <a:buNone/>
+              <a:tabLst/>
+            </a:pPr>
+            <a:endParaRPr kumimoji="0" lang="en-US" sz="2400" b="0" i="0" u="none" strike="noStrike" cap="none" normalizeH="0" baseline="0">
+              <a:ln>
+                <a:noFill/>
+              </a:ln>
+              <a:solidFill>
+                <a:schemeClr val="tx1"/>
+              </a:solidFill>
+              <a:effectLst/>
+              <a:latin typeface="Tahoma" charset="0"/>
+            </a:endParaRPr>
+          </a:p>
+        </p:txBody>
+      </p:sp>
+    </p:spTree>
+    <p:extLst>
+      <p:ext uri="{BB962C8B-B14F-4D97-AF65-F5344CB8AC3E}">
+        <p14:creationId xmlns:p14="http://schemas.microsoft.com/office/powerpoint/2010/main" val="1456181934"/>
+      </p:ext>
+    </p:extLst>
+  </p:cSld>
+  <p:clrMapOvr>
+    <a:masterClrMapping/>
+  </p:clrMapOvr>
+</p:sld>
+</file>
+
+<file path=ppt/slides/slide29.xml><?xml version="1.0" encoding="utf-8"?>
+<p:sld xmlns:a="http://schemas.openxmlformats.org/drawingml/2006/main" xmlns:r="http://schemas.openxmlformats.org/officeDocument/2006/relationships" xmlns:p="http://schemas.openxmlformats.org/presentationml/2006/main">
+  <p:cSld>
+    <p:spTree>
+      <p:nvGrpSpPr>
+        <p:cNvPr id="1" name="">
+          <a:extLst>
+            <a:ext uri="{FF2B5EF4-FFF2-40B4-BE49-F238E27FC236}">
+              <a16:creationId xmlns:a16="http://schemas.microsoft.com/office/drawing/2014/main" id="{833A8869-B765-9A64-EF13-3FA1276AC709}"/>
+            </a:ext>
+          </a:extLst>
+        </p:cNvPr>
+        <p:cNvGrpSpPr/>
+        <p:nvPr/>
+      </p:nvGrpSpPr>
+      <p:grpSpPr>
+        <a:xfrm>
+          <a:off x="0" y="0"/>
+          <a:ext cx="0" cy="0"/>
+          <a:chOff x="0" y="0"/>
+          <a:chExt cx="0" cy="0"/>
+        </a:xfrm>
+      </p:grpSpPr>
+      <p:sp>
+        <p:nvSpPr>
+          <p:cNvPr id="5" name="Title 4">
+            <a:extLst>
+              <a:ext uri="{FF2B5EF4-FFF2-40B4-BE49-F238E27FC236}">
+                <a16:creationId xmlns:a16="http://schemas.microsoft.com/office/drawing/2014/main" id="{D6008BE4-8A77-FD5A-70C2-9B4769FD7431}"/>
+              </a:ext>
+            </a:extLst>
+          </p:cNvPr>
+          <p:cNvSpPr>
+            <a:spLocks noGrp="1"/>
+          </p:cNvSpPr>
+          <p:nvPr>
+            <p:ph type="title"/>
+          </p:nvPr>
+        </p:nvSpPr>
+        <p:spPr/>
+        <p:txBody>
+          <a:bodyPr/>
+          <a:lstStyle/>
+          <a:p>
+            <a:r>
+              <a:rPr lang="en-US" sz="2800" dirty="0"/>
+              <a:t>Example: (Regulate) Display Temp Function</a:t>
+            </a:r>
+          </a:p>
+        </p:txBody>
+      </p:sp>
+      <p:sp>
+        <p:nvSpPr>
+          <p:cNvPr id="4" name="Slide Number Placeholder 3">
+            <a:extLst>
+              <a:ext uri="{FF2B5EF4-FFF2-40B4-BE49-F238E27FC236}">
+                <a16:creationId xmlns:a16="http://schemas.microsoft.com/office/drawing/2014/main" id="{8647DC81-97D7-B0B0-79B8-B34F302D157C}"/>
+              </a:ext>
+            </a:extLst>
+          </p:cNvPr>
+          <p:cNvSpPr>
+            <a:spLocks noGrp="1"/>
+          </p:cNvSpPr>
+          <p:nvPr>
+            <p:ph type="sldNum" sz="quarter" idx="11"/>
+          </p:nvPr>
+        </p:nvSpPr>
+        <p:spPr/>
+        <p:txBody>
+          <a:bodyPr/>
+          <a:lstStyle/>
+          <a:p>
+            <a:pPr>
+              <a:defRPr/>
+            </a:pPr>
+            <a:fld id="{C22399C2-1ADD-1549-9753-CEA7C1EED1B8}" type="slidenum">
+              <a:rPr lang="en-US" smtClean="0"/>
+              <a:pPr>
+                <a:defRPr/>
+              </a:pPr>
+              <a:t>29</a:t>
+            </a:fld>
+            <a:endParaRPr lang="en-US"/>
+          </a:p>
+        </p:txBody>
+      </p:sp>
+      <p:sp>
+        <p:nvSpPr>
+          <p:cNvPr id="6" name="Rectangle 5">
+            <a:extLst>
+              <a:ext uri="{FF2B5EF4-FFF2-40B4-BE49-F238E27FC236}">
+                <a16:creationId xmlns:a16="http://schemas.microsoft.com/office/drawing/2014/main" id="{AD814AA2-8769-23BD-14BF-79492C1AA05F}"/>
+              </a:ext>
+            </a:extLst>
+          </p:cNvPr>
+          <p:cNvSpPr/>
+          <p:nvPr/>
+        </p:nvSpPr>
+        <p:spPr bwMode="auto">
+          <a:xfrm>
+            <a:off x="2209800" y="2057400"/>
+            <a:ext cx="4191000" cy="1524000"/>
+          </a:xfrm>
+          <a:prstGeom prst="rect">
+            <a:avLst/>
+          </a:prstGeom>
+          <a:noFill/>
+          <a:ln w="28575" cap="flat" cmpd="sng" algn="ctr">
+            <a:solidFill>
+              <a:schemeClr val="tx1"/>
+            </a:solidFill>
+            <a:prstDash val="solid"/>
+            <a:miter lim="800000"/>
+            <a:headEnd type="none" w="med" len="med"/>
+            <a:tailEnd type="none" w="med" len="med"/>
+          </a:ln>
+          <a:effectLst/>
+        </p:spPr>
+        <p:txBody>
+          <a:bodyPr vert="horz" wrap="none" lIns="91440" tIns="45720" rIns="91440" bIns="45720" numCol="1" rtlCol="0" anchor="t" anchorCtr="0" compatLnSpc="1">
+            <a:prstTxWarp prst="textNoShape">
+              <a:avLst/>
+            </a:prstTxWarp>
+          </a:bodyPr>
+          <a:lstStyle/>
+          <a:p>
+            <a:pPr marL="0" marR="0" indent="0" algn="l" defTabSz="914400" rtl="0" eaLnBrk="1" fontAlgn="base" latinLnBrk="0" hangingPunct="1">
+              <a:lnSpc>
+                <a:spcPct val="100000"/>
+              </a:lnSpc>
+              <a:spcBef>
+                <a:spcPct val="0"/>
+              </a:spcBef>
+              <a:spcAft>
+                <a:spcPct val="0"/>
+              </a:spcAft>
+              <a:buClrTx/>
+              <a:buSzTx/>
+              <a:buFontTx/>
+              <a:buNone/>
+              <a:tabLst/>
+            </a:pPr>
+            <a:endParaRPr kumimoji="0" lang="en-US" sz="2400" b="0" i="0" u="none" strike="noStrike" cap="none" normalizeH="0" baseline="0">
+              <a:ln>
+                <a:noFill/>
+              </a:ln>
+              <a:solidFill>
+                <a:schemeClr val="tx1"/>
+              </a:solidFill>
+              <a:effectLst/>
+              <a:latin typeface="Tahoma" charset="0"/>
+            </a:endParaRPr>
+          </a:p>
+        </p:txBody>
+      </p:sp>
+      <p:sp>
+        <p:nvSpPr>
+          <p:cNvPr id="7" name="Oval 6">
+            <a:extLst>
+              <a:ext uri="{FF2B5EF4-FFF2-40B4-BE49-F238E27FC236}">
+                <a16:creationId xmlns:a16="http://schemas.microsoft.com/office/drawing/2014/main" id="{D6C91231-72A9-A5DB-E0BC-8D1B7CCEF262}"/>
+              </a:ext>
+            </a:extLst>
+          </p:cNvPr>
+          <p:cNvSpPr/>
+          <p:nvPr/>
+        </p:nvSpPr>
+        <p:spPr bwMode="auto">
+          <a:xfrm>
+            <a:off x="6324600" y="2346960"/>
+            <a:ext cx="152400" cy="152400"/>
+          </a:xfrm>
+          <a:prstGeom prst="ellipse">
+            <a:avLst/>
+          </a:prstGeom>
+          <a:solidFill>
+            <a:schemeClr val="accent1"/>
+          </a:solidFill>
+          <a:ln w="9525" cap="flat" cmpd="sng" algn="ctr">
+            <a:solidFill>
+              <a:schemeClr val="tx1"/>
+            </a:solidFill>
+            <a:prstDash val="solid"/>
+            <a:miter lim="800000"/>
+            <a:headEnd type="none" w="med" len="med"/>
+            <a:tailEnd type="none" w="med" len="med"/>
+          </a:ln>
+          <a:effectLst/>
+        </p:spPr>
+        <p:txBody>
+          <a:bodyPr vert="horz" wrap="none" lIns="91440" tIns="45720" rIns="91440" bIns="45720" numCol="1" rtlCol="0" anchor="t" anchorCtr="0" compatLnSpc="1">
+            <a:prstTxWarp prst="textNoShape">
+              <a:avLst/>
+            </a:prstTxWarp>
+          </a:bodyPr>
+          <a:lstStyle/>
+          <a:p>
+            <a:pPr marL="0" marR="0" indent="0" algn="l" defTabSz="914400" rtl="0" eaLnBrk="1" fontAlgn="base" latinLnBrk="0" hangingPunct="1">
+              <a:lnSpc>
+                <a:spcPct val="100000"/>
+              </a:lnSpc>
+              <a:spcBef>
+                <a:spcPct val="0"/>
+              </a:spcBef>
+              <a:spcAft>
+                <a:spcPct val="0"/>
+              </a:spcAft>
+              <a:buClrTx/>
+              <a:buSzTx/>
+              <a:buFontTx/>
+              <a:buNone/>
+              <a:tabLst/>
+            </a:pPr>
+            <a:endParaRPr kumimoji="0" lang="en-US" sz="2400" b="0" i="0" u="none" strike="noStrike" cap="none" normalizeH="0" baseline="0">
+              <a:ln>
+                <a:noFill/>
+              </a:ln>
+              <a:solidFill>
+                <a:schemeClr val="tx1"/>
+              </a:solidFill>
+              <a:effectLst/>
+              <a:latin typeface="Tahoma" charset="0"/>
+            </a:endParaRPr>
+          </a:p>
+        </p:txBody>
+      </p:sp>
+      <p:sp>
+        <p:nvSpPr>
+          <p:cNvPr id="10" name="Oval 9">
+            <a:extLst>
+              <a:ext uri="{FF2B5EF4-FFF2-40B4-BE49-F238E27FC236}">
+                <a16:creationId xmlns:a16="http://schemas.microsoft.com/office/drawing/2014/main" id="{774A282B-12B4-C5E4-E68D-3ED4E4CEB0B4}"/>
+              </a:ext>
+            </a:extLst>
+          </p:cNvPr>
+          <p:cNvSpPr/>
+          <p:nvPr/>
+        </p:nvSpPr>
+        <p:spPr bwMode="auto">
+          <a:xfrm>
+            <a:off x="2130552" y="3048000"/>
+            <a:ext cx="152400" cy="152400"/>
+          </a:xfrm>
+          <a:prstGeom prst="ellipse">
+            <a:avLst/>
+          </a:prstGeom>
+          <a:solidFill>
+            <a:schemeClr val="accent1"/>
+          </a:solidFill>
+          <a:ln w="9525" cap="flat" cmpd="sng" algn="ctr">
+            <a:solidFill>
+              <a:schemeClr val="tx1"/>
+            </a:solidFill>
+            <a:prstDash val="solid"/>
+            <a:miter lim="800000"/>
+            <a:headEnd type="none" w="med" len="med"/>
+            <a:tailEnd type="none" w="med" len="med"/>
+          </a:ln>
+          <a:effectLst/>
+        </p:spPr>
+        <p:txBody>
+          <a:bodyPr vert="horz" wrap="none" lIns="91440" tIns="45720" rIns="91440" bIns="45720" numCol="1" rtlCol="0" anchor="t" anchorCtr="0" compatLnSpc="1">
+            <a:prstTxWarp prst="textNoShape">
+              <a:avLst/>
+            </a:prstTxWarp>
+          </a:bodyPr>
+          <a:lstStyle/>
+          <a:p>
+            <a:pPr marL="0" marR="0" indent="0" algn="l" defTabSz="914400" rtl="0" eaLnBrk="1" fontAlgn="base" latinLnBrk="0" hangingPunct="1">
+              <a:lnSpc>
+                <a:spcPct val="100000"/>
+              </a:lnSpc>
+              <a:spcBef>
+                <a:spcPct val="0"/>
+              </a:spcBef>
+              <a:spcAft>
+                <a:spcPct val="0"/>
+              </a:spcAft>
+              <a:buClrTx/>
+              <a:buSzTx/>
+              <a:buFontTx/>
+              <a:buNone/>
+              <a:tabLst/>
+            </a:pPr>
+            <a:endParaRPr kumimoji="0" lang="en-US" sz="2400" b="0" i="0" u="none" strike="noStrike" cap="none" normalizeH="0" baseline="0">
+              <a:ln>
+                <a:noFill/>
+              </a:ln>
+              <a:solidFill>
+                <a:schemeClr val="tx1"/>
+              </a:solidFill>
+              <a:effectLst/>
+              <a:latin typeface="Tahoma" charset="0"/>
+            </a:endParaRPr>
+          </a:p>
+        </p:txBody>
+      </p:sp>
+      <p:sp>
+        <p:nvSpPr>
+          <p:cNvPr id="11" name="Oval 10">
+            <a:extLst>
+              <a:ext uri="{FF2B5EF4-FFF2-40B4-BE49-F238E27FC236}">
+                <a16:creationId xmlns:a16="http://schemas.microsoft.com/office/drawing/2014/main" id="{7334516A-12A5-69DD-D9B1-9E7CA73F22F8}"/>
+              </a:ext>
+            </a:extLst>
+          </p:cNvPr>
+          <p:cNvSpPr/>
+          <p:nvPr/>
+        </p:nvSpPr>
+        <p:spPr bwMode="auto">
+          <a:xfrm>
+            <a:off x="3429000" y="2337816"/>
+            <a:ext cx="152400" cy="152400"/>
+          </a:xfrm>
+          <a:prstGeom prst="ellipse">
+            <a:avLst/>
+          </a:prstGeom>
+          <a:solidFill>
+            <a:schemeClr val="accent1"/>
+          </a:solidFill>
+          <a:ln w="9525" cap="flat" cmpd="sng" algn="ctr">
+            <a:solidFill>
+              <a:schemeClr val="tx1"/>
+            </a:solidFill>
+            <a:prstDash val="solid"/>
+            <a:miter lim="800000"/>
+            <a:headEnd type="none" w="med" len="med"/>
+            <a:tailEnd type="none" w="med" len="med"/>
+          </a:ln>
+          <a:effectLst/>
+        </p:spPr>
+        <p:txBody>
+          <a:bodyPr vert="horz" wrap="none" lIns="91440" tIns="45720" rIns="91440" bIns="45720" numCol="1" rtlCol="0" anchor="t" anchorCtr="0" compatLnSpc="1">
+            <a:prstTxWarp prst="textNoShape">
+              <a:avLst/>
+            </a:prstTxWarp>
+          </a:bodyPr>
+          <a:lstStyle/>
+          <a:p>
+            <a:pPr marL="0" marR="0" indent="0" algn="l" defTabSz="914400" rtl="0" eaLnBrk="1" fontAlgn="base" latinLnBrk="0" hangingPunct="1">
+              <a:lnSpc>
+                <a:spcPct val="100000"/>
+              </a:lnSpc>
+              <a:spcBef>
+                <a:spcPct val="0"/>
+              </a:spcBef>
+              <a:spcAft>
+                <a:spcPct val="0"/>
+              </a:spcAft>
+              <a:buClrTx/>
+              <a:buSzTx/>
+              <a:buFontTx/>
+              <a:buNone/>
+              <a:tabLst/>
+            </a:pPr>
+            <a:endParaRPr kumimoji="0" lang="en-US" sz="2400" b="0" i="0" u="none" strike="noStrike" cap="none" normalizeH="0" baseline="0">
+              <a:ln>
+                <a:noFill/>
+              </a:ln>
+              <a:solidFill>
+                <a:schemeClr val="tx1"/>
+              </a:solidFill>
+              <a:effectLst/>
+              <a:latin typeface="Tahoma" charset="0"/>
+            </a:endParaRPr>
+          </a:p>
+        </p:txBody>
+      </p:sp>
+      <p:sp>
+        <p:nvSpPr>
+          <p:cNvPr id="12" name="Text Box 43">
+            <a:extLst>
+              <a:ext uri="{FF2B5EF4-FFF2-40B4-BE49-F238E27FC236}">
+                <a16:creationId xmlns:a16="http://schemas.microsoft.com/office/drawing/2014/main" id="{D47F706C-4627-8682-65CB-5AE3C5653B9C}"/>
+              </a:ext>
+            </a:extLst>
+          </p:cNvPr>
+          <p:cNvSpPr txBox="1">
+            <a:spLocks noChangeArrowheads="1"/>
+          </p:cNvSpPr>
+          <p:nvPr/>
+        </p:nvSpPr>
+        <p:spPr bwMode="auto">
+          <a:xfrm>
+            <a:off x="609600" y="1214085"/>
+            <a:ext cx="3810000" cy="276999"/>
+          </a:xfrm>
+          <a:prstGeom prst="rect">
+            <a:avLst/>
+          </a:prstGeom>
+          <a:solidFill>
+            <a:schemeClr val="accent2"/>
+          </a:solidFill>
+          <a:ln w="12700">
+            <a:solidFill>
+              <a:schemeClr val="tx1"/>
+            </a:solidFill>
+            <a:miter lim="800000"/>
+            <a:headEnd/>
+            <a:tailEnd/>
+          </a:ln>
+          <a:effectLst>
+            <a:outerShdw blurRad="63500" dist="35921" dir="2700000" algn="ctr" rotWithShape="0">
+              <a:schemeClr val="bg2"/>
+            </a:outerShdw>
+          </a:effectLst>
+        </p:spPr>
+        <p:txBody>
+          <a:bodyPr wrap="square" anchor="ctr">
+            <a:spAutoFit/>
+          </a:bodyPr>
+          <a:lstStyle/>
+          <a:p>
+            <a:pPr algn="l">
+              <a:defRPr/>
+            </a:pPr>
+            <a:r>
+              <a:rPr lang="en-US" sz="1200" dirty="0">
+                <a:latin typeface="Tahoma" pitchFamily="-84" charset="0"/>
+              </a:rPr>
+              <a:t>Abstract Sub-system behavior element specification</a:t>
+            </a:r>
+          </a:p>
+        </p:txBody>
+      </p:sp>
+      <p:sp>
+        <p:nvSpPr>
+          <p:cNvPr id="13" name="TextBox 12">
+            <a:extLst>
+              <a:ext uri="{FF2B5EF4-FFF2-40B4-BE49-F238E27FC236}">
+                <a16:creationId xmlns:a16="http://schemas.microsoft.com/office/drawing/2014/main" id="{78C85426-D76F-F3D0-D752-80AE7775371D}"/>
               </a:ext>
             </a:extLst>
           </p:cNvPr>
@@ -32106,15 +32725,13 @@
         </p:nvSpPr>
         <p:spPr>
           <a:xfrm>
-            <a:off x="5652826" y="2179429"/>
-            <a:ext cx="854721" cy="261610"/>
+            <a:off x="2109216" y="1613168"/>
+            <a:ext cx="1370119" cy="461665"/>
           </a:xfrm>
           <a:prstGeom prst="rect">
             <a:avLst/>
           </a:prstGeom>
-          <a:solidFill>
-            <a:srgbClr val="FFC000"/>
-          </a:solidFill>
+          <a:noFill/>
         </p:spPr>
         <p:txBody>
           <a:bodyPr wrap="none" rtlCol="0">
@@ -32123,8 +32740,563 @@
           <a:lstStyle/>
           <a:p>
             <a:r>
-              <a:rPr lang="en-US" sz="1100" dirty="0"/>
-              <a:t>SysAssert2</a:t>
+              <a:rPr lang="en-US" dirty="0"/>
+              <a:t>Regulate</a:t>
+            </a:r>
+          </a:p>
+        </p:txBody>
+      </p:sp>
+      <p:sp>
+        <p:nvSpPr>
+          <p:cNvPr id="14" name="TextBox 13">
+            <a:extLst>
+              <a:ext uri="{FF2B5EF4-FFF2-40B4-BE49-F238E27FC236}">
+                <a16:creationId xmlns:a16="http://schemas.microsoft.com/office/drawing/2014/main" id="{C2EBFB43-1755-E345-66DC-0D395FD560BD}"/>
+              </a:ext>
+            </a:extLst>
+          </p:cNvPr>
+          <p:cNvSpPr txBox="1"/>
+          <p:nvPr/>
+        </p:nvSpPr>
+        <p:spPr>
+          <a:xfrm>
+            <a:off x="3572256" y="2275516"/>
+            <a:ext cx="1262718" cy="276999"/>
+          </a:xfrm>
+          <a:prstGeom prst="rect">
+            <a:avLst/>
+          </a:prstGeom>
+          <a:noFill/>
+        </p:spPr>
+        <p:txBody>
+          <a:bodyPr wrap="none" rtlCol="0">
+            <a:spAutoFit/>
+          </a:bodyPr>
+          <a:lstStyle/>
+          <a:p>
+            <a:r>
+              <a:rPr lang="en-US" sz="1200" dirty="0" err="1"/>
+              <a:t>regulator_mode</a:t>
+            </a:r>
+            <a:endParaRPr lang="en-US" sz="1200" dirty="0"/>
+          </a:p>
+        </p:txBody>
+      </p:sp>
+      <p:sp>
+        <p:nvSpPr>
+          <p:cNvPr id="15" name="TextBox 14">
+            <a:extLst>
+              <a:ext uri="{FF2B5EF4-FFF2-40B4-BE49-F238E27FC236}">
+                <a16:creationId xmlns:a16="http://schemas.microsoft.com/office/drawing/2014/main" id="{C534D8D6-B236-67BE-750F-A5E78BAC1650}"/>
+              </a:ext>
+            </a:extLst>
+          </p:cNvPr>
+          <p:cNvSpPr txBox="1"/>
+          <p:nvPr/>
+        </p:nvSpPr>
+        <p:spPr>
+          <a:xfrm>
+            <a:off x="519531" y="3161145"/>
+            <a:ext cx="1650645" cy="276999"/>
+          </a:xfrm>
+          <a:prstGeom prst="rect">
+            <a:avLst/>
+          </a:prstGeom>
+          <a:noFill/>
+        </p:spPr>
+        <p:txBody>
+          <a:bodyPr wrap="none" rtlCol="0">
+            <a:spAutoFit/>
+          </a:bodyPr>
+          <a:lstStyle/>
+          <a:p>
+            <a:r>
+              <a:rPr lang="en-US" sz="1200" dirty="0" err="1"/>
+              <a:t>current_tempWstatus</a:t>
+            </a:r>
+            <a:endParaRPr lang="en-US" sz="1200" dirty="0"/>
+          </a:p>
+        </p:txBody>
+      </p:sp>
+      <p:sp>
+        <p:nvSpPr>
+          <p:cNvPr id="16" name="TextBox 15">
+            <a:extLst>
+              <a:ext uri="{FF2B5EF4-FFF2-40B4-BE49-F238E27FC236}">
+                <a16:creationId xmlns:a16="http://schemas.microsoft.com/office/drawing/2014/main" id="{267FD768-98CB-F5B8-F2D1-AEB3E7DEF877}"/>
+              </a:ext>
+            </a:extLst>
+          </p:cNvPr>
+          <p:cNvSpPr txBox="1"/>
+          <p:nvPr/>
+        </p:nvSpPr>
+        <p:spPr>
+          <a:xfrm>
+            <a:off x="6496659" y="2275516"/>
+            <a:ext cx="1081322" cy="276999"/>
+          </a:xfrm>
+          <a:prstGeom prst="rect">
+            <a:avLst/>
+          </a:prstGeom>
+          <a:noFill/>
+        </p:spPr>
+        <p:txBody>
+          <a:bodyPr wrap="none" rtlCol="0">
+            <a:spAutoFit/>
+          </a:bodyPr>
+          <a:lstStyle/>
+          <a:p>
+            <a:r>
+              <a:rPr lang="en-US" sz="1200" dirty="0" err="1"/>
+              <a:t>display_temp</a:t>
+            </a:r>
+            <a:endParaRPr lang="en-US" sz="1200" dirty="0"/>
+          </a:p>
+        </p:txBody>
+      </p:sp>
+      <p:cxnSp>
+        <p:nvCxnSpPr>
+          <p:cNvPr id="17" name="Straight Arrow Connector 16">
+            <a:extLst>
+              <a:ext uri="{FF2B5EF4-FFF2-40B4-BE49-F238E27FC236}">
+                <a16:creationId xmlns:a16="http://schemas.microsoft.com/office/drawing/2014/main" id="{4418F053-E9B3-698C-9118-E9C54B42F4C5}"/>
+              </a:ext>
+            </a:extLst>
+          </p:cNvPr>
+          <p:cNvCxnSpPr>
+            <a:cxnSpLocks/>
+          </p:cNvCxnSpPr>
+          <p:nvPr/>
+        </p:nvCxnSpPr>
+        <p:spPr bwMode="auto">
+          <a:xfrm flipV="1">
+            <a:off x="2356104" y="2519065"/>
+            <a:ext cx="3903216" cy="562277"/>
+          </a:xfrm>
+          <a:prstGeom prst="straightConnector1">
+            <a:avLst/>
+          </a:prstGeom>
+          <a:solidFill>
+            <a:schemeClr val="accent1"/>
+          </a:solidFill>
+          <a:ln w="38100" cap="flat" cmpd="sng" algn="ctr">
+            <a:solidFill>
+              <a:srgbClr val="00B050"/>
+            </a:solidFill>
+            <a:prstDash val="solid"/>
+            <a:miter lim="800000"/>
+            <a:headEnd type="none" w="med" len="med"/>
+            <a:tailEnd type="triangle"/>
+          </a:ln>
+          <a:effectLst/>
+        </p:spPr>
+      </p:cxnSp>
+      <p:cxnSp>
+        <p:nvCxnSpPr>
+          <p:cNvPr id="20" name="Straight Arrow Connector 19">
+            <a:extLst>
+              <a:ext uri="{FF2B5EF4-FFF2-40B4-BE49-F238E27FC236}">
+                <a16:creationId xmlns:a16="http://schemas.microsoft.com/office/drawing/2014/main" id="{40953D73-87ED-9417-4E61-290063974E02}"/>
+              </a:ext>
+            </a:extLst>
+          </p:cNvPr>
+          <p:cNvCxnSpPr>
+            <a:cxnSpLocks/>
+          </p:cNvCxnSpPr>
+          <p:nvPr/>
+        </p:nvCxnSpPr>
+        <p:spPr bwMode="auto">
+          <a:xfrm>
+            <a:off x="4806737" y="2429926"/>
+            <a:ext cx="1452583" cy="0"/>
+          </a:xfrm>
+          <a:prstGeom prst="straightConnector1">
+            <a:avLst/>
+          </a:prstGeom>
+          <a:solidFill>
+            <a:schemeClr val="accent1"/>
+          </a:solidFill>
+          <a:ln w="38100" cap="flat" cmpd="sng" algn="ctr">
+            <a:solidFill>
+              <a:srgbClr val="00B050"/>
+            </a:solidFill>
+            <a:prstDash val="solid"/>
+            <a:miter lim="800000"/>
+            <a:headEnd type="none" w="med" len="med"/>
+            <a:tailEnd type="triangle"/>
+          </a:ln>
+          <a:effectLst/>
+        </p:spPr>
+      </p:cxnSp>
+      <p:sp>
+        <p:nvSpPr>
+          <p:cNvPr id="23" name="Text Box 43">
+            <a:extLst>
+              <a:ext uri="{FF2B5EF4-FFF2-40B4-BE49-F238E27FC236}">
+                <a16:creationId xmlns:a16="http://schemas.microsoft.com/office/drawing/2014/main" id="{6312C1CF-5DCB-DC30-3CBC-3A1283460521}"/>
+              </a:ext>
+            </a:extLst>
+          </p:cNvPr>
+          <p:cNvSpPr txBox="1">
+            <a:spLocks noChangeArrowheads="1"/>
+          </p:cNvSpPr>
+          <p:nvPr/>
+        </p:nvSpPr>
+        <p:spPr bwMode="auto">
+          <a:xfrm>
+            <a:off x="624840" y="3732616"/>
+            <a:ext cx="8214360" cy="461665"/>
+          </a:xfrm>
+          <a:prstGeom prst="rect">
+            <a:avLst/>
+          </a:prstGeom>
+          <a:solidFill>
+            <a:schemeClr val="accent2"/>
+          </a:solidFill>
+          <a:ln w="12700">
+            <a:solidFill>
+              <a:schemeClr val="tx1"/>
+            </a:solidFill>
+            <a:miter lim="800000"/>
+            <a:headEnd/>
+            <a:tailEnd/>
+          </a:ln>
+          <a:effectLst>
+            <a:outerShdw blurRad="63500" dist="35921" dir="2700000" algn="ctr" rotWithShape="0">
+              <a:schemeClr val="bg2"/>
+            </a:outerShdw>
+          </a:effectLst>
+        </p:spPr>
+        <p:txBody>
+          <a:bodyPr wrap="square" anchor="ctr">
+            <a:spAutoFit/>
+          </a:bodyPr>
+          <a:lstStyle/>
+          <a:p>
+            <a:pPr algn="l">
+              <a:defRPr/>
+            </a:pPr>
+            <a:r>
+              <a:rPr lang="en-US" sz="1200" dirty="0">
+                <a:latin typeface="Tahoma" pitchFamily="-84" charset="0"/>
+              </a:rPr>
+              <a:t>Associated requirements (note: these are not in original REMH, they are proposed by John H, reverse-engineered from lower-level requirements)</a:t>
+            </a:r>
+          </a:p>
+        </p:txBody>
+      </p:sp>
+      <p:sp>
+        <p:nvSpPr>
+          <p:cNvPr id="24" name="Content Placeholder 28">
+            <a:extLst>
+              <a:ext uri="{FF2B5EF4-FFF2-40B4-BE49-F238E27FC236}">
+                <a16:creationId xmlns:a16="http://schemas.microsoft.com/office/drawing/2014/main" id="{20B7F20D-C285-399E-19CF-ED4D55C45945}"/>
+              </a:ext>
+            </a:extLst>
+          </p:cNvPr>
+          <p:cNvSpPr txBox="1">
+            <a:spLocks/>
+          </p:cNvSpPr>
+          <p:nvPr/>
+        </p:nvSpPr>
+        <p:spPr>
+          <a:xfrm>
+            <a:off x="685800" y="4286712"/>
+            <a:ext cx="8153400" cy="2114088"/>
+          </a:xfrm>
+          <a:prstGeom prst="rect">
+            <a:avLst/>
+          </a:prstGeom>
+        </p:spPr>
+        <p:txBody>
+          <a:bodyPr/>
+          <a:lstStyle>
+            <a:lvl1pPr marL="342900" indent="-342900" algn="l" rtl="0" eaLnBrk="0" fontAlgn="base" hangingPunct="0">
+              <a:spcBef>
+                <a:spcPct val="20000"/>
+              </a:spcBef>
+              <a:spcAft>
+                <a:spcPct val="0"/>
+              </a:spcAft>
+              <a:buClr>
+                <a:schemeClr val="folHlink"/>
+              </a:buClr>
+              <a:buSzPct val="60000"/>
+              <a:buFont typeface="Wingdings" pitchFamily="-106" charset="2"/>
+              <a:buChar char="n"/>
+              <a:defRPr sz="3200">
+                <a:solidFill>
+                  <a:schemeClr val="tx1"/>
+                </a:solidFill>
+                <a:latin typeface="+mn-lt"/>
+                <a:ea typeface="ＭＳ Ｐゴシック" pitchFamily="-84" charset="-128"/>
+                <a:cs typeface="ＭＳ Ｐゴシック" pitchFamily="-84" charset="-128"/>
+              </a:defRPr>
+            </a:lvl1pPr>
+            <a:lvl2pPr marL="742950" indent="-285750" algn="l" rtl="0" eaLnBrk="0" fontAlgn="base" hangingPunct="0">
+              <a:spcBef>
+                <a:spcPct val="20000"/>
+              </a:spcBef>
+              <a:spcAft>
+                <a:spcPct val="0"/>
+              </a:spcAft>
+              <a:buClr>
+                <a:schemeClr val="hlink"/>
+              </a:buClr>
+              <a:buSzPct val="55000"/>
+              <a:buFont typeface="Wingdings" pitchFamily="-106" charset="2"/>
+              <a:buChar char="n"/>
+              <a:defRPr sz="2800">
+                <a:solidFill>
+                  <a:schemeClr val="tx1"/>
+                </a:solidFill>
+                <a:latin typeface="+mn-lt"/>
+                <a:ea typeface="ＭＳ Ｐゴシック" charset="-128"/>
+              </a:defRPr>
+            </a:lvl2pPr>
+            <a:lvl3pPr marL="1143000" indent="-228600" algn="l" rtl="0" eaLnBrk="0" fontAlgn="base" hangingPunct="0">
+              <a:spcBef>
+                <a:spcPct val="20000"/>
+              </a:spcBef>
+              <a:spcAft>
+                <a:spcPct val="0"/>
+              </a:spcAft>
+              <a:buClr>
+                <a:schemeClr val="folHlink"/>
+              </a:buClr>
+              <a:buSzPct val="50000"/>
+              <a:buFont typeface="Wingdings" pitchFamily="-106" charset="2"/>
+              <a:buChar char="n"/>
+              <a:defRPr sz="2400">
+                <a:solidFill>
+                  <a:schemeClr val="tx1"/>
+                </a:solidFill>
+                <a:latin typeface="+mn-lt"/>
+                <a:ea typeface="ＭＳ Ｐゴシック" charset="-128"/>
+              </a:defRPr>
+            </a:lvl3pPr>
+            <a:lvl4pPr marL="1600200" indent="-228600" algn="l" rtl="0" eaLnBrk="0" fontAlgn="base" hangingPunct="0">
+              <a:spcBef>
+                <a:spcPct val="20000"/>
+              </a:spcBef>
+              <a:spcAft>
+                <a:spcPct val="0"/>
+              </a:spcAft>
+              <a:buClr>
+                <a:schemeClr val="accent2"/>
+              </a:buClr>
+              <a:buSzPct val="55000"/>
+              <a:buFont typeface="Wingdings" pitchFamily="-106" charset="2"/>
+              <a:buChar char="n"/>
+              <a:defRPr sz="2000">
+                <a:solidFill>
+                  <a:schemeClr val="tx1"/>
+                </a:solidFill>
+                <a:latin typeface="+mn-lt"/>
+                <a:ea typeface="ＭＳ Ｐゴシック" charset="-128"/>
+              </a:defRPr>
+            </a:lvl4pPr>
+            <a:lvl5pPr marL="2057400" indent="-228600" algn="l" rtl="0" eaLnBrk="0" fontAlgn="base" hangingPunct="0">
+              <a:spcBef>
+                <a:spcPct val="20000"/>
+              </a:spcBef>
+              <a:spcAft>
+                <a:spcPct val="0"/>
+              </a:spcAft>
+              <a:buClr>
+                <a:schemeClr val="accent1"/>
+              </a:buClr>
+              <a:buSzPct val="50000"/>
+              <a:buFont typeface="Wingdings" pitchFamily="-106" charset="2"/>
+              <a:buChar char="n"/>
+              <a:defRPr sz="2000">
+                <a:solidFill>
+                  <a:schemeClr val="tx1"/>
+                </a:solidFill>
+                <a:latin typeface="+mn-lt"/>
+                <a:ea typeface="ＭＳ Ｐゴシック" charset="-128"/>
+              </a:defRPr>
+            </a:lvl5pPr>
+            <a:lvl6pPr marL="2514600" indent="-228600" algn="l" rtl="0" fontAlgn="base">
+              <a:spcBef>
+                <a:spcPct val="20000"/>
+              </a:spcBef>
+              <a:spcAft>
+                <a:spcPct val="0"/>
+              </a:spcAft>
+              <a:buClr>
+                <a:schemeClr val="accent1"/>
+              </a:buClr>
+              <a:buSzPct val="50000"/>
+              <a:buFont typeface="Wingdings" charset="2"/>
+              <a:buChar char="n"/>
+              <a:defRPr sz="2000">
+                <a:solidFill>
+                  <a:schemeClr val="tx1"/>
+                </a:solidFill>
+                <a:latin typeface="+mn-lt"/>
+                <a:ea typeface="ＭＳ Ｐゴシック" charset="-128"/>
+              </a:defRPr>
+            </a:lvl6pPr>
+            <a:lvl7pPr marL="2971800" indent="-228600" algn="l" rtl="0" fontAlgn="base">
+              <a:spcBef>
+                <a:spcPct val="20000"/>
+              </a:spcBef>
+              <a:spcAft>
+                <a:spcPct val="0"/>
+              </a:spcAft>
+              <a:buClr>
+                <a:schemeClr val="accent1"/>
+              </a:buClr>
+              <a:buSzPct val="50000"/>
+              <a:buFont typeface="Wingdings" charset="2"/>
+              <a:buChar char="n"/>
+              <a:defRPr sz="2000">
+                <a:solidFill>
+                  <a:schemeClr val="tx1"/>
+                </a:solidFill>
+                <a:latin typeface="+mn-lt"/>
+                <a:ea typeface="ＭＳ Ｐゴシック" charset="-128"/>
+              </a:defRPr>
+            </a:lvl7pPr>
+            <a:lvl8pPr marL="3429000" indent="-228600" algn="l" rtl="0" fontAlgn="base">
+              <a:spcBef>
+                <a:spcPct val="20000"/>
+              </a:spcBef>
+              <a:spcAft>
+                <a:spcPct val="0"/>
+              </a:spcAft>
+              <a:buClr>
+                <a:schemeClr val="accent1"/>
+              </a:buClr>
+              <a:buSzPct val="50000"/>
+              <a:buFont typeface="Wingdings" charset="2"/>
+              <a:buChar char="n"/>
+              <a:defRPr sz="2000">
+                <a:solidFill>
+                  <a:schemeClr val="tx1"/>
+                </a:solidFill>
+                <a:latin typeface="+mn-lt"/>
+                <a:ea typeface="ＭＳ Ｐゴシック" charset="-128"/>
+              </a:defRPr>
+            </a:lvl8pPr>
+            <a:lvl9pPr marL="3886200" indent="-228600" algn="l" rtl="0" fontAlgn="base">
+              <a:spcBef>
+                <a:spcPct val="20000"/>
+              </a:spcBef>
+              <a:spcAft>
+                <a:spcPct val="0"/>
+              </a:spcAft>
+              <a:buClr>
+                <a:schemeClr val="accent1"/>
+              </a:buClr>
+              <a:buSzPct val="50000"/>
+              <a:buFont typeface="Wingdings" charset="2"/>
+              <a:buChar char="n"/>
+              <a:defRPr sz="2000">
+                <a:solidFill>
+                  <a:schemeClr val="tx1"/>
+                </a:solidFill>
+                <a:latin typeface="+mn-lt"/>
+                <a:ea typeface="ＭＳ Ｐゴシック" charset="-128"/>
+              </a:defRPr>
+            </a:lvl9pPr>
+          </a:lstStyle>
+          <a:p>
+            <a:r>
+              <a:rPr lang="en-US" sz="1600" dirty="0"/>
+              <a:t>Req-REG-DisplayTemp-1: If the </a:t>
+            </a:r>
+            <a:r>
+              <a:rPr lang="en-US" sz="1600" b="1" dirty="0"/>
+              <a:t>mode</a:t>
+            </a:r>
+            <a:r>
+              <a:rPr lang="en-US" sz="1600" dirty="0"/>
+              <a:t> is normal in the subsystem pre-state, then the </a:t>
+            </a:r>
+            <a:r>
+              <a:rPr lang="en-US" sz="1600" b="1" dirty="0"/>
+              <a:t>display temp </a:t>
+            </a:r>
+            <a:r>
+              <a:rPr lang="en-US" sz="1600" dirty="0"/>
+              <a:t>= </a:t>
+            </a:r>
+            <a:r>
+              <a:rPr lang="en-US" sz="1600" b="1" dirty="0"/>
+              <a:t>current temp </a:t>
+            </a:r>
+            <a:r>
+              <a:rPr lang="en-US" sz="1600" dirty="0"/>
+              <a:t>value in the subsystem post-state (in full system, display temp is current temp rounded to the closest integer).</a:t>
+            </a:r>
+          </a:p>
+          <a:p>
+            <a:r>
+              <a:rPr lang="en-US" sz="1600" dirty="0"/>
+              <a:t>Req-REG-DisplayTemp-2: If the </a:t>
+            </a:r>
+            <a:r>
+              <a:rPr lang="en-US" sz="1600" b="1" dirty="0"/>
+              <a:t>mode</a:t>
+            </a:r>
+            <a:r>
+              <a:rPr lang="en-US" sz="1600" dirty="0"/>
+              <a:t> is not normal in the subsystem pre-state, then the </a:t>
+            </a:r>
+            <a:r>
+              <a:rPr lang="en-US" sz="1600" b="1" dirty="0"/>
+              <a:t>display temp </a:t>
+            </a:r>
+            <a:r>
+              <a:rPr lang="en-US" sz="1600" dirty="0"/>
+              <a:t>is unspecified (unconstrained) in the subsystem post-state.</a:t>
+            </a:r>
+          </a:p>
+          <a:p>
+            <a:endParaRPr lang="en-US" sz="1600" dirty="0"/>
+          </a:p>
+          <a:p>
+            <a:endParaRPr lang="en-US" sz="1600" dirty="0"/>
+          </a:p>
+        </p:txBody>
+      </p:sp>
+      <p:sp>
+        <p:nvSpPr>
+          <p:cNvPr id="25" name="TextBox 24">
+            <a:extLst>
+              <a:ext uri="{FF2B5EF4-FFF2-40B4-BE49-F238E27FC236}">
+                <a16:creationId xmlns:a16="http://schemas.microsoft.com/office/drawing/2014/main" id="{E07190A1-666F-ED84-7D70-314A286ABEEA}"/>
+              </a:ext>
+            </a:extLst>
+          </p:cNvPr>
+          <p:cNvSpPr txBox="1"/>
+          <p:nvPr/>
+        </p:nvSpPr>
+        <p:spPr>
+          <a:xfrm>
+            <a:off x="320040" y="5640888"/>
+            <a:ext cx="8382000" cy="1107996"/>
+          </a:xfrm>
+          <a:prstGeom prst="rect">
+            <a:avLst/>
+          </a:prstGeom>
+          <a:noFill/>
+        </p:spPr>
+        <p:txBody>
+          <a:bodyPr wrap="square" rtlCol="0">
+            <a:spAutoFit/>
+          </a:bodyPr>
+          <a:lstStyle/>
+          <a:p>
+            <a:r>
+              <a:rPr lang="en-US" sz="1100" b="1" i="1" dirty="0"/>
+              <a:t>Note</a:t>
+            </a:r>
+            <a:r>
+              <a:rPr lang="en-US" sz="1100" i="1" dirty="0"/>
+              <a:t>: to specify a function that is computed over time, we need to indicate the temporal points for the input and output.  In the above requirements, by writing “pre-state” and “post-state” we are indicating that there are temporal points in the system trace in which input values are acquired and in which outputs are produced.  This needs to be formally represented in some way (which can be refined later to specific points in system scheduling).  In this case, we have the simplistic situation in which there is only one input and one output (so there is no issue of inputs/outputs at different times).  Moreover, we also talk about the internal state (regulator) mode as being available in the pre-state.</a:t>
             </a:r>
           </a:p>
         </p:txBody>
@@ -32132,7 +33304,7 @@
     </p:spTree>
     <p:extLst>
       <p:ext uri="{BB962C8B-B14F-4D97-AF65-F5344CB8AC3E}">
-        <p14:creationId xmlns:p14="http://schemas.microsoft.com/office/powerpoint/2010/main" val="294777057"/>
+        <p14:creationId xmlns:p14="http://schemas.microsoft.com/office/powerpoint/2010/main" val="1136916004"/>
       </p:ext>
     </p:extLst>
   </p:cSld>
@@ -32948,13 +34120,7 @@
   <p:cSld>
     <p:spTree>
       <p:nvGrpSpPr>
-        <p:cNvPr id="1" name="">
-          <a:extLst>
-            <a:ext uri="{FF2B5EF4-FFF2-40B4-BE49-F238E27FC236}">
-              <a16:creationId xmlns:a16="http://schemas.microsoft.com/office/drawing/2014/main" id="{77D1E753-8770-C002-EE0E-5227EFAF5CD7}"/>
-            </a:ext>
-          </a:extLst>
-        </p:cNvPr>
+        <p:cNvPr id="1" name=""/>
         <p:cNvGrpSpPr/>
         <p:nvPr/>
       </p:nvGrpSpPr>
@@ -32968,10 +34134,10 @@
       </p:grpSpPr>
       <p:sp>
         <p:nvSpPr>
-          <p:cNvPr id="5" name="Title 4">
-            <a:extLst>
-              <a:ext uri="{FF2B5EF4-FFF2-40B4-BE49-F238E27FC236}">
-                <a16:creationId xmlns:a16="http://schemas.microsoft.com/office/drawing/2014/main" id="{E927760A-5937-8355-1C1C-5A3C20D63D96}"/>
+          <p:cNvPr id="2" name="Title 1">
+            <a:extLst>
+              <a:ext uri="{FF2B5EF4-FFF2-40B4-BE49-F238E27FC236}">
+                <a16:creationId xmlns:a16="http://schemas.microsoft.com/office/drawing/2014/main" id="{9BCE5E6F-7B2B-ADCF-1D4A-28E3EF8EAC9E}"/>
               </a:ext>
             </a:extLst>
           </p:cNvPr>
@@ -32988,18 +34154,18 @@
           <a:lstStyle/>
           <a:p>
             <a:r>
-              <a:rPr lang="en-US" sz="4000" dirty="0"/>
-              <a:t>Types of Properties (Phase X?)</a:t>
-            </a:r>
-          </a:p>
-        </p:txBody>
-      </p:sp>
-      <p:sp>
-        <p:nvSpPr>
-          <p:cNvPr id="16" name="Content Placeholder 15">
-            <a:extLst>
-              <a:ext uri="{FF2B5EF4-FFF2-40B4-BE49-F238E27FC236}">
-                <a16:creationId xmlns:a16="http://schemas.microsoft.com/office/drawing/2014/main" id="{8B940DAB-BBE4-4E1A-2F10-527BFD617477}"/>
+              <a:rPr lang="en-US" dirty="0"/>
+              <a:t>Types of Properties (Phase I)</a:t>
+            </a:r>
+          </a:p>
+        </p:txBody>
+      </p:sp>
+      <p:sp>
+        <p:nvSpPr>
+          <p:cNvPr id="3" name="Content Placeholder 2">
+            <a:extLst>
+              <a:ext uri="{FF2B5EF4-FFF2-40B4-BE49-F238E27FC236}">
+                <a16:creationId xmlns:a16="http://schemas.microsoft.com/office/drawing/2014/main" id="{BE82CAD9-457A-EF1D-7E49-FBB53DD82138}"/>
               </a:ext>
             </a:extLst>
           </p:cNvPr>
@@ -33010,29 +34176,74 @@
             <p:ph idx="1"/>
           </p:nvPr>
         </p:nvSpPr>
-        <p:spPr>
-          <a:xfrm>
-            <a:off x="685800" y="3411080"/>
-            <a:ext cx="8153400" cy="2989720"/>
-          </a:xfrm>
-        </p:spPr>
+        <p:spPr/>
         <p:txBody>
           <a:bodyPr/>
           <a:lstStyle/>
           <a:p>
             <a:r>
-              <a:rPr lang="en-US" sz="2400" dirty="0"/>
-              <a:t>For practicality, it is like that the invariant will be broken down into “useful pieces” that are intuitive to engineers</a:t>
-            </a:r>
-          </a:p>
-          <a:p>
-            <a:r>
-              <a:rPr lang="en-US" sz="2400" dirty="0"/>
-              <a:t>This means that the full invariant would not have to be treated by the user at each component, but only the parts that are established (proven in the meta-theory) to be relevant for that component</a:t>
-            </a:r>
-          </a:p>
-          <a:p>
-            <a:endParaRPr lang="en-US" sz="2400" dirty="0"/>
+              <a:rPr lang="en-US" sz="1800" dirty="0"/>
+              <a:t>Component Contract</a:t>
+            </a:r>
+          </a:p>
+          <a:p>
+            <a:pPr lvl="1"/>
+            <a:r>
+              <a:rPr lang="en-US" sz="1600" dirty="0"/>
+              <a:t>Pre-condition</a:t>
+            </a:r>
+          </a:p>
+          <a:p>
+            <a:pPr lvl="2"/>
+            <a:r>
+              <a:rPr lang="en-US" sz="1400" dirty="0"/>
+              <a:t>Constraint on component input ports (application port view) and local variables</a:t>
+            </a:r>
+          </a:p>
+          <a:p>
+            <a:pPr lvl="2"/>
+            <a:r>
+              <a:rPr lang="en-US" sz="1400" dirty="0"/>
+              <a:t>always holds when the component is executed</a:t>
+            </a:r>
+          </a:p>
+          <a:p>
+            <a:pPr lvl="1"/>
+            <a:r>
+              <a:rPr lang="en-US" sz="1600" dirty="0"/>
+              <a:t>Post-condition</a:t>
+            </a:r>
+          </a:p>
+          <a:p>
+            <a:pPr lvl="2"/>
+            <a:r>
+              <a:rPr lang="en-US" sz="1400" dirty="0"/>
+              <a:t>Constraint on component input ports (application port view), pre-state local variables, output ports (application port view), post-state local variables</a:t>
+            </a:r>
+          </a:p>
+          <a:p>
+            <a:r>
+              <a:rPr lang="en-US" sz="1800" dirty="0"/>
+              <a:t>System Assertion</a:t>
+            </a:r>
+          </a:p>
+          <a:p>
+            <a:pPr lvl="1"/>
+            <a:r>
+              <a:rPr lang="en-US" sz="1600" dirty="0"/>
+              <a:t>Constraint on system state including communication substrate, component input and output infrastructure ports, component local variables</a:t>
+            </a:r>
+          </a:p>
+          <a:p>
+            <a:pPr lvl="2"/>
+            <a:r>
+              <a:rPr lang="en-US" sz="1200" dirty="0"/>
+              <a:t>Invariant can also be conditioned on control points.  The simplest form of this is to condition it on the schedule state (e.g., different positions in the static schedule), but it could also be conditioned on more abstract notions (e.g., component X just finished executing).</a:t>
+            </a:r>
+          </a:p>
+          <a:p>
+            <a:pPr lvl="1"/>
+            <a:endParaRPr lang="en-US" sz="1600" dirty="0"/>
           </a:p>
         </p:txBody>
       </p:sp>
@@ -33041,7 +34252,7 @@
           <p:cNvPr id="4" name="Slide Number Placeholder 3">
             <a:extLst>
               <a:ext uri="{FF2B5EF4-FFF2-40B4-BE49-F238E27FC236}">
-                <a16:creationId xmlns:a16="http://schemas.microsoft.com/office/drawing/2014/main" id="{A67A72FB-5B10-C21E-65D3-A345360C6BE7}"/>
+                <a16:creationId xmlns:a16="http://schemas.microsoft.com/office/drawing/2014/main" id="{777F15A1-86F6-2A79-EDD2-7B152AD45AA7}"/>
               </a:ext>
             </a:extLst>
           </p:cNvPr>
@@ -33073,10 +34284,10 @@
       </p:sp>
       <p:sp>
         <p:nvSpPr>
-          <p:cNvPr id="6" name="Parallelogram 5">
-            <a:extLst>
-              <a:ext uri="{FF2B5EF4-FFF2-40B4-BE49-F238E27FC236}">
-                <a16:creationId xmlns:a16="http://schemas.microsoft.com/office/drawing/2014/main" id="{7D363A6F-B43A-77AE-2263-80C954AFDB13}"/>
+          <p:cNvPr id="5" name="Parallelogram 4">
+            <a:extLst>
+              <a:ext uri="{FF2B5EF4-FFF2-40B4-BE49-F238E27FC236}">
+                <a16:creationId xmlns:a16="http://schemas.microsoft.com/office/drawing/2014/main" id="{2982EB90-FC34-75A1-1A41-F72CBA28AE23}"/>
               </a:ext>
             </a:extLst>
           </p:cNvPr>
@@ -33085,7 +34296,7 @@
         </p:nvSpPr>
         <p:spPr>
           <a:xfrm>
-            <a:off x="5486400" y="1813561"/>
+            <a:off x="3448031" y="5559961"/>
             <a:ext cx="1238269" cy="840839"/>
           </a:xfrm>
           <a:prstGeom prst="parallelogram">
@@ -33128,10 +34339,10 @@
       </p:sp>
       <p:sp>
         <p:nvSpPr>
-          <p:cNvPr id="7" name="TextBox 6">
-            <a:extLst>
-              <a:ext uri="{FF2B5EF4-FFF2-40B4-BE49-F238E27FC236}">
-                <a16:creationId xmlns:a16="http://schemas.microsoft.com/office/drawing/2014/main" id="{DF971AAD-0A6B-8A5D-AE61-AC138A4154DF}"/>
+          <p:cNvPr id="6" name="TextBox 5">
+            <a:extLst>
+              <a:ext uri="{FF2B5EF4-FFF2-40B4-BE49-F238E27FC236}">
+                <a16:creationId xmlns:a16="http://schemas.microsoft.com/office/drawing/2014/main" id="{47E77C8B-D257-DA96-3796-B5866A52A5D0}"/>
               </a:ext>
             </a:extLst>
           </p:cNvPr>
@@ -33140,7 +34351,7 @@
         </p:nvSpPr>
         <p:spPr>
           <a:xfrm>
-            <a:off x="5079121" y="1892400"/>
+            <a:off x="3040752" y="5638800"/>
             <a:ext cx="388248" cy="261610"/>
           </a:xfrm>
           <a:prstGeom prst="rect">
@@ -33165,10 +34376,10 @@
       </p:sp>
       <p:sp>
         <p:nvSpPr>
-          <p:cNvPr id="8" name="TextBox 7">
-            <a:extLst>
-              <a:ext uri="{FF2B5EF4-FFF2-40B4-BE49-F238E27FC236}">
-                <a16:creationId xmlns:a16="http://schemas.microsoft.com/office/drawing/2014/main" id="{233859AD-C77E-CCBF-FD61-28CD689589AF}"/>
+          <p:cNvPr id="7" name="TextBox 6">
+            <a:extLst>
+              <a:ext uri="{FF2B5EF4-FFF2-40B4-BE49-F238E27FC236}">
+                <a16:creationId xmlns:a16="http://schemas.microsoft.com/office/drawing/2014/main" id="{CF691799-3BEE-D413-DA26-74253A345098}"/>
               </a:ext>
             </a:extLst>
           </p:cNvPr>
@@ -33177,7 +34388,7 @@
         </p:nvSpPr>
         <p:spPr>
           <a:xfrm>
-            <a:off x="6727717" y="2338130"/>
+            <a:off x="4689348" y="6084530"/>
             <a:ext cx="449162" cy="261610"/>
           </a:xfrm>
           <a:prstGeom prst="rect">
@@ -33210,7 +34421,7 @@
           <p:cNvPr id="9" name="Oval 8">
             <a:extLst>
               <a:ext uri="{FF2B5EF4-FFF2-40B4-BE49-F238E27FC236}">
-                <a16:creationId xmlns:a16="http://schemas.microsoft.com/office/drawing/2014/main" id="{EB27B3D5-E57E-92FF-3539-234E252DDA4A}"/>
+                <a16:creationId xmlns:a16="http://schemas.microsoft.com/office/drawing/2014/main" id="{6AB3E893-360F-58DD-0BF5-FCA70CE0ECBB}"/>
               </a:ext>
             </a:extLst>
           </p:cNvPr>
@@ -33219,7 +34430,7 @@
         </p:nvSpPr>
         <p:spPr bwMode="auto">
           <a:xfrm rot="592320">
-            <a:off x="5435766" y="1981486"/>
+            <a:off x="3397397" y="5727886"/>
             <a:ext cx="152400" cy="533400"/>
           </a:xfrm>
           <a:prstGeom prst="ellipse">
@@ -33279,7 +34490,7 @@
           <p:cNvPr id="10" name="Oval 9">
             <a:extLst>
               <a:ext uri="{FF2B5EF4-FFF2-40B4-BE49-F238E27FC236}">
-                <a16:creationId xmlns:a16="http://schemas.microsoft.com/office/drawing/2014/main" id="{C2A3EF9F-BE09-08FF-DA52-3D290A5274C8}"/>
+                <a16:creationId xmlns:a16="http://schemas.microsoft.com/office/drawing/2014/main" id="{B343C02C-BCBD-293B-2109-1CF1B52B9343}"/>
               </a:ext>
             </a:extLst>
           </p:cNvPr>
@@ -33288,7 +34499,7 @@
         </p:nvSpPr>
         <p:spPr bwMode="auto">
           <a:xfrm rot="16200000">
-            <a:off x="5798979" y="1876019"/>
+            <a:off x="3760610" y="5622419"/>
             <a:ext cx="207005" cy="348975"/>
           </a:xfrm>
           <a:prstGeom prst="ellipse">
@@ -33348,7 +34559,7 @@
           <p:cNvPr id="11" name="Oval 10">
             <a:extLst>
               <a:ext uri="{FF2B5EF4-FFF2-40B4-BE49-F238E27FC236}">
-                <a16:creationId xmlns:a16="http://schemas.microsoft.com/office/drawing/2014/main" id="{783CB4BB-CEE0-1BA0-0464-7471A0F128C8}"/>
+                <a16:creationId xmlns:a16="http://schemas.microsoft.com/office/drawing/2014/main" id="{8BE2EAE7-7812-4DE1-E8BF-36C928118274}"/>
               </a:ext>
             </a:extLst>
           </p:cNvPr>
@@ -33357,7 +34568,7 @@
         </p:nvSpPr>
         <p:spPr bwMode="auto">
           <a:xfrm rot="592320">
-            <a:off x="6573013" y="1981485"/>
+            <a:off x="4534644" y="5727885"/>
             <a:ext cx="152400" cy="533400"/>
           </a:xfrm>
           <a:prstGeom prst="ellipse">
@@ -33417,7 +34628,7 @@
           <p:cNvPr id="12" name="Oval 11">
             <a:extLst>
               <a:ext uri="{FF2B5EF4-FFF2-40B4-BE49-F238E27FC236}">
-                <a16:creationId xmlns:a16="http://schemas.microsoft.com/office/drawing/2014/main" id="{C4EAF0E9-A1F8-A47B-922A-5ACFCEB33801}"/>
+                <a16:creationId xmlns:a16="http://schemas.microsoft.com/office/drawing/2014/main" id="{9CE188E6-FA34-4EBA-87CD-3F68D8550B9C}"/>
               </a:ext>
             </a:extLst>
           </p:cNvPr>
@@ -33426,7 +34637,7 @@
         </p:nvSpPr>
         <p:spPr bwMode="auto">
           <a:xfrm rot="592320">
-            <a:off x="5426071" y="2162554"/>
+            <a:off x="3387702" y="5908954"/>
             <a:ext cx="152400" cy="533400"/>
           </a:xfrm>
           <a:prstGeom prst="ellipse">
@@ -33486,7 +34697,7 @@
           <p:cNvPr id="13" name="Oval 12">
             <a:extLst>
               <a:ext uri="{FF2B5EF4-FFF2-40B4-BE49-F238E27FC236}">
-                <a16:creationId xmlns:a16="http://schemas.microsoft.com/office/drawing/2014/main" id="{08C2F5B2-6B76-27F6-6CA5-AA21EA4758FB}"/>
+                <a16:creationId xmlns:a16="http://schemas.microsoft.com/office/drawing/2014/main" id="{50DD35EB-E944-5879-CE58-2B38CA94E748}"/>
               </a:ext>
             </a:extLst>
           </p:cNvPr>
@@ -33495,7 +34706,7 @@
         </p:nvSpPr>
         <p:spPr bwMode="auto">
           <a:xfrm rot="16200000">
-            <a:off x="5951379" y="2028419"/>
+            <a:off x="3913010" y="5774819"/>
             <a:ext cx="207005" cy="348975"/>
           </a:xfrm>
           <a:prstGeom prst="ellipse">
@@ -33555,7 +34766,7 @@
           <p:cNvPr id="14" name="TextBox 13">
             <a:extLst>
               <a:ext uri="{FF2B5EF4-FFF2-40B4-BE49-F238E27FC236}">
-                <a16:creationId xmlns:a16="http://schemas.microsoft.com/office/drawing/2014/main" id="{438A0148-E18B-8DB4-F205-4275E98B47C5}"/>
+                <a16:creationId xmlns:a16="http://schemas.microsoft.com/office/drawing/2014/main" id="{5D3710DE-8B19-D78B-9489-2554048D37B2}"/>
               </a:ext>
             </a:extLst>
           </p:cNvPr>
@@ -33564,7 +34775,7 @@
         </p:nvSpPr>
         <p:spPr>
           <a:xfrm>
-            <a:off x="3959564" y="2099404"/>
+            <a:off x="1981200" y="5831545"/>
             <a:ext cx="854721" cy="261610"/>
           </a:xfrm>
           <a:prstGeom prst="rect">
@@ -33592,7 +34803,7 @@
           <p:cNvPr id="15" name="TextBox 14">
             <a:extLst>
               <a:ext uri="{FF2B5EF4-FFF2-40B4-BE49-F238E27FC236}">
-                <a16:creationId xmlns:a16="http://schemas.microsoft.com/office/drawing/2014/main" id="{7F81BE88-2907-5F97-12DF-31874FEBF271}"/>
+                <a16:creationId xmlns:a16="http://schemas.microsoft.com/office/drawing/2014/main" id="{E9FC6786-6F2B-E346-773A-74012C2C4580}"/>
               </a:ext>
             </a:extLst>
           </p:cNvPr>
@@ -33601,7 +34812,7 @@
         </p:nvSpPr>
         <p:spPr>
           <a:xfrm>
-            <a:off x="7557826" y="2087990"/>
+            <a:off x="5519457" y="5834390"/>
             <a:ext cx="854721" cy="261610"/>
           </a:xfrm>
           <a:prstGeom prst="rect">
@@ -33624,12 +34835,199 @@
           </a:p>
         </p:txBody>
       </p:sp>
-      <p:sp>
-        <p:nvSpPr>
-          <p:cNvPr id="2" name="TextBox 1">
-            <a:extLst>
-              <a:ext uri="{FF2B5EF4-FFF2-40B4-BE49-F238E27FC236}">
-                <a16:creationId xmlns:a16="http://schemas.microsoft.com/office/drawing/2014/main" id="{10DEBC67-00A2-C99C-F291-01373E2B5B15}"/>
+    </p:spTree>
+    <p:extLst>
+      <p:ext uri="{BB962C8B-B14F-4D97-AF65-F5344CB8AC3E}">
+        <p14:creationId xmlns:p14="http://schemas.microsoft.com/office/powerpoint/2010/main" val="1282932216"/>
+      </p:ext>
+    </p:extLst>
+  </p:cSld>
+  <p:clrMapOvr>
+    <a:masterClrMapping/>
+  </p:clrMapOvr>
+</p:sld>
+</file>
+
+<file path=ppt/slides/slide31.xml><?xml version="1.0" encoding="utf-8"?>
+<p:sld xmlns:a="http://schemas.openxmlformats.org/drawingml/2006/main" xmlns:r="http://schemas.openxmlformats.org/officeDocument/2006/relationships" xmlns:p="http://schemas.openxmlformats.org/presentationml/2006/main">
+  <p:cSld>
+    <p:spTree>
+      <p:nvGrpSpPr>
+        <p:cNvPr id="1" name=""/>
+        <p:cNvGrpSpPr/>
+        <p:nvPr/>
+      </p:nvGrpSpPr>
+      <p:grpSpPr>
+        <a:xfrm>
+          <a:off x="0" y="0"/>
+          <a:ext cx="0" cy="0"/>
+          <a:chOff x="0" y="0"/>
+          <a:chExt cx="0" cy="0"/>
+        </a:xfrm>
+      </p:grpSpPr>
+      <p:sp>
+        <p:nvSpPr>
+          <p:cNvPr id="5" name="Title 4">
+            <a:extLst>
+              <a:ext uri="{FF2B5EF4-FFF2-40B4-BE49-F238E27FC236}">
+                <a16:creationId xmlns:a16="http://schemas.microsoft.com/office/drawing/2014/main" id="{9F6FE098-3714-CAAE-B264-9FA2959E300C}"/>
+              </a:ext>
+            </a:extLst>
+          </p:cNvPr>
+          <p:cNvSpPr>
+            <a:spLocks noGrp="1"/>
+          </p:cNvSpPr>
+          <p:nvPr>
+            <p:ph type="title"/>
+          </p:nvPr>
+        </p:nvSpPr>
+        <p:spPr/>
+        <p:txBody>
+          <a:bodyPr/>
+          <a:lstStyle/>
+          <a:p>
+            <a:r>
+              <a:rPr lang="en-US" dirty="0"/>
+              <a:t>VC Structure (Phase 1)</a:t>
+            </a:r>
+          </a:p>
+        </p:txBody>
+      </p:sp>
+      <p:sp>
+        <p:nvSpPr>
+          <p:cNvPr id="16" name="Content Placeholder 15">
+            <a:extLst>
+              <a:ext uri="{FF2B5EF4-FFF2-40B4-BE49-F238E27FC236}">
+                <a16:creationId xmlns:a16="http://schemas.microsoft.com/office/drawing/2014/main" id="{789998D8-1099-C8F1-B5F9-DE83C371D395}"/>
+              </a:ext>
+            </a:extLst>
+          </p:cNvPr>
+          <p:cNvSpPr>
+            <a:spLocks noGrp="1"/>
+          </p:cNvSpPr>
+          <p:nvPr>
+            <p:ph idx="1"/>
+          </p:nvPr>
+        </p:nvSpPr>
+        <p:spPr>
+          <a:xfrm>
+            <a:off x="685800" y="3111600"/>
+            <a:ext cx="8153400" cy="3289200"/>
+          </a:xfrm>
+        </p:spPr>
+        <p:txBody>
+          <a:bodyPr/>
+          <a:lstStyle/>
+          <a:p>
+            <a:r>
+              <a:rPr lang="en-US" dirty="0"/>
+              <a:t>SysAssert1 implies Pre</a:t>
+            </a:r>
+          </a:p>
+          <a:p>
+            <a:r>
+              <a:rPr lang="en-US" dirty="0"/>
+              <a:t>SysAssert1 &amp; Post implies SysAssert2</a:t>
+            </a:r>
+          </a:p>
+        </p:txBody>
+      </p:sp>
+      <p:sp>
+        <p:nvSpPr>
+          <p:cNvPr id="4" name="Slide Number Placeholder 3">
+            <a:extLst>
+              <a:ext uri="{FF2B5EF4-FFF2-40B4-BE49-F238E27FC236}">
+                <a16:creationId xmlns:a16="http://schemas.microsoft.com/office/drawing/2014/main" id="{7A20B146-E2C7-235E-DD60-15442639B9A6}"/>
+              </a:ext>
+            </a:extLst>
+          </p:cNvPr>
+          <p:cNvSpPr>
+            <a:spLocks noGrp="1"/>
+          </p:cNvSpPr>
+          <p:nvPr>
+            <p:ph type="sldNum" sz="quarter" idx="11"/>
+          </p:nvPr>
+        </p:nvSpPr>
+        <p:spPr/>
+        <p:txBody>
+          <a:bodyPr/>
+          <a:lstStyle/>
+          <a:p>
+            <a:pPr>
+              <a:defRPr/>
+            </a:pPr>
+            <a:fld id="{C22399C2-1ADD-1549-9753-CEA7C1EED1B8}" type="slidenum">
+              <a:rPr lang="en-US" smtClean="0"/>
+              <a:pPr>
+                <a:defRPr/>
+              </a:pPr>
+              <a:t>31</a:t>
+            </a:fld>
+            <a:endParaRPr lang="en-US"/>
+          </a:p>
+        </p:txBody>
+      </p:sp>
+      <p:sp>
+        <p:nvSpPr>
+          <p:cNvPr id="6" name="Parallelogram 5">
+            <a:extLst>
+              <a:ext uri="{FF2B5EF4-FFF2-40B4-BE49-F238E27FC236}">
+                <a16:creationId xmlns:a16="http://schemas.microsoft.com/office/drawing/2014/main" id="{EE38EA9F-56AE-1A8D-70BB-7F3655B5B96F}"/>
+              </a:ext>
+            </a:extLst>
+          </p:cNvPr>
+          <p:cNvSpPr/>
+          <p:nvPr/>
+        </p:nvSpPr>
+        <p:spPr>
+          <a:xfrm>
+            <a:off x="3581400" y="1905000"/>
+            <a:ext cx="1238269" cy="840839"/>
+          </a:xfrm>
+          <a:prstGeom prst="parallelogram">
+            <a:avLst>
+              <a:gd name="adj" fmla="val 16558"/>
+            </a:avLst>
+          </a:prstGeom>
+          <a:noFill/>
+          <a:ln>
+            <a:solidFill>
+              <a:schemeClr val="tx1"/>
+            </a:solidFill>
+            <a:prstDash val="dash"/>
+          </a:ln>
+        </p:spPr>
+        <p:style>
+          <a:lnRef idx="2">
+            <a:schemeClr val="accent1">
+              <a:shade val="15000"/>
+            </a:schemeClr>
+          </a:lnRef>
+          <a:fillRef idx="1">
+            <a:schemeClr val="accent1"/>
+          </a:fillRef>
+          <a:effectRef idx="0">
+            <a:schemeClr val="accent1"/>
+          </a:effectRef>
+          <a:fontRef idx="minor">
+            <a:schemeClr val="lt1"/>
+          </a:fontRef>
+        </p:style>
+        <p:txBody>
+          <a:bodyPr rtlCol="0" anchor="ctr"/>
+          <a:lstStyle/>
+          <a:p>
+            <a:pPr algn="ctr"/>
+            <a:endParaRPr lang="en-US"/>
+          </a:p>
+        </p:txBody>
+      </p:sp>
+      <p:sp>
+        <p:nvSpPr>
+          <p:cNvPr id="7" name="TextBox 6">
+            <a:extLst>
+              <a:ext uri="{FF2B5EF4-FFF2-40B4-BE49-F238E27FC236}">
+                <a16:creationId xmlns:a16="http://schemas.microsoft.com/office/drawing/2014/main" id="{6FE2444C-3CE1-AFE2-3700-A9E9691DC6A3}"/>
               </a:ext>
             </a:extLst>
           </p:cNvPr>
@@ -33638,14 +35036,14 @@
         </p:nvSpPr>
         <p:spPr>
           <a:xfrm>
-            <a:off x="2903" y="2008991"/>
-            <a:ext cx="777777" cy="261610"/>
+            <a:off x="3174121" y="1983839"/>
+            <a:ext cx="388248" cy="261610"/>
           </a:xfrm>
           <a:prstGeom prst="rect">
             <a:avLst/>
           </a:prstGeom>
           <a:solidFill>
-            <a:srgbClr val="FFC000"/>
+            <a:srgbClr val="00B050"/>
           </a:solidFill>
         </p:spPr>
         <p:txBody>
@@ -33655,19 +35053,60 @@
           <a:lstStyle/>
           <a:p>
             <a:r>
-              <a:rPr lang="en-US" sz="1100" dirty="0" err="1"/>
-              <a:t>SysAssert</a:t>
-            </a:r>
-            <a:endParaRPr lang="en-US" sz="1100" dirty="0"/>
-          </a:p>
-        </p:txBody>
-      </p:sp>
-      <p:sp>
-        <p:nvSpPr>
-          <p:cNvPr id="3" name="Left Brace 2">
-            <a:extLst>
-              <a:ext uri="{FF2B5EF4-FFF2-40B4-BE49-F238E27FC236}">
-                <a16:creationId xmlns:a16="http://schemas.microsoft.com/office/drawing/2014/main" id="{849A246B-1264-663A-8133-E1A6DB2677B1}"/>
+              <a:rPr lang="en-US" sz="1100" dirty="0"/>
+              <a:t>Pre</a:t>
+            </a:r>
+          </a:p>
+        </p:txBody>
+      </p:sp>
+      <p:sp>
+        <p:nvSpPr>
+          <p:cNvPr id="8" name="TextBox 7">
+            <a:extLst>
+              <a:ext uri="{FF2B5EF4-FFF2-40B4-BE49-F238E27FC236}">
+                <a16:creationId xmlns:a16="http://schemas.microsoft.com/office/drawing/2014/main" id="{3725757B-9BAB-E337-04F1-D9849EA3441F}"/>
+              </a:ext>
+            </a:extLst>
+          </p:cNvPr>
+          <p:cNvSpPr txBox="1"/>
+          <p:nvPr/>
+        </p:nvSpPr>
+        <p:spPr>
+          <a:xfrm>
+            <a:off x="4822717" y="2429569"/>
+            <a:ext cx="449162" cy="261610"/>
+          </a:xfrm>
+          <a:prstGeom prst="rect">
+            <a:avLst/>
+          </a:prstGeom>
+          <a:solidFill>
+            <a:srgbClr val="00B0F0"/>
+          </a:solidFill>
+          <a:ln>
+            <a:solidFill>
+              <a:srgbClr val="00B0F0"/>
+            </a:solidFill>
+          </a:ln>
+        </p:spPr>
+        <p:txBody>
+          <a:bodyPr wrap="none" rtlCol="0">
+            <a:spAutoFit/>
+          </a:bodyPr>
+          <a:lstStyle/>
+          <a:p>
+            <a:r>
+              <a:rPr lang="en-US" sz="1100" dirty="0"/>
+              <a:t>Post</a:t>
+            </a:r>
+          </a:p>
+        </p:txBody>
+      </p:sp>
+      <p:sp>
+        <p:nvSpPr>
+          <p:cNvPr id="9" name="Oval 8">
+            <a:extLst>
+              <a:ext uri="{FF2B5EF4-FFF2-40B4-BE49-F238E27FC236}">
+                <a16:creationId xmlns:a16="http://schemas.microsoft.com/office/drawing/2014/main" id="{CA348CC6-9A68-7A6D-F5B7-3DDF10BC4843}"/>
               </a:ext>
             </a:extLst>
           </p:cNvPr>
@@ -33675,22 +35114,19 @@
           <p:nvPr/>
         </p:nvSpPr>
         <p:spPr bwMode="auto">
-          <a:xfrm>
-            <a:off x="843062" y="1367988"/>
-            <a:ext cx="228600" cy="1832411"/>
-          </a:xfrm>
-          <a:prstGeom prst="leftBrace">
-            <a:avLst>
-              <a:gd name="adj1" fmla="val 8333"/>
-              <a:gd name="adj2" fmla="val 42515"/>
-            </a:avLst>
+          <a:xfrm rot="592320">
+            <a:off x="3530766" y="2072925"/>
+            <a:ext cx="152400" cy="533400"/>
+          </a:xfrm>
+          <a:prstGeom prst="ellipse">
+            <a:avLst/>
           </a:prstGeom>
           <a:noFill/>
-          <a:ln w="9525" cap="flat" cmpd="sng" algn="ctr">
+          <a:ln w="28575" cap="flat" cmpd="sng" algn="ctr">
             <a:solidFill>
-              <a:schemeClr val="tx1"/>
+              <a:srgbClr val="00B050"/>
             </a:solidFill>
-            <a:prstDash val="solid"/>
+            <a:prstDash val="dash"/>
             <a:miter lim="800000"/>
             <a:headEnd type="none" w="med" len="med"/>
             <a:tailEnd type="none" w="med" len="med"/>
@@ -33736,6 +35172,1160 @@
       </p:sp>
       <p:sp>
         <p:nvSpPr>
+          <p:cNvPr id="10" name="Oval 9">
+            <a:extLst>
+              <a:ext uri="{FF2B5EF4-FFF2-40B4-BE49-F238E27FC236}">
+                <a16:creationId xmlns:a16="http://schemas.microsoft.com/office/drawing/2014/main" id="{3AFF50D9-2E69-5BB3-8018-DA122BD0E385}"/>
+              </a:ext>
+            </a:extLst>
+          </p:cNvPr>
+          <p:cNvSpPr/>
+          <p:nvPr/>
+        </p:nvSpPr>
+        <p:spPr bwMode="auto">
+          <a:xfrm rot="16200000">
+            <a:off x="3893979" y="1967458"/>
+            <a:ext cx="207005" cy="348975"/>
+          </a:xfrm>
+          <a:prstGeom prst="ellipse">
+            <a:avLst/>
+          </a:prstGeom>
+          <a:noFill/>
+          <a:ln w="28575" cap="flat" cmpd="sng" algn="ctr">
+            <a:solidFill>
+              <a:srgbClr val="00B050"/>
+            </a:solidFill>
+            <a:prstDash val="dash"/>
+            <a:miter lim="800000"/>
+            <a:headEnd type="none" w="med" len="med"/>
+            <a:tailEnd type="none" w="med" len="med"/>
+          </a:ln>
+          <a:effectLst/>
+        </p:spPr>
+        <p:txBody>
+          <a:bodyPr vert="horz" wrap="none" lIns="91440" tIns="45720" rIns="91440" bIns="45720" numCol="1" rtlCol="0" anchor="t" anchorCtr="0" compatLnSpc="1">
+            <a:prstTxWarp prst="textNoShape">
+              <a:avLst/>
+            </a:prstTxWarp>
+          </a:bodyPr>
+          <a:lstStyle/>
+          <a:p>
+            <a:pPr marL="0" marR="0" indent="0" algn="l" defTabSz="914400" rtl="0" eaLnBrk="1" fontAlgn="base" latinLnBrk="0" hangingPunct="1">
+              <a:lnSpc>
+                <a:spcPct val="100000"/>
+              </a:lnSpc>
+              <a:spcBef>
+                <a:spcPct val="0"/>
+              </a:spcBef>
+              <a:spcAft>
+                <a:spcPct val="0"/>
+              </a:spcAft>
+              <a:buClrTx/>
+              <a:buSzTx/>
+              <a:buFontTx/>
+              <a:buNone/>
+              <a:tabLst/>
+            </a:pPr>
+            <a:endParaRPr kumimoji="0" lang="en-US" sz="2400" b="0" i="0" u="none" strike="noStrike" cap="none" normalizeH="0" baseline="0">
+              <a:ln>
+                <a:noFill/>
+              </a:ln>
+              <a:solidFill>
+                <a:schemeClr val="tx1"/>
+              </a:solidFill>
+              <a:effectLst/>
+              <a:latin typeface="Tahoma" charset="0"/>
+            </a:endParaRPr>
+          </a:p>
+        </p:txBody>
+      </p:sp>
+      <p:sp>
+        <p:nvSpPr>
+          <p:cNvPr id="11" name="Oval 10">
+            <a:extLst>
+              <a:ext uri="{FF2B5EF4-FFF2-40B4-BE49-F238E27FC236}">
+                <a16:creationId xmlns:a16="http://schemas.microsoft.com/office/drawing/2014/main" id="{EEFA4CA3-3A06-30BE-AAC2-B13FEFBADF58}"/>
+              </a:ext>
+            </a:extLst>
+          </p:cNvPr>
+          <p:cNvSpPr/>
+          <p:nvPr/>
+        </p:nvSpPr>
+        <p:spPr bwMode="auto">
+          <a:xfrm rot="592320">
+            <a:off x="4668013" y="2072924"/>
+            <a:ext cx="152400" cy="533400"/>
+          </a:xfrm>
+          <a:prstGeom prst="ellipse">
+            <a:avLst/>
+          </a:prstGeom>
+          <a:noFill/>
+          <a:ln w="28575" cap="flat" cmpd="sng" algn="ctr">
+            <a:solidFill>
+              <a:srgbClr val="00B0F0"/>
+            </a:solidFill>
+            <a:prstDash val="dash"/>
+            <a:miter lim="800000"/>
+            <a:headEnd type="none" w="med" len="med"/>
+            <a:tailEnd type="none" w="med" len="med"/>
+          </a:ln>
+          <a:effectLst/>
+        </p:spPr>
+        <p:txBody>
+          <a:bodyPr vert="horz" wrap="none" lIns="91440" tIns="45720" rIns="91440" bIns="45720" numCol="1" rtlCol="0" anchor="t" anchorCtr="0" compatLnSpc="1">
+            <a:prstTxWarp prst="textNoShape">
+              <a:avLst/>
+            </a:prstTxWarp>
+          </a:bodyPr>
+          <a:lstStyle/>
+          <a:p>
+            <a:pPr marL="0" marR="0" indent="0" algn="l" defTabSz="914400" rtl="0" eaLnBrk="1" fontAlgn="base" latinLnBrk="0" hangingPunct="1">
+              <a:lnSpc>
+                <a:spcPct val="100000"/>
+              </a:lnSpc>
+              <a:spcBef>
+                <a:spcPct val="0"/>
+              </a:spcBef>
+              <a:spcAft>
+                <a:spcPct val="0"/>
+              </a:spcAft>
+              <a:buClrTx/>
+              <a:buSzTx/>
+              <a:buFontTx/>
+              <a:buNone/>
+              <a:tabLst/>
+            </a:pPr>
+            <a:endParaRPr kumimoji="0" lang="en-US" sz="2400" b="0" i="0" u="none" strike="noStrike" cap="none" normalizeH="0" baseline="0">
+              <a:ln>
+                <a:noFill/>
+              </a:ln>
+              <a:solidFill>
+                <a:schemeClr val="tx1"/>
+              </a:solidFill>
+              <a:effectLst/>
+              <a:latin typeface="Tahoma" charset="0"/>
+            </a:endParaRPr>
+          </a:p>
+        </p:txBody>
+      </p:sp>
+      <p:sp>
+        <p:nvSpPr>
+          <p:cNvPr id="12" name="Oval 11">
+            <a:extLst>
+              <a:ext uri="{FF2B5EF4-FFF2-40B4-BE49-F238E27FC236}">
+                <a16:creationId xmlns:a16="http://schemas.microsoft.com/office/drawing/2014/main" id="{6D23C153-4E3E-ADF9-81BB-158DC9AA79DB}"/>
+              </a:ext>
+            </a:extLst>
+          </p:cNvPr>
+          <p:cNvSpPr/>
+          <p:nvPr/>
+        </p:nvSpPr>
+        <p:spPr bwMode="auto">
+          <a:xfrm rot="592320">
+            <a:off x="3521071" y="2253993"/>
+            <a:ext cx="152400" cy="533400"/>
+          </a:xfrm>
+          <a:prstGeom prst="ellipse">
+            <a:avLst/>
+          </a:prstGeom>
+          <a:noFill/>
+          <a:ln w="28575" cap="flat" cmpd="sng" algn="ctr">
+            <a:solidFill>
+              <a:srgbClr val="00B0F0"/>
+            </a:solidFill>
+            <a:prstDash val="dash"/>
+            <a:miter lim="800000"/>
+            <a:headEnd type="none" w="med" len="med"/>
+            <a:tailEnd type="none" w="med" len="med"/>
+          </a:ln>
+          <a:effectLst/>
+        </p:spPr>
+        <p:txBody>
+          <a:bodyPr vert="horz" wrap="none" lIns="91440" tIns="45720" rIns="91440" bIns="45720" numCol="1" rtlCol="0" anchor="t" anchorCtr="0" compatLnSpc="1">
+            <a:prstTxWarp prst="textNoShape">
+              <a:avLst/>
+            </a:prstTxWarp>
+          </a:bodyPr>
+          <a:lstStyle/>
+          <a:p>
+            <a:pPr marL="0" marR="0" indent="0" algn="l" defTabSz="914400" rtl="0" eaLnBrk="1" fontAlgn="base" latinLnBrk="0" hangingPunct="1">
+              <a:lnSpc>
+                <a:spcPct val="100000"/>
+              </a:lnSpc>
+              <a:spcBef>
+                <a:spcPct val="0"/>
+              </a:spcBef>
+              <a:spcAft>
+                <a:spcPct val="0"/>
+              </a:spcAft>
+              <a:buClrTx/>
+              <a:buSzTx/>
+              <a:buFontTx/>
+              <a:buNone/>
+              <a:tabLst/>
+            </a:pPr>
+            <a:endParaRPr kumimoji="0" lang="en-US" sz="2400" b="0" i="0" u="none" strike="noStrike" cap="none" normalizeH="0" baseline="0">
+              <a:ln>
+                <a:noFill/>
+              </a:ln>
+              <a:solidFill>
+                <a:schemeClr val="tx1"/>
+              </a:solidFill>
+              <a:effectLst/>
+              <a:latin typeface="Tahoma" charset="0"/>
+            </a:endParaRPr>
+          </a:p>
+        </p:txBody>
+      </p:sp>
+      <p:sp>
+        <p:nvSpPr>
+          <p:cNvPr id="13" name="Oval 12">
+            <a:extLst>
+              <a:ext uri="{FF2B5EF4-FFF2-40B4-BE49-F238E27FC236}">
+                <a16:creationId xmlns:a16="http://schemas.microsoft.com/office/drawing/2014/main" id="{D4A7B989-CFD0-3E96-0C76-596A883A27ED}"/>
+              </a:ext>
+            </a:extLst>
+          </p:cNvPr>
+          <p:cNvSpPr/>
+          <p:nvPr/>
+        </p:nvSpPr>
+        <p:spPr bwMode="auto">
+          <a:xfrm rot="16200000">
+            <a:off x="4046379" y="2119858"/>
+            <a:ext cx="207005" cy="348975"/>
+          </a:xfrm>
+          <a:prstGeom prst="ellipse">
+            <a:avLst/>
+          </a:prstGeom>
+          <a:noFill/>
+          <a:ln w="28575" cap="flat" cmpd="sng" algn="ctr">
+            <a:solidFill>
+              <a:srgbClr val="00B0F0"/>
+            </a:solidFill>
+            <a:prstDash val="dash"/>
+            <a:miter lim="800000"/>
+            <a:headEnd type="none" w="med" len="med"/>
+            <a:tailEnd type="none" w="med" len="med"/>
+          </a:ln>
+          <a:effectLst/>
+        </p:spPr>
+        <p:txBody>
+          <a:bodyPr vert="horz" wrap="none" lIns="91440" tIns="45720" rIns="91440" bIns="45720" numCol="1" rtlCol="0" anchor="t" anchorCtr="0" compatLnSpc="1">
+            <a:prstTxWarp prst="textNoShape">
+              <a:avLst/>
+            </a:prstTxWarp>
+          </a:bodyPr>
+          <a:lstStyle/>
+          <a:p>
+            <a:pPr marL="0" marR="0" indent="0" algn="l" defTabSz="914400" rtl="0" eaLnBrk="1" fontAlgn="base" latinLnBrk="0" hangingPunct="1">
+              <a:lnSpc>
+                <a:spcPct val="100000"/>
+              </a:lnSpc>
+              <a:spcBef>
+                <a:spcPct val="0"/>
+              </a:spcBef>
+              <a:spcAft>
+                <a:spcPct val="0"/>
+              </a:spcAft>
+              <a:buClrTx/>
+              <a:buSzTx/>
+              <a:buFontTx/>
+              <a:buNone/>
+              <a:tabLst/>
+            </a:pPr>
+            <a:endParaRPr kumimoji="0" lang="en-US" sz="2400" b="0" i="0" u="none" strike="noStrike" cap="none" normalizeH="0" baseline="0">
+              <a:ln>
+                <a:noFill/>
+              </a:ln>
+              <a:solidFill>
+                <a:schemeClr val="tx1"/>
+              </a:solidFill>
+              <a:effectLst/>
+              <a:latin typeface="Tahoma" charset="0"/>
+            </a:endParaRPr>
+          </a:p>
+        </p:txBody>
+      </p:sp>
+      <p:sp>
+        <p:nvSpPr>
+          <p:cNvPr id="14" name="TextBox 13">
+            <a:extLst>
+              <a:ext uri="{FF2B5EF4-FFF2-40B4-BE49-F238E27FC236}">
+                <a16:creationId xmlns:a16="http://schemas.microsoft.com/office/drawing/2014/main" id="{26A5751D-AE2E-F244-148A-D9DEB5D7DF07}"/>
+              </a:ext>
+            </a:extLst>
+          </p:cNvPr>
+          <p:cNvSpPr txBox="1"/>
+          <p:nvPr/>
+        </p:nvSpPr>
+        <p:spPr>
+          <a:xfrm>
+            <a:off x="2057400" y="2176584"/>
+            <a:ext cx="854721" cy="261610"/>
+          </a:xfrm>
+          <a:prstGeom prst="rect">
+            <a:avLst/>
+          </a:prstGeom>
+          <a:solidFill>
+            <a:srgbClr val="FFC000"/>
+          </a:solidFill>
+        </p:spPr>
+        <p:txBody>
+          <a:bodyPr wrap="none" rtlCol="0">
+            <a:spAutoFit/>
+          </a:bodyPr>
+          <a:lstStyle/>
+          <a:p>
+            <a:r>
+              <a:rPr lang="en-US" sz="1100" dirty="0"/>
+              <a:t>SysAssert1</a:t>
+            </a:r>
+          </a:p>
+        </p:txBody>
+      </p:sp>
+      <p:sp>
+        <p:nvSpPr>
+          <p:cNvPr id="15" name="TextBox 14">
+            <a:extLst>
+              <a:ext uri="{FF2B5EF4-FFF2-40B4-BE49-F238E27FC236}">
+                <a16:creationId xmlns:a16="http://schemas.microsoft.com/office/drawing/2014/main" id="{03630545-1EB7-194D-3B9F-99DDF1DEF8C0}"/>
+              </a:ext>
+            </a:extLst>
+          </p:cNvPr>
+          <p:cNvSpPr txBox="1"/>
+          <p:nvPr/>
+        </p:nvSpPr>
+        <p:spPr>
+          <a:xfrm>
+            <a:off x="5652826" y="2179429"/>
+            <a:ext cx="854721" cy="261610"/>
+          </a:xfrm>
+          <a:prstGeom prst="rect">
+            <a:avLst/>
+          </a:prstGeom>
+          <a:solidFill>
+            <a:srgbClr val="FFC000"/>
+          </a:solidFill>
+        </p:spPr>
+        <p:txBody>
+          <a:bodyPr wrap="none" rtlCol="0">
+            <a:spAutoFit/>
+          </a:bodyPr>
+          <a:lstStyle/>
+          <a:p>
+            <a:r>
+              <a:rPr lang="en-US" sz="1100" dirty="0"/>
+              <a:t>SysAssert2</a:t>
+            </a:r>
+          </a:p>
+        </p:txBody>
+      </p:sp>
+    </p:spTree>
+    <p:extLst>
+      <p:ext uri="{BB962C8B-B14F-4D97-AF65-F5344CB8AC3E}">
+        <p14:creationId xmlns:p14="http://schemas.microsoft.com/office/powerpoint/2010/main" val="294777057"/>
+      </p:ext>
+    </p:extLst>
+  </p:cSld>
+  <p:clrMapOvr>
+    <a:masterClrMapping/>
+  </p:clrMapOvr>
+</p:sld>
+</file>
+
+<file path=ppt/slides/slide32.xml><?xml version="1.0" encoding="utf-8"?>
+<p:sld xmlns:a="http://schemas.openxmlformats.org/drawingml/2006/main" xmlns:r="http://schemas.openxmlformats.org/officeDocument/2006/relationships" xmlns:p="http://schemas.openxmlformats.org/presentationml/2006/main">
+  <p:cSld>
+    <p:spTree>
+      <p:nvGrpSpPr>
+        <p:cNvPr id="1" name="">
+          <a:extLst>
+            <a:ext uri="{FF2B5EF4-FFF2-40B4-BE49-F238E27FC236}">
+              <a16:creationId xmlns:a16="http://schemas.microsoft.com/office/drawing/2014/main" id="{77D1E753-8770-C002-EE0E-5227EFAF5CD7}"/>
+            </a:ext>
+          </a:extLst>
+        </p:cNvPr>
+        <p:cNvGrpSpPr/>
+        <p:nvPr/>
+      </p:nvGrpSpPr>
+      <p:grpSpPr>
+        <a:xfrm>
+          <a:off x="0" y="0"/>
+          <a:ext cx="0" cy="0"/>
+          <a:chOff x="0" y="0"/>
+          <a:chExt cx="0" cy="0"/>
+        </a:xfrm>
+      </p:grpSpPr>
+      <p:sp>
+        <p:nvSpPr>
+          <p:cNvPr id="5" name="Title 4">
+            <a:extLst>
+              <a:ext uri="{FF2B5EF4-FFF2-40B4-BE49-F238E27FC236}">
+                <a16:creationId xmlns:a16="http://schemas.microsoft.com/office/drawing/2014/main" id="{E927760A-5937-8355-1C1C-5A3C20D63D96}"/>
+              </a:ext>
+            </a:extLst>
+          </p:cNvPr>
+          <p:cNvSpPr>
+            <a:spLocks noGrp="1"/>
+          </p:cNvSpPr>
+          <p:nvPr>
+            <p:ph type="title"/>
+          </p:nvPr>
+        </p:nvSpPr>
+        <p:spPr/>
+        <p:txBody>
+          <a:bodyPr/>
+          <a:lstStyle/>
+          <a:p>
+            <a:r>
+              <a:rPr lang="en-US" sz="4000" dirty="0"/>
+              <a:t>Types of Properties (Phase X?)</a:t>
+            </a:r>
+          </a:p>
+        </p:txBody>
+      </p:sp>
+      <p:sp>
+        <p:nvSpPr>
+          <p:cNvPr id="16" name="Content Placeholder 15">
+            <a:extLst>
+              <a:ext uri="{FF2B5EF4-FFF2-40B4-BE49-F238E27FC236}">
+                <a16:creationId xmlns:a16="http://schemas.microsoft.com/office/drawing/2014/main" id="{8B940DAB-BBE4-4E1A-2F10-527BFD617477}"/>
+              </a:ext>
+            </a:extLst>
+          </p:cNvPr>
+          <p:cNvSpPr>
+            <a:spLocks noGrp="1"/>
+          </p:cNvSpPr>
+          <p:nvPr>
+            <p:ph idx="1"/>
+          </p:nvPr>
+        </p:nvSpPr>
+        <p:spPr>
+          <a:xfrm>
+            <a:off x="685800" y="3411080"/>
+            <a:ext cx="8153400" cy="2989720"/>
+          </a:xfrm>
+        </p:spPr>
+        <p:txBody>
+          <a:bodyPr/>
+          <a:lstStyle/>
+          <a:p>
+            <a:r>
+              <a:rPr lang="en-US" sz="2400" dirty="0"/>
+              <a:t>For practicality, it is like that the invariant will be broken down into “useful pieces” that are intuitive to engineers</a:t>
+            </a:r>
+          </a:p>
+          <a:p>
+            <a:r>
+              <a:rPr lang="en-US" sz="2400" dirty="0"/>
+              <a:t>This means that the full invariant would not have to be treated by the user at each component, but only the parts that are established (proven in the meta-theory) to be relevant for that component</a:t>
+            </a:r>
+          </a:p>
+          <a:p>
+            <a:endParaRPr lang="en-US" sz="2400" dirty="0"/>
+          </a:p>
+        </p:txBody>
+      </p:sp>
+      <p:sp>
+        <p:nvSpPr>
+          <p:cNvPr id="4" name="Slide Number Placeholder 3">
+            <a:extLst>
+              <a:ext uri="{FF2B5EF4-FFF2-40B4-BE49-F238E27FC236}">
+                <a16:creationId xmlns:a16="http://schemas.microsoft.com/office/drawing/2014/main" id="{A67A72FB-5B10-C21E-65D3-A345360C6BE7}"/>
+              </a:ext>
+            </a:extLst>
+          </p:cNvPr>
+          <p:cNvSpPr>
+            <a:spLocks noGrp="1"/>
+          </p:cNvSpPr>
+          <p:nvPr>
+            <p:ph type="sldNum" sz="quarter" idx="11"/>
+          </p:nvPr>
+        </p:nvSpPr>
+        <p:spPr/>
+        <p:txBody>
+          <a:bodyPr/>
+          <a:lstStyle/>
+          <a:p>
+            <a:pPr>
+              <a:defRPr/>
+            </a:pPr>
+            <a:fld id="{C22399C2-1ADD-1549-9753-CEA7C1EED1B8}" type="slidenum">
+              <a:rPr lang="en-US" smtClean="0"/>
+              <a:pPr>
+                <a:defRPr/>
+              </a:pPr>
+              <a:t>32</a:t>
+            </a:fld>
+            <a:endParaRPr lang="en-US"/>
+          </a:p>
+        </p:txBody>
+      </p:sp>
+      <p:sp>
+        <p:nvSpPr>
+          <p:cNvPr id="6" name="Parallelogram 5">
+            <a:extLst>
+              <a:ext uri="{FF2B5EF4-FFF2-40B4-BE49-F238E27FC236}">
+                <a16:creationId xmlns:a16="http://schemas.microsoft.com/office/drawing/2014/main" id="{7D363A6F-B43A-77AE-2263-80C954AFDB13}"/>
+              </a:ext>
+            </a:extLst>
+          </p:cNvPr>
+          <p:cNvSpPr/>
+          <p:nvPr/>
+        </p:nvSpPr>
+        <p:spPr>
+          <a:xfrm>
+            <a:off x="5486400" y="1813561"/>
+            <a:ext cx="1238269" cy="840839"/>
+          </a:xfrm>
+          <a:prstGeom prst="parallelogram">
+            <a:avLst>
+              <a:gd name="adj" fmla="val 16558"/>
+            </a:avLst>
+          </a:prstGeom>
+          <a:noFill/>
+          <a:ln>
+            <a:solidFill>
+              <a:schemeClr val="tx1"/>
+            </a:solidFill>
+            <a:prstDash val="dash"/>
+          </a:ln>
+        </p:spPr>
+        <p:style>
+          <a:lnRef idx="2">
+            <a:schemeClr val="accent1">
+              <a:shade val="15000"/>
+            </a:schemeClr>
+          </a:lnRef>
+          <a:fillRef idx="1">
+            <a:schemeClr val="accent1"/>
+          </a:fillRef>
+          <a:effectRef idx="0">
+            <a:schemeClr val="accent1"/>
+          </a:effectRef>
+          <a:fontRef idx="minor">
+            <a:schemeClr val="lt1"/>
+          </a:fontRef>
+        </p:style>
+        <p:txBody>
+          <a:bodyPr rtlCol="0" anchor="ctr"/>
+          <a:lstStyle/>
+          <a:p>
+            <a:pPr algn="ctr"/>
+            <a:endParaRPr lang="en-US"/>
+          </a:p>
+        </p:txBody>
+      </p:sp>
+      <p:sp>
+        <p:nvSpPr>
+          <p:cNvPr id="7" name="TextBox 6">
+            <a:extLst>
+              <a:ext uri="{FF2B5EF4-FFF2-40B4-BE49-F238E27FC236}">
+                <a16:creationId xmlns:a16="http://schemas.microsoft.com/office/drawing/2014/main" id="{DF971AAD-0A6B-8A5D-AE61-AC138A4154DF}"/>
+              </a:ext>
+            </a:extLst>
+          </p:cNvPr>
+          <p:cNvSpPr txBox="1"/>
+          <p:nvPr/>
+        </p:nvSpPr>
+        <p:spPr>
+          <a:xfrm>
+            <a:off x="5079121" y="1892400"/>
+            <a:ext cx="388248" cy="261610"/>
+          </a:xfrm>
+          <a:prstGeom prst="rect">
+            <a:avLst/>
+          </a:prstGeom>
+          <a:solidFill>
+            <a:srgbClr val="00B050"/>
+          </a:solidFill>
+        </p:spPr>
+        <p:txBody>
+          <a:bodyPr wrap="none" rtlCol="0">
+            <a:spAutoFit/>
+          </a:bodyPr>
+          <a:lstStyle/>
+          <a:p>
+            <a:r>
+              <a:rPr lang="en-US" sz="1100" dirty="0"/>
+              <a:t>Pre</a:t>
+            </a:r>
+          </a:p>
+        </p:txBody>
+      </p:sp>
+      <p:sp>
+        <p:nvSpPr>
+          <p:cNvPr id="8" name="TextBox 7">
+            <a:extLst>
+              <a:ext uri="{FF2B5EF4-FFF2-40B4-BE49-F238E27FC236}">
+                <a16:creationId xmlns:a16="http://schemas.microsoft.com/office/drawing/2014/main" id="{233859AD-C77E-CCBF-FD61-28CD689589AF}"/>
+              </a:ext>
+            </a:extLst>
+          </p:cNvPr>
+          <p:cNvSpPr txBox="1"/>
+          <p:nvPr/>
+        </p:nvSpPr>
+        <p:spPr>
+          <a:xfrm>
+            <a:off x="6727717" y="2338130"/>
+            <a:ext cx="449162" cy="261610"/>
+          </a:xfrm>
+          <a:prstGeom prst="rect">
+            <a:avLst/>
+          </a:prstGeom>
+          <a:solidFill>
+            <a:srgbClr val="00B0F0"/>
+          </a:solidFill>
+          <a:ln>
+            <a:solidFill>
+              <a:srgbClr val="00B0F0"/>
+            </a:solidFill>
+          </a:ln>
+        </p:spPr>
+        <p:txBody>
+          <a:bodyPr wrap="none" rtlCol="0">
+            <a:spAutoFit/>
+          </a:bodyPr>
+          <a:lstStyle/>
+          <a:p>
+            <a:r>
+              <a:rPr lang="en-US" sz="1100" dirty="0"/>
+              <a:t>Post</a:t>
+            </a:r>
+          </a:p>
+        </p:txBody>
+      </p:sp>
+      <p:sp>
+        <p:nvSpPr>
+          <p:cNvPr id="9" name="Oval 8">
+            <a:extLst>
+              <a:ext uri="{FF2B5EF4-FFF2-40B4-BE49-F238E27FC236}">
+                <a16:creationId xmlns:a16="http://schemas.microsoft.com/office/drawing/2014/main" id="{EB27B3D5-E57E-92FF-3539-234E252DDA4A}"/>
+              </a:ext>
+            </a:extLst>
+          </p:cNvPr>
+          <p:cNvSpPr/>
+          <p:nvPr/>
+        </p:nvSpPr>
+        <p:spPr bwMode="auto">
+          <a:xfrm rot="592320">
+            <a:off x="5435766" y="1981486"/>
+            <a:ext cx="152400" cy="533400"/>
+          </a:xfrm>
+          <a:prstGeom prst="ellipse">
+            <a:avLst/>
+          </a:prstGeom>
+          <a:noFill/>
+          <a:ln w="28575" cap="flat" cmpd="sng" algn="ctr">
+            <a:solidFill>
+              <a:srgbClr val="00B050"/>
+            </a:solidFill>
+            <a:prstDash val="dash"/>
+            <a:miter lim="800000"/>
+            <a:headEnd type="none" w="med" len="med"/>
+            <a:tailEnd type="none" w="med" len="med"/>
+          </a:ln>
+          <a:effectLst/>
+        </p:spPr>
+        <p:txBody>
+          <a:bodyPr vert="horz" wrap="none" lIns="91440" tIns="45720" rIns="91440" bIns="45720" numCol="1" rtlCol="0" anchor="t" anchorCtr="0" compatLnSpc="1">
+            <a:prstTxWarp prst="textNoShape">
+              <a:avLst/>
+            </a:prstTxWarp>
+          </a:bodyPr>
+          <a:lstStyle/>
+          <a:p>
+            <a:pPr marL="0" marR="0" indent="0" algn="l" defTabSz="914400" rtl="0" eaLnBrk="1" fontAlgn="base" latinLnBrk="0" hangingPunct="1">
+              <a:lnSpc>
+                <a:spcPct val="100000"/>
+              </a:lnSpc>
+              <a:spcBef>
+                <a:spcPct val="0"/>
+              </a:spcBef>
+              <a:spcAft>
+                <a:spcPct val="0"/>
+              </a:spcAft>
+              <a:buClrTx/>
+              <a:buSzTx/>
+              <a:buFontTx/>
+              <a:buNone/>
+              <a:tabLst/>
+            </a:pPr>
+            <a:endParaRPr kumimoji="0" lang="en-US" sz="2400" b="0" i="0" u="none" strike="noStrike" cap="none" normalizeH="0" baseline="0">
+              <a:ln>
+                <a:noFill/>
+              </a:ln>
+              <a:solidFill>
+                <a:schemeClr val="tx1"/>
+              </a:solidFill>
+              <a:effectLst/>
+              <a:latin typeface="Tahoma" charset="0"/>
+            </a:endParaRPr>
+          </a:p>
+        </p:txBody>
+      </p:sp>
+      <p:sp>
+        <p:nvSpPr>
+          <p:cNvPr id="10" name="Oval 9">
+            <a:extLst>
+              <a:ext uri="{FF2B5EF4-FFF2-40B4-BE49-F238E27FC236}">
+                <a16:creationId xmlns:a16="http://schemas.microsoft.com/office/drawing/2014/main" id="{C2A3EF9F-BE09-08FF-DA52-3D290A5274C8}"/>
+              </a:ext>
+            </a:extLst>
+          </p:cNvPr>
+          <p:cNvSpPr/>
+          <p:nvPr/>
+        </p:nvSpPr>
+        <p:spPr bwMode="auto">
+          <a:xfrm rot="16200000">
+            <a:off x="5798979" y="1876019"/>
+            <a:ext cx="207005" cy="348975"/>
+          </a:xfrm>
+          <a:prstGeom prst="ellipse">
+            <a:avLst/>
+          </a:prstGeom>
+          <a:noFill/>
+          <a:ln w="28575" cap="flat" cmpd="sng" algn="ctr">
+            <a:solidFill>
+              <a:srgbClr val="00B050"/>
+            </a:solidFill>
+            <a:prstDash val="dash"/>
+            <a:miter lim="800000"/>
+            <a:headEnd type="none" w="med" len="med"/>
+            <a:tailEnd type="none" w="med" len="med"/>
+          </a:ln>
+          <a:effectLst/>
+        </p:spPr>
+        <p:txBody>
+          <a:bodyPr vert="horz" wrap="none" lIns="91440" tIns="45720" rIns="91440" bIns="45720" numCol="1" rtlCol="0" anchor="t" anchorCtr="0" compatLnSpc="1">
+            <a:prstTxWarp prst="textNoShape">
+              <a:avLst/>
+            </a:prstTxWarp>
+          </a:bodyPr>
+          <a:lstStyle/>
+          <a:p>
+            <a:pPr marL="0" marR="0" indent="0" algn="l" defTabSz="914400" rtl="0" eaLnBrk="1" fontAlgn="base" latinLnBrk="0" hangingPunct="1">
+              <a:lnSpc>
+                <a:spcPct val="100000"/>
+              </a:lnSpc>
+              <a:spcBef>
+                <a:spcPct val="0"/>
+              </a:spcBef>
+              <a:spcAft>
+                <a:spcPct val="0"/>
+              </a:spcAft>
+              <a:buClrTx/>
+              <a:buSzTx/>
+              <a:buFontTx/>
+              <a:buNone/>
+              <a:tabLst/>
+            </a:pPr>
+            <a:endParaRPr kumimoji="0" lang="en-US" sz="2400" b="0" i="0" u="none" strike="noStrike" cap="none" normalizeH="0" baseline="0">
+              <a:ln>
+                <a:noFill/>
+              </a:ln>
+              <a:solidFill>
+                <a:schemeClr val="tx1"/>
+              </a:solidFill>
+              <a:effectLst/>
+              <a:latin typeface="Tahoma" charset="0"/>
+            </a:endParaRPr>
+          </a:p>
+        </p:txBody>
+      </p:sp>
+      <p:sp>
+        <p:nvSpPr>
+          <p:cNvPr id="11" name="Oval 10">
+            <a:extLst>
+              <a:ext uri="{FF2B5EF4-FFF2-40B4-BE49-F238E27FC236}">
+                <a16:creationId xmlns:a16="http://schemas.microsoft.com/office/drawing/2014/main" id="{783CB4BB-CEE0-1BA0-0464-7471A0F128C8}"/>
+              </a:ext>
+            </a:extLst>
+          </p:cNvPr>
+          <p:cNvSpPr/>
+          <p:nvPr/>
+        </p:nvSpPr>
+        <p:spPr bwMode="auto">
+          <a:xfrm rot="592320">
+            <a:off x="6573013" y="1981485"/>
+            <a:ext cx="152400" cy="533400"/>
+          </a:xfrm>
+          <a:prstGeom prst="ellipse">
+            <a:avLst/>
+          </a:prstGeom>
+          <a:noFill/>
+          <a:ln w="28575" cap="flat" cmpd="sng" algn="ctr">
+            <a:solidFill>
+              <a:srgbClr val="00B0F0"/>
+            </a:solidFill>
+            <a:prstDash val="dash"/>
+            <a:miter lim="800000"/>
+            <a:headEnd type="none" w="med" len="med"/>
+            <a:tailEnd type="none" w="med" len="med"/>
+          </a:ln>
+          <a:effectLst/>
+        </p:spPr>
+        <p:txBody>
+          <a:bodyPr vert="horz" wrap="none" lIns="91440" tIns="45720" rIns="91440" bIns="45720" numCol="1" rtlCol="0" anchor="t" anchorCtr="0" compatLnSpc="1">
+            <a:prstTxWarp prst="textNoShape">
+              <a:avLst/>
+            </a:prstTxWarp>
+          </a:bodyPr>
+          <a:lstStyle/>
+          <a:p>
+            <a:pPr marL="0" marR="0" indent="0" algn="l" defTabSz="914400" rtl="0" eaLnBrk="1" fontAlgn="base" latinLnBrk="0" hangingPunct="1">
+              <a:lnSpc>
+                <a:spcPct val="100000"/>
+              </a:lnSpc>
+              <a:spcBef>
+                <a:spcPct val="0"/>
+              </a:spcBef>
+              <a:spcAft>
+                <a:spcPct val="0"/>
+              </a:spcAft>
+              <a:buClrTx/>
+              <a:buSzTx/>
+              <a:buFontTx/>
+              <a:buNone/>
+              <a:tabLst/>
+            </a:pPr>
+            <a:endParaRPr kumimoji="0" lang="en-US" sz="2400" b="0" i="0" u="none" strike="noStrike" cap="none" normalizeH="0" baseline="0">
+              <a:ln>
+                <a:noFill/>
+              </a:ln>
+              <a:solidFill>
+                <a:schemeClr val="tx1"/>
+              </a:solidFill>
+              <a:effectLst/>
+              <a:latin typeface="Tahoma" charset="0"/>
+            </a:endParaRPr>
+          </a:p>
+        </p:txBody>
+      </p:sp>
+      <p:sp>
+        <p:nvSpPr>
+          <p:cNvPr id="12" name="Oval 11">
+            <a:extLst>
+              <a:ext uri="{FF2B5EF4-FFF2-40B4-BE49-F238E27FC236}">
+                <a16:creationId xmlns:a16="http://schemas.microsoft.com/office/drawing/2014/main" id="{C4EAF0E9-A1F8-A47B-922A-5ACFCEB33801}"/>
+              </a:ext>
+            </a:extLst>
+          </p:cNvPr>
+          <p:cNvSpPr/>
+          <p:nvPr/>
+        </p:nvSpPr>
+        <p:spPr bwMode="auto">
+          <a:xfrm rot="592320">
+            <a:off x="5426071" y="2162554"/>
+            <a:ext cx="152400" cy="533400"/>
+          </a:xfrm>
+          <a:prstGeom prst="ellipse">
+            <a:avLst/>
+          </a:prstGeom>
+          <a:noFill/>
+          <a:ln w="28575" cap="flat" cmpd="sng" algn="ctr">
+            <a:solidFill>
+              <a:srgbClr val="00B0F0"/>
+            </a:solidFill>
+            <a:prstDash val="dash"/>
+            <a:miter lim="800000"/>
+            <a:headEnd type="none" w="med" len="med"/>
+            <a:tailEnd type="none" w="med" len="med"/>
+          </a:ln>
+          <a:effectLst/>
+        </p:spPr>
+        <p:txBody>
+          <a:bodyPr vert="horz" wrap="none" lIns="91440" tIns="45720" rIns="91440" bIns="45720" numCol="1" rtlCol="0" anchor="t" anchorCtr="0" compatLnSpc="1">
+            <a:prstTxWarp prst="textNoShape">
+              <a:avLst/>
+            </a:prstTxWarp>
+          </a:bodyPr>
+          <a:lstStyle/>
+          <a:p>
+            <a:pPr marL="0" marR="0" indent="0" algn="l" defTabSz="914400" rtl="0" eaLnBrk="1" fontAlgn="base" latinLnBrk="0" hangingPunct="1">
+              <a:lnSpc>
+                <a:spcPct val="100000"/>
+              </a:lnSpc>
+              <a:spcBef>
+                <a:spcPct val="0"/>
+              </a:spcBef>
+              <a:spcAft>
+                <a:spcPct val="0"/>
+              </a:spcAft>
+              <a:buClrTx/>
+              <a:buSzTx/>
+              <a:buFontTx/>
+              <a:buNone/>
+              <a:tabLst/>
+            </a:pPr>
+            <a:endParaRPr kumimoji="0" lang="en-US" sz="2400" b="0" i="0" u="none" strike="noStrike" cap="none" normalizeH="0" baseline="0">
+              <a:ln>
+                <a:noFill/>
+              </a:ln>
+              <a:solidFill>
+                <a:schemeClr val="tx1"/>
+              </a:solidFill>
+              <a:effectLst/>
+              <a:latin typeface="Tahoma" charset="0"/>
+            </a:endParaRPr>
+          </a:p>
+        </p:txBody>
+      </p:sp>
+      <p:sp>
+        <p:nvSpPr>
+          <p:cNvPr id="13" name="Oval 12">
+            <a:extLst>
+              <a:ext uri="{FF2B5EF4-FFF2-40B4-BE49-F238E27FC236}">
+                <a16:creationId xmlns:a16="http://schemas.microsoft.com/office/drawing/2014/main" id="{08C2F5B2-6B76-27F6-6CA5-AA21EA4758FB}"/>
+              </a:ext>
+            </a:extLst>
+          </p:cNvPr>
+          <p:cNvSpPr/>
+          <p:nvPr/>
+        </p:nvSpPr>
+        <p:spPr bwMode="auto">
+          <a:xfrm rot="16200000">
+            <a:off x="5951379" y="2028419"/>
+            <a:ext cx="207005" cy="348975"/>
+          </a:xfrm>
+          <a:prstGeom prst="ellipse">
+            <a:avLst/>
+          </a:prstGeom>
+          <a:noFill/>
+          <a:ln w="28575" cap="flat" cmpd="sng" algn="ctr">
+            <a:solidFill>
+              <a:srgbClr val="00B0F0"/>
+            </a:solidFill>
+            <a:prstDash val="dash"/>
+            <a:miter lim="800000"/>
+            <a:headEnd type="none" w="med" len="med"/>
+            <a:tailEnd type="none" w="med" len="med"/>
+          </a:ln>
+          <a:effectLst/>
+        </p:spPr>
+        <p:txBody>
+          <a:bodyPr vert="horz" wrap="none" lIns="91440" tIns="45720" rIns="91440" bIns="45720" numCol="1" rtlCol="0" anchor="t" anchorCtr="0" compatLnSpc="1">
+            <a:prstTxWarp prst="textNoShape">
+              <a:avLst/>
+            </a:prstTxWarp>
+          </a:bodyPr>
+          <a:lstStyle/>
+          <a:p>
+            <a:pPr marL="0" marR="0" indent="0" algn="l" defTabSz="914400" rtl="0" eaLnBrk="1" fontAlgn="base" latinLnBrk="0" hangingPunct="1">
+              <a:lnSpc>
+                <a:spcPct val="100000"/>
+              </a:lnSpc>
+              <a:spcBef>
+                <a:spcPct val="0"/>
+              </a:spcBef>
+              <a:spcAft>
+                <a:spcPct val="0"/>
+              </a:spcAft>
+              <a:buClrTx/>
+              <a:buSzTx/>
+              <a:buFontTx/>
+              <a:buNone/>
+              <a:tabLst/>
+            </a:pPr>
+            <a:endParaRPr kumimoji="0" lang="en-US" sz="2400" b="0" i="0" u="none" strike="noStrike" cap="none" normalizeH="0" baseline="0">
+              <a:ln>
+                <a:noFill/>
+              </a:ln>
+              <a:solidFill>
+                <a:schemeClr val="tx1"/>
+              </a:solidFill>
+              <a:effectLst/>
+              <a:latin typeface="Tahoma" charset="0"/>
+            </a:endParaRPr>
+          </a:p>
+        </p:txBody>
+      </p:sp>
+      <p:sp>
+        <p:nvSpPr>
+          <p:cNvPr id="14" name="TextBox 13">
+            <a:extLst>
+              <a:ext uri="{FF2B5EF4-FFF2-40B4-BE49-F238E27FC236}">
+                <a16:creationId xmlns:a16="http://schemas.microsoft.com/office/drawing/2014/main" id="{438A0148-E18B-8DB4-F205-4275E98B47C5}"/>
+              </a:ext>
+            </a:extLst>
+          </p:cNvPr>
+          <p:cNvSpPr txBox="1"/>
+          <p:nvPr/>
+        </p:nvSpPr>
+        <p:spPr>
+          <a:xfrm>
+            <a:off x="3959564" y="2099404"/>
+            <a:ext cx="854721" cy="261610"/>
+          </a:xfrm>
+          <a:prstGeom prst="rect">
+            <a:avLst/>
+          </a:prstGeom>
+          <a:solidFill>
+            <a:srgbClr val="FFC000"/>
+          </a:solidFill>
+        </p:spPr>
+        <p:txBody>
+          <a:bodyPr wrap="none" rtlCol="0">
+            <a:spAutoFit/>
+          </a:bodyPr>
+          <a:lstStyle/>
+          <a:p>
+            <a:r>
+              <a:rPr lang="en-US" sz="1100" dirty="0"/>
+              <a:t>SysAssert1</a:t>
+            </a:r>
+          </a:p>
+        </p:txBody>
+      </p:sp>
+      <p:sp>
+        <p:nvSpPr>
+          <p:cNvPr id="15" name="TextBox 14">
+            <a:extLst>
+              <a:ext uri="{FF2B5EF4-FFF2-40B4-BE49-F238E27FC236}">
+                <a16:creationId xmlns:a16="http://schemas.microsoft.com/office/drawing/2014/main" id="{7F81BE88-2907-5F97-12DF-31874FEBF271}"/>
+              </a:ext>
+            </a:extLst>
+          </p:cNvPr>
+          <p:cNvSpPr txBox="1"/>
+          <p:nvPr/>
+        </p:nvSpPr>
+        <p:spPr>
+          <a:xfrm>
+            <a:off x="7557826" y="2087990"/>
+            <a:ext cx="854721" cy="261610"/>
+          </a:xfrm>
+          <a:prstGeom prst="rect">
+            <a:avLst/>
+          </a:prstGeom>
+          <a:solidFill>
+            <a:srgbClr val="FFC000"/>
+          </a:solidFill>
+        </p:spPr>
+        <p:txBody>
+          <a:bodyPr wrap="none" rtlCol="0">
+            <a:spAutoFit/>
+          </a:bodyPr>
+          <a:lstStyle/>
+          <a:p>
+            <a:r>
+              <a:rPr lang="en-US" sz="1100" dirty="0"/>
+              <a:t>SysAssert2</a:t>
+            </a:r>
+          </a:p>
+        </p:txBody>
+      </p:sp>
+      <p:sp>
+        <p:nvSpPr>
+          <p:cNvPr id="2" name="TextBox 1">
+            <a:extLst>
+              <a:ext uri="{FF2B5EF4-FFF2-40B4-BE49-F238E27FC236}">
+                <a16:creationId xmlns:a16="http://schemas.microsoft.com/office/drawing/2014/main" id="{10DEBC67-00A2-C99C-F291-01373E2B5B15}"/>
+              </a:ext>
+            </a:extLst>
+          </p:cNvPr>
+          <p:cNvSpPr txBox="1"/>
+          <p:nvPr/>
+        </p:nvSpPr>
+        <p:spPr>
+          <a:xfrm>
+            <a:off x="2903" y="2008991"/>
+            <a:ext cx="777777" cy="261610"/>
+          </a:xfrm>
+          <a:prstGeom prst="rect">
+            <a:avLst/>
+          </a:prstGeom>
+          <a:solidFill>
+            <a:srgbClr val="FFC000"/>
+          </a:solidFill>
+        </p:spPr>
+        <p:txBody>
+          <a:bodyPr wrap="none" rtlCol="0">
+            <a:spAutoFit/>
+          </a:bodyPr>
+          <a:lstStyle/>
+          <a:p>
+            <a:r>
+              <a:rPr lang="en-US" sz="1100" dirty="0" err="1"/>
+              <a:t>SysAssert</a:t>
+            </a:r>
+            <a:endParaRPr lang="en-US" sz="1100" dirty="0"/>
+          </a:p>
+        </p:txBody>
+      </p:sp>
+      <p:sp>
+        <p:nvSpPr>
+          <p:cNvPr id="3" name="Left Brace 2">
+            <a:extLst>
+              <a:ext uri="{FF2B5EF4-FFF2-40B4-BE49-F238E27FC236}">
+                <a16:creationId xmlns:a16="http://schemas.microsoft.com/office/drawing/2014/main" id="{849A246B-1264-663A-8133-E1A6DB2677B1}"/>
+              </a:ext>
+            </a:extLst>
+          </p:cNvPr>
+          <p:cNvSpPr/>
+          <p:nvPr/>
+        </p:nvSpPr>
+        <p:spPr bwMode="auto">
+          <a:xfrm>
+            <a:off x="843062" y="1367988"/>
+            <a:ext cx="228600" cy="1832411"/>
+          </a:xfrm>
+          <a:prstGeom prst="leftBrace">
+            <a:avLst>
+              <a:gd name="adj1" fmla="val 8333"/>
+              <a:gd name="adj2" fmla="val 42515"/>
+            </a:avLst>
+          </a:prstGeom>
+          <a:noFill/>
+          <a:ln w="9525" cap="flat" cmpd="sng" algn="ctr">
+            <a:solidFill>
+              <a:schemeClr val="tx1"/>
+            </a:solidFill>
+            <a:prstDash val="solid"/>
+            <a:miter lim="800000"/>
+            <a:headEnd type="none" w="med" len="med"/>
+            <a:tailEnd type="none" w="med" len="med"/>
+          </a:ln>
+          <a:effectLst/>
+        </p:spPr>
+        <p:txBody>
+          <a:bodyPr vert="horz" wrap="none" lIns="91440" tIns="45720" rIns="91440" bIns="45720" numCol="1" rtlCol="0" anchor="t" anchorCtr="0" compatLnSpc="1">
+            <a:prstTxWarp prst="textNoShape">
+              <a:avLst/>
+            </a:prstTxWarp>
+          </a:bodyPr>
+          <a:lstStyle/>
+          <a:p>
+            <a:pPr marL="0" marR="0" indent="0" algn="l" defTabSz="914400" rtl="0" eaLnBrk="1" fontAlgn="base" latinLnBrk="0" hangingPunct="1">
+              <a:lnSpc>
+                <a:spcPct val="100000"/>
+              </a:lnSpc>
+              <a:spcBef>
+                <a:spcPct val="0"/>
+              </a:spcBef>
+              <a:spcAft>
+                <a:spcPct val="0"/>
+              </a:spcAft>
+              <a:buClrTx/>
+              <a:buSzTx/>
+              <a:buFontTx/>
+              <a:buNone/>
+              <a:tabLst/>
+            </a:pPr>
+            <a:endParaRPr kumimoji="0" lang="en-US" sz="2400" b="0" i="0" u="none" strike="noStrike" cap="none" normalizeH="0" baseline="0">
+              <a:ln>
+                <a:noFill/>
+              </a:ln>
+              <a:solidFill>
+                <a:schemeClr val="tx1"/>
+              </a:solidFill>
+              <a:effectLst/>
+              <a:latin typeface="Tahoma" charset="0"/>
+            </a:endParaRPr>
+          </a:p>
+        </p:txBody>
+      </p:sp>
+      <p:sp>
+        <p:nvSpPr>
           <p:cNvPr id="17" name="TextBox 16">
             <a:extLst>
               <a:ext uri="{FF2B5EF4-FFF2-40B4-BE49-F238E27FC236}">
@@ -33970,7 +36560,7 @@
 </p:sld>
 </file>
 
-<file path=ppt/slides/slide31.xml><?xml version="1.0" encoding="utf-8"?>
+<file path=ppt/slides/slide33.xml><?xml version="1.0" encoding="utf-8"?>
 <p:sld xmlns:a="http://schemas.openxmlformats.org/drawingml/2006/main" xmlns:r="http://schemas.openxmlformats.org/officeDocument/2006/relationships" xmlns:p="http://schemas.openxmlformats.org/presentationml/2006/main">
   <p:cSld>
     <p:spTree>
@@ -34050,7 +36640,7 @@
               <a:pPr>
                 <a:defRPr/>
               </a:pPr>
-              <a:t>31</a:t>
+              <a:t>33</a:t>
             </a:fld>
             <a:endParaRPr lang="en-US"/>
           </a:p>
@@ -36558,7 +39148,7 @@
 </p:sld>
 </file>
 
-<file path=ppt/slides/slide32.xml><?xml version="1.0" encoding="utf-8"?>
+<file path=ppt/slides/slide34.xml><?xml version="1.0" encoding="utf-8"?>
 <p:sld xmlns:a="http://schemas.openxmlformats.org/drawingml/2006/main" xmlns:r="http://schemas.openxmlformats.org/officeDocument/2006/relationships" xmlns:p="http://schemas.openxmlformats.org/presentationml/2006/main">
   <p:cSld>
     <p:spTree>
@@ -36638,7 +39228,7 @@
               <a:pPr>
                 <a:defRPr/>
               </a:pPr>
-              <a:t>32</a:t>
+              <a:t>34</a:t>
             </a:fld>
             <a:endParaRPr lang="en-US"/>
           </a:p>
@@ -39079,7 +41669,7 @@
 </p:sld>
 </file>
 
-<file path=ppt/slides/slide33.xml><?xml version="1.0" encoding="utf-8"?>
+<file path=ppt/slides/slide35.xml><?xml version="1.0" encoding="utf-8"?>
 <p:sld xmlns:a="http://schemas.openxmlformats.org/drawingml/2006/main" xmlns:r="http://schemas.openxmlformats.org/officeDocument/2006/relationships" xmlns:p="http://schemas.openxmlformats.org/presentationml/2006/main">
   <p:cSld>
     <p:spTree>
@@ -39159,7 +41749,7 @@
               <a:pPr>
                 <a:defRPr/>
               </a:pPr>
-              <a:t>33</a:t>
+              <a:t>35</a:t>
             </a:fld>
             <a:endParaRPr lang="en-US"/>
           </a:p>
@@ -43302,7 +45892,7 @@
 </p:sld>
 </file>
 
-<file path=ppt/slides/slide34.xml><?xml version="1.0" encoding="utf-8"?>
+<file path=ppt/slides/slide36.xml><?xml version="1.0" encoding="utf-8"?>
 <p:sld xmlns:a="http://schemas.openxmlformats.org/drawingml/2006/main" xmlns:r="http://schemas.openxmlformats.org/officeDocument/2006/relationships" xmlns:p="http://schemas.openxmlformats.org/presentationml/2006/main">
   <p:cSld>
     <p:spTree>
@@ -43382,7 +45972,7 @@
               <a:pPr>
                 <a:defRPr/>
               </a:pPr>
-              <a:t>34</a:t>
+              <a:t>36</a:t>
             </a:fld>
             <a:endParaRPr lang="en-US"/>
           </a:p>
@@ -43744,7 +46334,7 @@
 </p:sld>
 </file>
 
-<file path=ppt/slides/slide35.xml><?xml version="1.0" encoding="utf-8"?>
+<file path=ppt/slides/slide37.xml><?xml version="1.0" encoding="utf-8"?>
 <p:sld xmlns:a="http://schemas.openxmlformats.org/drawingml/2006/main" xmlns:r="http://schemas.openxmlformats.org/officeDocument/2006/relationships" xmlns:p="http://schemas.openxmlformats.org/presentationml/2006/main">
   <p:cSld>
     <p:spTree>
@@ -43824,7 +46414,7 @@
               <a:pPr>
                 <a:defRPr/>
               </a:pPr>
-              <a:t>35</a:t>
+              <a:t>37</a:t>
             </a:fld>
             <a:endParaRPr lang="en-US"/>
           </a:p>
@@ -44767,7 +47357,7 @@
 </p:sld>
 </file>
 
-<file path=ppt/slides/slide36.xml><?xml version="1.0" encoding="utf-8"?>
+<file path=ppt/slides/slide38.xml><?xml version="1.0" encoding="utf-8"?>
 <p:sld xmlns:a="http://schemas.openxmlformats.org/drawingml/2006/main" xmlns:r="http://schemas.openxmlformats.org/officeDocument/2006/relationships" xmlns:p="http://schemas.openxmlformats.org/presentationml/2006/main">
   <p:cSld>
     <p:spTree>
@@ -44883,7 +47473,7 @@
               <a:pPr>
                 <a:defRPr/>
               </a:pPr>
-              <a:t>36</a:t>
+              <a:t>38</a:t>
             </a:fld>
             <a:endParaRPr lang="en-US"/>
           </a:p>
@@ -44893,6 +47483,152 @@
     <p:extLst>
       <p:ext uri="{BB962C8B-B14F-4D97-AF65-F5344CB8AC3E}">
         <p14:creationId xmlns:p14="http://schemas.microsoft.com/office/powerpoint/2010/main" val="2516591602"/>
+      </p:ext>
+    </p:extLst>
+  </p:cSld>
+  <p:clrMapOvr>
+    <a:masterClrMapping/>
+  </p:clrMapOvr>
+</p:sld>
+</file>
+
+<file path=ppt/slides/slide39.xml><?xml version="1.0" encoding="utf-8"?>
+<p:sld xmlns:a="http://schemas.openxmlformats.org/drawingml/2006/main" xmlns:r="http://schemas.openxmlformats.org/officeDocument/2006/relationships" xmlns:p="http://schemas.openxmlformats.org/presentationml/2006/main">
+  <p:cSld>
+    <p:spTree>
+      <p:nvGrpSpPr>
+        <p:cNvPr id="1" name=""/>
+        <p:cNvGrpSpPr/>
+        <p:nvPr/>
+      </p:nvGrpSpPr>
+      <p:grpSpPr>
+        <a:xfrm>
+          <a:off x="0" y="0"/>
+          <a:ext cx="0" cy="0"/>
+          <a:chOff x="0" y="0"/>
+          <a:chExt cx="0" cy="0"/>
+        </a:xfrm>
+      </p:grpSpPr>
+      <p:sp>
+        <p:nvSpPr>
+          <p:cNvPr id="2" name="Title 1">
+            <a:extLst>
+              <a:ext uri="{FF2B5EF4-FFF2-40B4-BE49-F238E27FC236}">
+                <a16:creationId xmlns:a16="http://schemas.microsoft.com/office/drawing/2014/main" id="{05A6EB35-0E57-2B94-27A5-81BDA61F9496}"/>
+              </a:ext>
+            </a:extLst>
+          </p:cNvPr>
+          <p:cNvSpPr>
+            <a:spLocks noGrp="1"/>
+          </p:cNvSpPr>
+          <p:nvPr>
+            <p:ph type="title"/>
+          </p:nvPr>
+        </p:nvSpPr>
+        <p:spPr/>
+        <p:txBody>
+          <a:bodyPr/>
+          <a:lstStyle/>
+          <a:p>
+            <a:r>
+              <a:rPr lang="en-US" dirty="0"/>
+              <a:t>Other properties to be consider</a:t>
+            </a:r>
+          </a:p>
+        </p:txBody>
+      </p:sp>
+      <p:sp>
+        <p:nvSpPr>
+          <p:cNvPr id="3" name="Content Placeholder 2">
+            <a:extLst>
+              <a:ext uri="{FF2B5EF4-FFF2-40B4-BE49-F238E27FC236}">
+                <a16:creationId xmlns:a16="http://schemas.microsoft.com/office/drawing/2014/main" id="{441FF34B-478A-7ADE-CA8C-AA1241A193C1}"/>
+              </a:ext>
+            </a:extLst>
+          </p:cNvPr>
+          <p:cNvSpPr>
+            <a:spLocks noGrp="1"/>
+          </p:cNvSpPr>
+          <p:nvPr>
+            <p:ph idx="1"/>
+          </p:nvPr>
+        </p:nvSpPr>
+        <p:spPr/>
+        <p:txBody>
+          <a:bodyPr/>
+          <a:lstStyle/>
+          <a:p>
+            <a:r>
+              <a:rPr lang="en-US" sz="2400" dirty="0"/>
+              <a:t>The last command saved and used by the MHS component, is really the command sent on the previous cycle</a:t>
+            </a:r>
+          </a:p>
+          <a:p>
+            <a:pPr lvl="1"/>
+            <a:r>
+              <a:rPr lang="en-US" sz="2000" dirty="0"/>
+              <a:t>A similar property exists for the previous mode</a:t>
+            </a:r>
+          </a:p>
+          <a:p>
+            <a:r>
+              <a:rPr lang="en-US" sz="2400" dirty="0"/>
+              <a:t>Composition of the mode and heat control functions (e.g., if there is a bad value on an input), then the heat will be off</a:t>
+            </a:r>
+          </a:p>
+          <a:p>
+            <a:r>
+              <a:rPr lang="en-US" sz="2400" dirty="0"/>
+              <a:t>Regulator status is reported on operator interface (delayed one frame)</a:t>
+            </a:r>
+          </a:p>
+          <a:p>
+            <a:r>
+              <a:rPr lang="en-US" sz="2400" dirty="0"/>
+              <a:t>Compose temp sensor with thermostat</a:t>
+            </a:r>
+          </a:p>
+        </p:txBody>
+      </p:sp>
+      <p:sp>
+        <p:nvSpPr>
+          <p:cNvPr id="4" name="Slide Number Placeholder 3">
+            <a:extLst>
+              <a:ext uri="{FF2B5EF4-FFF2-40B4-BE49-F238E27FC236}">
+                <a16:creationId xmlns:a16="http://schemas.microsoft.com/office/drawing/2014/main" id="{BE1CDA80-47C1-9066-78DE-0B69F96B1106}"/>
+              </a:ext>
+            </a:extLst>
+          </p:cNvPr>
+          <p:cNvSpPr>
+            <a:spLocks noGrp="1"/>
+          </p:cNvSpPr>
+          <p:nvPr>
+            <p:ph type="sldNum" sz="quarter" idx="11"/>
+          </p:nvPr>
+        </p:nvSpPr>
+        <p:spPr/>
+        <p:txBody>
+          <a:bodyPr/>
+          <a:lstStyle/>
+          <a:p>
+            <a:pPr>
+              <a:defRPr/>
+            </a:pPr>
+            <a:fld id="{C22399C2-1ADD-1549-9753-CEA7C1EED1B8}" type="slidenum">
+              <a:rPr lang="en-US" smtClean="0"/>
+              <a:pPr>
+                <a:defRPr/>
+              </a:pPr>
+              <a:t>39</a:t>
+            </a:fld>
+            <a:endParaRPr lang="en-US"/>
+          </a:p>
+        </p:txBody>
+      </p:sp>
+    </p:spTree>
+    <p:extLst>
+      <p:ext uri="{BB962C8B-B14F-4D97-AF65-F5344CB8AC3E}">
+        <p14:creationId xmlns:p14="http://schemas.microsoft.com/office/powerpoint/2010/main" val="2363861297"/>
       </p:ext>
     </p:extLst>
   </p:cSld>
@@ -45688,6 +48424,136 @@
     <p:extLst>
       <p:ext uri="{BB962C8B-B14F-4D97-AF65-F5344CB8AC3E}">
         <p14:creationId xmlns:p14="http://schemas.microsoft.com/office/powerpoint/2010/main" val="1200347590"/>
+      </p:ext>
+    </p:extLst>
+  </p:cSld>
+  <p:clrMapOvr>
+    <a:masterClrMapping/>
+  </p:clrMapOvr>
+</p:sld>
+</file>
+
+<file path=ppt/slides/slide40.xml><?xml version="1.0" encoding="utf-8"?>
+<p:sld xmlns:a="http://schemas.openxmlformats.org/drawingml/2006/main" xmlns:r="http://schemas.openxmlformats.org/officeDocument/2006/relationships" xmlns:p="http://schemas.openxmlformats.org/presentationml/2006/main">
+  <p:cSld>
+    <p:spTree>
+      <p:nvGrpSpPr>
+        <p:cNvPr id="1" name=""/>
+        <p:cNvGrpSpPr/>
+        <p:nvPr/>
+      </p:nvGrpSpPr>
+      <p:grpSpPr>
+        <a:xfrm>
+          <a:off x="0" y="0"/>
+          <a:ext cx="0" cy="0"/>
+          <a:chOff x="0" y="0"/>
+          <a:chExt cx="0" cy="0"/>
+        </a:xfrm>
+      </p:grpSpPr>
+      <p:sp>
+        <p:nvSpPr>
+          <p:cNvPr id="2" name="Title 1">
+            <a:extLst>
+              <a:ext uri="{FF2B5EF4-FFF2-40B4-BE49-F238E27FC236}">
+                <a16:creationId xmlns:a16="http://schemas.microsoft.com/office/drawing/2014/main" id="{BAFA3BBA-CD5A-99F0-29F2-02EE35AB53B2}"/>
+              </a:ext>
+            </a:extLst>
+          </p:cNvPr>
+          <p:cNvSpPr>
+            <a:spLocks noGrp="1"/>
+          </p:cNvSpPr>
+          <p:nvPr>
+            <p:ph type="title"/>
+          </p:nvPr>
+        </p:nvSpPr>
+        <p:spPr/>
+        <p:txBody>
+          <a:bodyPr/>
+          <a:lstStyle/>
+          <a:p>
+            <a:endParaRPr lang="en-US"/>
+          </a:p>
+        </p:txBody>
+      </p:sp>
+      <p:sp>
+        <p:nvSpPr>
+          <p:cNvPr id="3" name="Content Placeholder 2">
+            <a:extLst>
+              <a:ext uri="{FF2B5EF4-FFF2-40B4-BE49-F238E27FC236}">
+                <a16:creationId xmlns:a16="http://schemas.microsoft.com/office/drawing/2014/main" id="{8F29DC13-AFA1-4FAC-A52D-2A9A3B3671EB}"/>
+              </a:ext>
+            </a:extLst>
+          </p:cNvPr>
+          <p:cNvSpPr>
+            <a:spLocks noGrp="1"/>
+          </p:cNvSpPr>
+          <p:nvPr>
+            <p:ph idx="1"/>
+          </p:nvPr>
+        </p:nvSpPr>
+        <p:spPr/>
+        <p:txBody>
+          <a:bodyPr/>
+          <a:lstStyle/>
+          <a:p>
+            <a:r>
+              <a:rPr lang="en-US" dirty="0"/>
+              <a:t>Need some type of constraint that gets specified by one component that indicates what needs to </a:t>
+            </a:r>
+            <a:r>
+              <a:rPr lang="en-US" i="1" dirty="0"/>
+              <a:t>not </a:t>
+            </a:r>
+            <a:r>
+              <a:rPr lang="en-US" dirty="0"/>
+              <a:t>happen in other components for it to be composable with those components and still meet </a:t>
+            </a:r>
+            <a:r>
+              <a:rPr lang="en-US"/>
+              <a:t>its specification.  </a:t>
+            </a:r>
+          </a:p>
+        </p:txBody>
+      </p:sp>
+      <p:sp>
+        <p:nvSpPr>
+          <p:cNvPr id="4" name="Slide Number Placeholder 3">
+            <a:extLst>
+              <a:ext uri="{FF2B5EF4-FFF2-40B4-BE49-F238E27FC236}">
+                <a16:creationId xmlns:a16="http://schemas.microsoft.com/office/drawing/2014/main" id="{E24EFDFD-BBC8-925C-E6C9-F3A84B3F64E5}"/>
+              </a:ext>
+            </a:extLst>
+          </p:cNvPr>
+          <p:cNvSpPr>
+            <a:spLocks noGrp="1"/>
+          </p:cNvSpPr>
+          <p:nvPr>
+            <p:ph type="sldNum" sz="quarter" idx="11"/>
+          </p:nvPr>
+        </p:nvSpPr>
+        <p:spPr/>
+        <p:txBody>
+          <a:bodyPr/>
+          <a:lstStyle/>
+          <a:p>
+            <a:pPr>
+              <a:defRPr/>
+            </a:pPr>
+            <a:fld id="{C22399C2-1ADD-1549-9753-CEA7C1EED1B8}" type="slidenum">
+              <a:rPr lang="en-US" smtClean="0"/>
+              <a:pPr>
+                <a:defRPr/>
+              </a:pPr>
+              <a:t>40</a:t>
+            </a:fld>
+            <a:endParaRPr lang="en-US"/>
+          </a:p>
+        </p:txBody>
+      </p:sp>
+    </p:spTree>
+    <p:extLst>
+      <p:ext uri="{BB962C8B-B14F-4D97-AF65-F5344CB8AC3E}">
+        <p14:creationId xmlns:p14="http://schemas.microsoft.com/office/powerpoint/2010/main" val="3893340843"/>
       </p:ext>
     </p:extLst>
   </p:cSld>
